--- a/info/SpringBootDocumentation.pptx
+++ b/info/SpringBootDocumentation.pptx
@@ -2,13 +2,14 @@
 <file path=ppt/presentation.xml><?xml version="1.0" encoding="utf-8"?>
 <p:presentation xmlns:a="http://schemas.openxmlformats.org/drawingml/2006/main" xmlns:r="http://schemas.openxmlformats.org/officeDocument/2006/relationships" xmlns:p="http://schemas.openxmlformats.org/presentationml/2006/main" saveSubsetFonts="1">
   <p:sldMasterIdLst>
-    <p:sldMasterId id="2147483648" r:id="rId1"/>
+    <p:sldMasterId id="2147483672" r:id="rId1"/>
   </p:sldMasterIdLst>
   <p:sldIdLst>
-    <p:sldId id="256" r:id="rId2"/>
-    <p:sldId id="257" r:id="rId3"/>
-    <p:sldId id="258" r:id="rId4"/>
-    <p:sldId id="259" r:id="rId5"/>
+    <p:sldId id="260" r:id="rId2"/>
+    <p:sldId id="256" r:id="rId3"/>
+    <p:sldId id="257" r:id="rId4"/>
+    <p:sldId id="258" r:id="rId5"/>
+    <p:sldId id="259" r:id="rId6"/>
   </p:sldIdLst>
   <p:sldSz cx="9144000" cy="6858000" type="screen4x3"/>
   <p:notesSz cx="6858000" cy="9144000"/>
@@ -342,7 +343,7 @@
     </p:spTree>
     <p:extLst>
       <p:ext uri="{BB962C8B-B14F-4D97-AF65-F5344CB8AC3E}">
-        <p14:creationId xmlns:p14="http://schemas.microsoft.com/office/powerpoint/2010/main" val="556454023"/>
+        <p14:creationId xmlns:p14="http://schemas.microsoft.com/office/powerpoint/2010/main" val="195912944"/>
       </p:ext>
     </p:extLst>
   </p:cSld>
@@ -512,7 +513,7 @@
     </p:spTree>
     <p:extLst>
       <p:ext uri="{BB962C8B-B14F-4D97-AF65-F5344CB8AC3E}">
-        <p14:creationId xmlns:p14="http://schemas.microsoft.com/office/powerpoint/2010/main" val="800392387"/>
+        <p14:creationId xmlns:p14="http://schemas.microsoft.com/office/powerpoint/2010/main" val="2590401572"/>
       </p:ext>
     </p:extLst>
   </p:cSld>
@@ -692,7 +693,7 @@
     </p:spTree>
     <p:extLst>
       <p:ext uri="{BB962C8B-B14F-4D97-AF65-F5344CB8AC3E}">
-        <p14:creationId xmlns:p14="http://schemas.microsoft.com/office/powerpoint/2010/main" val="3559437968"/>
+        <p14:creationId xmlns:p14="http://schemas.microsoft.com/office/powerpoint/2010/main" val="22444868"/>
       </p:ext>
     </p:extLst>
   </p:cSld>
@@ -862,7 +863,7 @@
     </p:spTree>
     <p:extLst>
       <p:ext uri="{BB962C8B-B14F-4D97-AF65-F5344CB8AC3E}">
-        <p14:creationId xmlns:p14="http://schemas.microsoft.com/office/powerpoint/2010/main" val="3244823911"/>
+        <p14:creationId xmlns:p14="http://schemas.microsoft.com/office/powerpoint/2010/main" val="3638495071"/>
       </p:ext>
     </p:extLst>
   </p:cSld>
@@ -1108,7 +1109,7 @@
     </p:spTree>
     <p:extLst>
       <p:ext uri="{BB962C8B-B14F-4D97-AF65-F5344CB8AC3E}">
-        <p14:creationId xmlns:p14="http://schemas.microsoft.com/office/powerpoint/2010/main" val="299634986"/>
+        <p14:creationId xmlns:p14="http://schemas.microsoft.com/office/powerpoint/2010/main" val="2355655032"/>
       </p:ext>
     </p:extLst>
   </p:cSld>
@@ -1396,7 +1397,7 @@
     </p:spTree>
     <p:extLst>
       <p:ext uri="{BB962C8B-B14F-4D97-AF65-F5344CB8AC3E}">
-        <p14:creationId xmlns:p14="http://schemas.microsoft.com/office/powerpoint/2010/main" val="1455317302"/>
+        <p14:creationId xmlns:p14="http://schemas.microsoft.com/office/powerpoint/2010/main" val="1601399942"/>
       </p:ext>
     </p:extLst>
   </p:cSld>
@@ -1818,7 +1819,7 @@
     </p:spTree>
     <p:extLst>
       <p:ext uri="{BB962C8B-B14F-4D97-AF65-F5344CB8AC3E}">
-        <p14:creationId xmlns:p14="http://schemas.microsoft.com/office/powerpoint/2010/main" val="452958893"/>
+        <p14:creationId xmlns:p14="http://schemas.microsoft.com/office/powerpoint/2010/main" val="3154150912"/>
       </p:ext>
     </p:extLst>
   </p:cSld>
@@ -1936,7 +1937,7 @@
     </p:spTree>
     <p:extLst>
       <p:ext uri="{BB962C8B-B14F-4D97-AF65-F5344CB8AC3E}">
-        <p14:creationId xmlns:p14="http://schemas.microsoft.com/office/powerpoint/2010/main" val="1961097376"/>
+        <p14:creationId xmlns:p14="http://schemas.microsoft.com/office/powerpoint/2010/main" val="2294931927"/>
       </p:ext>
     </p:extLst>
   </p:cSld>
@@ -2031,7 +2032,7 @@
     </p:spTree>
     <p:extLst>
       <p:ext uri="{BB962C8B-B14F-4D97-AF65-F5344CB8AC3E}">
-        <p14:creationId xmlns:p14="http://schemas.microsoft.com/office/powerpoint/2010/main" val="2583953428"/>
+        <p14:creationId xmlns:p14="http://schemas.microsoft.com/office/powerpoint/2010/main" val="2611535225"/>
       </p:ext>
     </p:extLst>
   </p:cSld>
@@ -2308,7 +2309,7 @@
     </p:spTree>
     <p:extLst>
       <p:ext uri="{BB962C8B-B14F-4D97-AF65-F5344CB8AC3E}">
-        <p14:creationId xmlns:p14="http://schemas.microsoft.com/office/powerpoint/2010/main" val="3388941711"/>
+        <p14:creationId xmlns:p14="http://schemas.microsoft.com/office/powerpoint/2010/main" val="1459623557"/>
       </p:ext>
     </p:extLst>
   </p:cSld>
@@ -2561,7 +2562,7 @@
     </p:spTree>
     <p:extLst>
       <p:ext uri="{BB962C8B-B14F-4D97-AF65-F5344CB8AC3E}">
-        <p14:creationId xmlns:p14="http://schemas.microsoft.com/office/powerpoint/2010/main" val="2405942709"/>
+        <p14:creationId xmlns:p14="http://schemas.microsoft.com/office/powerpoint/2010/main" val="1408596659"/>
       </p:ext>
     </p:extLst>
   </p:cSld>
@@ -2810,23 +2811,23 @@
     </p:spTree>
     <p:extLst>
       <p:ext uri="{BB962C8B-B14F-4D97-AF65-F5344CB8AC3E}">
-        <p14:creationId xmlns:p14="http://schemas.microsoft.com/office/powerpoint/2010/main" val="2130322042"/>
+        <p14:creationId xmlns:p14="http://schemas.microsoft.com/office/powerpoint/2010/main" val="1839106868"/>
       </p:ext>
     </p:extLst>
   </p:cSld>
   <p:clrMap bg1="lt1" tx1="dk1" bg2="lt2" tx2="dk2" accent1="accent1" accent2="accent2" accent3="accent3" accent4="accent4" accent5="accent5" accent6="accent6" hlink="hlink" folHlink="folHlink"/>
   <p:sldLayoutIdLst>
-    <p:sldLayoutId id="2147483649" r:id="rId1"/>
-    <p:sldLayoutId id="2147483650" r:id="rId2"/>
-    <p:sldLayoutId id="2147483651" r:id="rId3"/>
-    <p:sldLayoutId id="2147483652" r:id="rId4"/>
-    <p:sldLayoutId id="2147483653" r:id="rId5"/>
-    <p:sldLayoutId id="2147483654" r:id="rId6"/>
-    <p:sldLayoutId id="2147483655" r:id="rId7"/>
-    <p:sldLayoutId id="2147483656" r:id="rId8"/>
-    <p:sldLayoutId id="2147483657" r:id="rId9"/>
-    <p:sldLayoutId id="2147483658" r:id="rId10"/>
-    <p:sldLayoutId id="2147483659" r:id="rId11"/>
+    <p:sldLayoutId id="2147483673" r:id="rId1"/>
+    <p:sldLayoutId id="2147483674" r:id="rId2"/>
+    <p:sldLayoutId id="2147483675" r:id="rId3"/>
+    <p:sldLayoutId id="2147483676" r:id="rId4"/>
+    <p:sldLayoutId id="2147483677" r:id="rId5"/>
+    <p:sldLayoutId id="2147483678" r:id="rId6"/>
+    <p:sldLayoutId id="2147483679" r:id="rId7"/>
+    <p:sldLayoutId id="2147483680" r:id="rId8"/>
+    <p:sldLayoutId id="2147483681" r:id="rId9"/>
+    <p:sldLayoutId id="2147483682" r:id="rId10"/>
+    <p:sldLayoutId id="2147483683" r:id="rId11"/>
   </p:sldLayoutIdLst>
   <p:txStyles>
     <p:titleStyle>
@@ -3100,14 +3101,14 @@
       </p:grpSpPr>
       <p:sp>
         <p:nvSpPr>
-          <p:cNvPr id="4" name="TextBox 3"/>
+          <p:cNvPr id="2" name="TextBox 1"/>
           <p:cNvSpPr txBox="1"/>
           <p:nvPr/>
         </p:nvSpPr>
         <p:spPr>
           <a:xfrm>
-            <a:off x="838200" y="762000"/>
-            <a:ext cx="4933658" cy="4801314"/>
+            <a:off x="1905000" y="2447636"/>
+            <a:ext cx="5410200" cy="584775"/>
           </a:xfrm>
           <a:prstGeom prst="rect">
             <a:avLst/>
@@ -3115,183 +3116,75 @@
           <a:noFill/>
         </p:spPr>
         <p:txBody>
-          <a:bodyPr wrap="none" rtlCol="0">
+          <a:bodyPr wrap="square" rtlCol="0">
             <a:spAutoFit/>
           </a:bodyPr>
           <a:lstStyle/>
           <a:p>
             <a:r>
-              <a:rPr lang="en-US" dirty="0" smtClean="0"/>
-              <a:t>What is Spring Framework </a:t>
-            </a:r>
-            <a:r>
-              <a:rPr lang="en-US" dirty="0" smtClean="0"/>
-              <a:t>? </a:t>
-            </a:r>
-            <a:r>
-              <a:rPr lang="en-US" dirty="0">
-                <a:hlinkClick r:id="rId2"/>
+              <a:rPr lang="en-US" sz="3200" b="1" dirty="0" smtClean="0">
+                <a:solidFill>
+                  <a:srgbClr val="00B050"/>
+                </a:solidFill>
               </a:rPr>
-              <a:t>https://</a:t>
-            </a:r>
-            <a:r>
-              <a:rPr lang="en-US" dirty="0" smtClean="0">
-                <a:hlinkClick r:id="rId2"/>
-              </a:rPr>
-              <a:t>goo.gl/gzcKCE</a:t>
-            </a:r>
-            <a:r>
-              <a:rPr lang="en-US" dirty="0" smtClean="0"/>
-              <a:t> </a:t>
-            </a:r>
-            <a:endParaRPr lang="en-US" dirty="0" smtClean="0"/>
-          </a:p>
-          <a:p>
-            <a:pPr marL="285750" indent="-285750">
-              <a:buFontTx/>
-              <a:buChar char="-"/>
-            </a:pPr>
-            <a:r>
-              <a:rPr lang="en-US" sz="1400" dirty="0" smtClean="0"/>
-              <a:t>is a integration framework</a:t>
-            </a:r>
-          </a:p>
-          <a:p>
-            <a:pPr marL="285750" indent="-285750">
-              <a:buFontTx/>
-              <a:buChar char="-"/>
-            </a:pPr>
-            <a:r>
-              <a:rPr lang="en-US" sz="1400" dirty="0" smtClean="0"/>
-              <a:t>To develop enterprise java application</a:t>
-            </a:r>
-          </a:p>
-          <a:p>
-            <a:pPr marL="285750" indent="-285750">
-              <a:buFontTx/>
-              <a:buChar char="-"/>
-            </a:pPr>
-            <a:r>
-              <a:rPr lang="en-US" sz="1400" dirty="0" smtClean="0"/>
-              <a:t>is kind of replacement for EJB ( session, entity, </a:t>
-            </a:r>
-            <a:r>
-              <a:rPr lang="en-US" sz="1400" dirty="0" err="1" smtClean="0"/>
-              <a:t>mdb</a:t>
-            </a:r>
-            <a:r>
-              <a:rPr lang="en-US" sz="1400" dirty="0" smtClean="0"/>
-              <a:t>)</a:t>
-            </a:r>
-          </a:p>
-          <a:p>
-            <a:pPr marL="285750" indent="-285750">
-              <a:buFontTx/>
-              <a:buChar char="-"/>
-            </a:pPr>
-            <a:r>
-              <a:rPr lang="en-US" sz="1400" dirty="0" smtClean="0"/>
-              <a:t>loosely coupled components</a:t>
-            </a:r>
-          </a:p>
-          <a:p>
-            <a:pPr marL="285750" indent="-285750">
-              <a:buFontTx/>
-              <a:buChar char="-"/>
-            </a:pPr>
-            <a:r>
-              <a:rPr lang="en-US" sz="1400" dirty="0" smtClean="0"/>
-              <a:t>design patterns</a:t>
-            </a:r>
-          </a:p>
-          <a:p>
-            <a:endParaRPr lang="en-US" sz="1400" dirty="0" smtClean="0"/>
-          </a:p>
-          <a:p>
-            <a:endParaRPr lang="en-US" sz="1400" dirty="0"/>
-          </a:p>
-          <a:p>
-            <a:r>
-              <a:rPr lang="en-US" sz="1400" dirty="0" smtClean="0"/>
-              <a:t>Spring Core Container- Singleton/Prototype Pattern</a:t>
-            </a:r>
-          </a:p>
-          <a:p>
-            <a:r>
-              <a:rPr lang="en-US" sz="1400" dirty="0" smtClean="0"/>
-              <a:t>JDBC/Hibernate – Template Pattern</a:t>
-            </a:r>
-          </a:p>
-          <a:p>
-            <a:endParaRPr lang="en-US" sz="1400" dirty="0" smtClean="0"/>
-          </a:p>
-          <a:p>
-            <a:r>
-              <a:rPr lang="en-US" sz="1400" dirty="0" smtClean="0"/>
-              <a:t>Spring </a:t>
-            </a:r>
-            <a:r>
-              <a:rPr lang="en-US" sz="1400" dirty="0" smtClean="0"/>
-              <a:t>framework Techniques</a:t>
-            </a:r>
-          </a:p>
-          <a:p>
-            <a:pPr marL="285750" indent="-285750">
-              <a:buFontTx/>
-              <a:buChar char="-"/>
-            </a:pPr>
-            <a:r>
-              <a:rPr lang="en-US" sz="1400" dirty="0" smtClean="0"/>
-              <a:t>Dependency Injection</a:t>
-            </a:r>
-          </a:p>
-          <a:p>
-            <a:pPr marL="285750" indent="-285750">
-              <a:buFontTx/>
-              <a:buChar char="-"/>
-            </a:pPr>
-            <a:r>
-              <a:rPr lang="en-US" sz="1400" dirty="0" smtClean="0"/>
-              <a:t>AOP</a:t>
-            </a:r>
-          </a:p>
-          <a:p>
-            <a:endParaRPr lang="en-US" sz="1400" dirty="0" smtClean="0"/>
-          </a:p>
-          <a:p>
-            <a:r>
-              <a:rPr lang="en-US" sz="1400" dirty="0" smtClean="0"/>
-              <a:t>Spring Boot 1.5.7 – recommended 1.8</a:t>
-            </a:r>
-          </a:p>
-          <a:p>
-            <a:r>
-              <a:rPr lang="en-US" sz="1400" dirty="0" smtClean="0"/>
-              <a:t>Spring 4.3.11 – Java 1.8</a:t>
-            </a:r>
-          </a:p>
-          <a:p>
-            <a:endParaRPr lang="en-US" sz="1400" dirty="0"/>
-          </a:p>
-          <a:p>
-            <a:endParaRPr lang="en-US" sz="1400" dirty="0" smtClean="0"/>
-          </a:p>
-          <a:p>
-            <a:pPr marL="285750" indent="-285750">
-              <a:buFontTx/>
-              <a:buChar char="-"/>
-            </a:pPr>
-            <a:endParaRPr lang="en-US" dirty="0" smtClean="0"/>
-          </a:p>
-          <a:p>
-            <a:endParaRPr lang="en-US" dirty="0"/>
+              <a:t>Spring Boot Documentation</a:t>
+            </a:r>
+            <a:endParaRPr lang="en-US" sz="3200" b="1" dirty="0">
+              <a:solidFill>
+                <a:srgbClr val="00B050"/>
+              </a:solidFill>
+            </a:endParaRPr>
+          </a:p>
+        </p:txBody>
+      </p:sp>
+      <p:sp>
+        <p:nvSpPr>
+          <p:cNvPr id="3" name="Rectangle 2"/>
+          <p:cNvSpPr/>
+          <p:nvPr/>
+        </p:nvSpPr>
+        <p:spPr>
+          <a:xfrm>
+            <a:off x="152400" y="5257800"/>
+            <a:ext cx="8763000" cy="1524000"/>
+          </a:xfrm>
+          <a:prstGeom prst="rect">
+            <a:avLst/>
+          </a:prstGeom>
+          <a:solidFill>
+            <a:srgbClr val="00B050"/>
+          </a:solidFill>
+          <a:ln>
+            <a:noFill/>
+          </a:ln>
+        </p:spPr>
+        <p:style>
+          <a:lnRef idx="3">
+            <a:schemeClr val="lt1"/>
+          </a:lnRef>
+          <a:fillRef idx="1">
+            <a:schemeClr val="accent3"/>
+          </a:fillRef>
+          <a:effectRef idx="1">
+            <a:schemeClr val="accent3"/>
+          </a:effectRef>
+          <a:fontRef idx="minor">
+            <a:schemeClr val="lt1"/>
+          </a:fontRef>
+        </p:style>
+        <p:txBody>
+          <a:bodyPr rtlCol="0" anchor="ctr"/>
+          <a:lstStyle/>
+          <a:p>
+            <a:pPr algn="ctr"/>
+            <a:endParaRPr lang="en-US"/>
           </a:p>
         </p:txBody>
       </p:sp>
     </p:spTree>
     <p:extLst>
       <p:ext uri="{BB962C8B-B14F-4D97-AF65-F5344CB8AC3E}">
-        <p14:creationId xmlns:p14="http://schemas.microsoft.com/office/powerpoint/2010/main" val="3325614425"/>
+        <p14:creationId xmlns:p14="http://schemas.microsoft.com/office/powerpoint/2010/main" val="3260976141"/>
       </p:ext>
     </p:extLst>
   </p:cSld>
@@ -3320,6 +3213,217 @@
       </p:grpSpPr>
       <p:sp>
         <p:nvSpPr>
+          <p:cNvPr id="4" name="TextBox 3"/>
+          <p:cNvSpPr txBox="1"/>
+          <p:nvPr/>
+        </p:nvSpPr>
+        <p:spPr>
+          <a:xfrm>
+            <a:off x="838200" y="762000"/>
+            <a:ext cx="4933658" cy="4801314"/>
+          </a:xfrm>
+          <a:prstGeom prst="rect">
+            <a:avLst/>
+          </a:prstGeom>
+          <a:noFill/>
+        </p:spPr>
+        <p:txBody>
+          <a:bodyPr wrap="none" rtlCol="0">
+            <a:spAutoFit/>
+          </a:bodyPr>
+          <a:lstStyle/>
+          <a:p>
+            <a:r>
+              <a:rPr lang="en-US" dirty="0" smtClean="0"/>
+              <a:t>What is Spring Framework ? </a:t>
+            </a:r>
+            <a:r>
+              <a:rPr lang="en-US" dirty="0">
+                <a:hlinkClick r:id="rId2"/>
+              </a:rPr>
+              <a:t>https://</a:t>
+            </a:r>
+            <a:r>
+              <a:rPr lang="en-US" dirty="0" smtClean="0">
+                <a:hlinkClick r:id="rId2"/>
+              </a:rPr>
+              <a:t>goo.gl/gzcKCE</a:t>
+            </a:r>
+            <a:r>
+              <a:rPr lang="en-US" dirty="0" smtClean="0"/>
+              <a:t> </a:t>
+            </a:r>
+          </a:p>
+          <a:p>
+            <a:pPr marL="285750" indent="-285750">
+              <a:buFontTx/>
+              <a:buChar char="-"/>
+            </a:pPr>
+            <a:r>
+              <a:rPr lang="en-US" sz="1400" dirty="0" smtClean="0"/>
+              <a:t>is a integration framework</a:t>
+            </a:r>
+          </a:p>
+          <a:p>
+            <a:pPr marL="285750" indent="-285750">
+              <a:buFontTx/>
+              <a:buChar char="-"/>
+            </a:pPr>
+            <a:r>
+              <a:rPr lang="en-US" sz="1400" dirty="0" smtClean="0"/>
+              <a:t>To develop enterprise java application</a:t>
+            </a:r>
+          </a:p>
+          <a:p>
+            <a:pPr marL="285750" indent="-285750">
+              <a:buFontTx/>
+              <a:buChar char="-"/>
+            </a:pPr>
+            <a:r>
+              <a:rPr lang="en-US" sz="1400" dirty="0" smtClean="0"/>
+              <a:t>is kind of replacement for EJB ( session, entity, </a:t>
+            </a:r>
+            <a:r>
+              <a:rPr lang="en-US" sz="1400" dirty="0" err="1" smtClean="0"/>
+              <a:t>mdb</a:t>
+            </a:r>
+            <a:r>
+              <a:rPr lang="en-US" sz="1400" dirty="0" smtClean="0"/>
+              <a:t>)</a:t>
+            </a:r>
+          </a:p>
+          <a:p>
+            <a:pPr marL="285750" indent="-285750">
+              <a:buFontTx/>
+              <a:buChar char="-"/>
+            </a:pPr>
+            <a:r>
+              <a:rPr lang="en-US" sz="1400" dirty="0" smtClean="0"/>
+              <a:t>loosely coupled components</a:t>
+            </a:r>
+          </a:p>
+          <a:p>
+            <a:pPr marL="285750" indent="-285750">
+              <a:buFontTx/>
+              <a:buChar char="-"/>
+            </a:pPr>
+            <a:r>
+              <a:rPr lang="en-US" sz="1400" dirty="0" smtClean="0"/>
+              <a:t>design patterns</a:t>
+            </a:r>
+          </a:p>
+          <a:p>
+            <a:endParaRPr lang="en-US" sz="1400" dirty="0" smtClean="0"/>
+          </a:p>
+          <a:p>
+            <a:endParaRPr lang="en-US" sz="1400" dirty="0"/>
+          </a:p>
+          <a:p>
+            <a:r>
+              <a:rPr lang="en-US" sz="1400" dirty="0" smtClean="0"/>
+              <a:t>Spring Core Container- Singleton/Prototype Pattern</a:t>
+            </a:r>
+          </a:p>
+          <a:p>
+            <a:r>
+              <a:rPr lang="en-US" sz="1400" dirty="0" smtClean="0"/>
+              <a:t>JDBC/Hibernate – Template Pattern</a:t>
+            </a:r>
+          </a:p>
+          <a:p>
+            <a:endParaRPr lang="en-US" sz="1400" dirty="0" smtClean="0"/>
+          </a:p>
+          <a:p>
+            <a:r>
+              <a:rPr lang="en-US" sz="1400" dirty="0" smtClean="0"/>
+              <a:t>Spring framework Techniques</a:t>
+            </a:r>
+          </a:p>
+          <a:p>
+            <a:pPr marL="285750" indent="-285750">
+              <a:buFontTx/>
+              <a:buChar char="-"/>
+            </a:pPr>
+            <a:r>
+              <a:rPr lang="en-US" sz="1400" dirty="0" smtClean="0"/>
+              <a:t>Dependency Injection</a:t>
+            </a:r>
+          </a:p>
+          <a:p>
+            <a:pPr marL="285750" indent="-285750">
+              <a:buFontTx/>
+              <a:buChar char="-"/>
+            </a:pPr>
+            <a:r>
+              <a:rPr lang="en-US" sz="1400" dirty="0" smtClean="0"/>
+              <a:t>AOP</a:t>
+            </a:r>
+          </a:p>
+          <a:p>
+            <a:endParaRPr lang="en-US" sz="1400" dirty="0" smtClean="0"/>
+          </a:p>
+          <a:p>
+            <a:r>
+              <a:rPr lang="en-US" sz="1400" dirty="0" smtClean="0"/>
+              <a:t>Spring Boot 1.5.7 – recommended 1.8</a:t>
+            </a:r>
+          </a:p>
+          <a:p>
+            <a:r>
+              <a:rPr lang="en-US" sz="1400" dirty="0" smtClean="0"/>
+              <a:t>Spring 4.3.11 – Java 1.8</a:t>
+            </a:r>
+          </a:p>
+          <a:p>
+            <a:endParaRPr lang="en-US" sz="1400" dirty="0"/>
+          </a:p>
+          <a:p>
+            <a:endParaRPr lang="en-US" sz="1400" dirty="0" smtClean="0"/>
+          </a:p>
+          <a:p>
+            <a:pPr marL="285750" indent="-285750">
+              <a:buFontTx/>
+              <a:buChar char="-"/>
+            </a:pPr>
+            <a:endParaRPr lang="en-US" dirty="0" smtClean="0"/>
+          </a:p>
+          <a:p>
+            <a:endParaRPr lang="en-US" dirty="0"/>
+          </a:p>
+        </p:txBody>
+      </p:sp>
+    </p:spTree>
+    <p:extLst>
+      <p:ext uri="{BB962C8B-B14F-4D97-AF65-F5344CB8AC3E}">
+        <p14:creationId xmlns:p14="http://schemas.microsoft.com/office/powerpoint/2010/main" val="3325614425"/>
+      </p:ext>
+    </p:extLst>
+  </p:cSld>
+  <p:clrMapOvr>
+    <a:masterClrMapping/>
+  </p:clrMapOvr>
+</p:sld>
+</file>
+
+<file path=ppt/slides/slide3.xml><?xml version="1.0" encoding="utf-8"?>
+<p:sld xmlns:a="http://schemas.openxmlformats.org/drawingml/2006/main" xmlns:r="http://schemas.openxmlformats.org/officeDocument/2006/relationships" xmlns:p="http://schemas.openxmlformats.org/presentationml/2006/main">
+  <p:cSld>
+    <p:spTree>
+      <p:nvGrpSpPr>
+        <p:cNvPr id="1" name=""/>
+        <p:cNvGrpSpPr/>
+        <p:nvPr/>
+      </p:nvGrpSpPr>
+      <p:grpSpPr>
+        <a:xfrm>
+          <a:off x="0" y="0"/>
+          <a:ext cx="0" cy="0"/>
+          <a:chOff x="0" y="0"/>
+          <a:chExt cx="0" cy="0"/>
+        </a:xfrm>
+      </p:grpSpPr>
+      <p:sp>
+        <p:nvSpPr>
           <p:cNvPr id="6" name="TextBox 5"/>
           <p:cNvSpPr txBox="1"/>
           <p:nvPr/>
@@ -3460,11 +3564,7 @@
             </a:pPr>
             <a:r>
               <a:rPr lang="en-US" sz="1400" dirty="0" smtClean="0"/>
-              <a:t>XML </a:t>
-            </a:r>
-            <a:r>
-              <a:rPr lang="en-US" sz="1400" dirty="0" smtClean="0"/>
-              <a:t>Configuration</a:t>
+              <a:t>XML Configuration</a:t>
             </a:r>
           </a:p>
           <a:p>
@@ -3546,7 +3646,6 @@
               <a:rPr lang="en-US" sz="1400" dirty="0" smtClean="0"/>
               <a:t> ( Spring) ( default by type)</a:t>
             </a:r>
-            <a:endParaRPr lang="en-US" sz="1400" dirty="0" smtClean="0"/>
           </a:p>
           <a:p>
             <a:pPr marL="285750" indent="-285750">
@@ -3588,11 +3687,7 @@
           <a:p>
             <a:r>
               <a:rPr lang="en-US" dirty="0" smtClean="0"/>
-              <a:t>Use Spring </a:t>
-            </a:r>
-            <a:r>
-              <a:rPr lang="en-US" dirty="0" smtClean="0"/>
-              <a:t>framework</a:t>
+              <a:t>Use Spring framework</a:t>
             </a:r>
           </a:p>
           <a:p>
@@ -3620,11 +3715,7 @@
             </a:pPr>
             <a:r>
               <a:rPr lang="en-US" sz="1400" dirty="0" smtClean="0"/>
-              <a:t>Maven ( build tool</a:t>
-            </a:r>
-            <a:r>
-              <a:rPr lang="en-US" sz="1400" dirty="0" smtClean="0"/>
-              <a:t>)</a:t>
+              <a:t>Maven ( build tool)</a:t>
             </a:r>
           </a:p>
           <a:p>
@@ -3640,7 +3731,6 @@
               <a:rPr lang="en-US" sz="1400" dirty="0" smtClean="0"/>
               <a:t>om.xml</a:t>
             </a:r>
-            <a:endParaRPr lang="en-US" sz="1400" dirty="0" smtClean="0"/>
           </a:p>
           <a:p>
             <a:pPr marL="285750" indent="-285750">
@@ -3758,7 +3848,7 @@
 </p:sld>
 </file>
 
-<file path=ppt/slides/slide3.xml><?xml version="1.0" encoding="utf-8"?>
+<file path=ppt/slides/slide4.xml><?xml version="1.0" encoding="utf-8"?>
 <p:sld xmlns:a="http://schemas.openxmlformats.org/drawingml/2006/main" xmlns:r="http://schemas.openxmlformats.org/officeDocument/2006/relationships" xmlns:p="http://schemas.openxmlformats.org/presentationml/2006/main">
   <p:cSld>
     <p:spTree>
@@ -4220,7 +4310,7 @@
 </p:sld>
 </file>
 
-<file path=ppt/slides/slide4.xml><?xml version="1.0" encoding="utf-8"?>
+<file path=ppt/slides/slide5.xml><?xml version="1.0" encoding="utf-8"?>
 <p:sld xmlns:a="http://schemas.openxmlformats.org/drawingml/2006/main" xmlns:r="http://schemas.openxmlformats.org/officeDocument/2006/relationships" xmlns:p="http://schemas.openxmlformats.org/presentationml/2006/main">
   <p:cSld>
     <p:spTree>

--- a/info/SpringBootDocumentation.pptx
+++ b/info/SpringBootDocumentation.pptx
@@ -10,6 +10,8 @@
     <p:sldId id="257" r:id="rId4"/>
     <p:sldId id="258" r:id="rId5"/>
     <p:sldId id="259" r:id="rId6"/>
+    <p:sldId id="261" r:id="rId7"/>
+    <p:sldId id="262" r:id="rId8"/>
   </p:sldIdLst>
   <p:sldSz cx="9144000" cy="6858000" type="screen4x3"/>
   <p:notesSz cx="6858000" cy="9144000"/>
@@ -292,7 +294,7 @@
           <a:p>
             <a:fld id="{8BC95D7C-F206-4196-95B1-2023B832261D}" type="datetimeFigureOut">
               <a:rPr lang="en-US" smtClean="0"/>
-              <a:t>9/25/2017</a:t>
+              <a:t>9/26/2017</a:t>
             </a:fld>
             <a:endParaRPr lang="en-US"/>
           </a:p>
@@ -462,7 +464,7 @@
           <a:p>
             <a:fld id="{8BC95D7C-F206-4196-95B1-2023B832261D}" type="datetimeFigureOut">
               <a:rPr lang="en-US" smtClean="0"/>
-              <a:t>9/25/2017</a:t>
+              <a:t>9/26/2017</a:t>
             </a:fld>
             <a:endParaRPr lang="en-US"/>
           </a:p>
@@ -642,7 +644,7 @@
           <a:p>
             <a:fld id="{8BC95D7C-F206-4196-95B1-2023B832261D}" type="datetimeFigureOut">
               <a:rPr lang="en-US" smtClean="0"/>
-              <a:t>9/25/2017</a:t>
+              <a:t>9/26/2017</a:t>
             </a:fld>
             <a:endParaRPr lang="en-US"/>
           </a:p>
@@ -812,7 +814,7 @@
           <a:p>
             <a:fld id="{8BC95D7C-F206-4196-95B1-2023B832261D}" type="datetimeFigureOut">
               <a:rPr lang="en-US" smtClean="0"/>
-              <a:t>9/25/2017</a:t>
+              <a:t>9/26/2017</a:t>
             </a:fld>
             <a:endParaRPr lang="en-US"/>
           </a:p>
@@ -1058,7 +1060,7 @@
           <a:p>
             <a:fld id="{8BC95D7C-F206-4196-95B1-2023B832261D}" type="datetimeFigureOut">
               <a:rPr lang="en-US" smtClean="0"/>
-              <a:t>9/25/2017</a:t>
+              <a:t>9/26/2017</a:t>
             </a:fld>
             <a:endParaRPr lang="en-US"/>
           </a:p>
@@ -1346,7 +1348,7 @@
           <a:p>
             <a:fld id="{8BC95D7C-F206-4196-95B1-2023B832261D}" type="datetimeFigureOut">
               <a:rPr lang="en-US" smtClean="0"/>
-              <a:t>9/25/2017</a:t>
+              <a:t>9/26/2017</a:t>
             </a:fld>
             <a:endParaRPr lang="en-US"/>
           </a:p>
@@ -1768,7 +1770,7 @@
           <a:p>
             <a:fld id="{8BC95D7C-F206-4196-95B1-2023B832261D}" type="datetimeFigureOut">
               <a:rPr lang="en-US" smtClean="0"/>
-              <a:t>9/25/2017</a:t>
+              <a:t>9/26/2017</a:t>
             </a:fld>
             <a:endParaRPr lang="en-US"/>
           </a:p>
@@ -1886,7 +1888,7 @@
           <a:p>
             <a:fld id="{8BC95D7C-F206-4196-95B1-2023B832261D}" type="datetimeFigureOut">
               <a:rPr lang="en-US" smtClean="0"/>
-              <a:t>9/25/2017</a:t>
+              <a:t>9/26/2017</a:t>
             </a:fld>
             <a:endParaRPr lang="en-US"/>
           </a:p>
@@ -1981,7 +1983,7 @@
           <a:p>
             <a:fld id="{8BC95D7C-F206-4196-95B1-2023B832261D}" type="datetimeFigureOut">
               <a:rPr lang="en-US" smtClean="0"/>
-              <a:t>9/25/2017</a:t>
+              <a:t>9/26/2017</a:t>
             </a:fld>
             <a:endParaRPr lang="en-US"/>
           </a:p>
@@ -2258,7 +2260,7 @@
           <a:p>
             <a:fld id="{8BC95D7C-F206-4196-95B1-2023B832261D}" type="datetimeFigureOut">
               <a:rPr lang="en-US" smtClean="0"/>
-              <a:t>9/25/2017</a:t>
+              <a:t>9/26/2017</a:t>
             </a:fld>
             <a:endParaRPr lang="en-US"/>
           </a:p>
@@ -2511,7 +2513,7 @@
           <a:p>
             <a:fld id="{8BC95D7C-F206-4196-95B1-2023B832261D}" type="datetimeFigureOut">
               <a:rPr lang="en-US" smtClean="0"/>
-              <a:t>9/25/2017</a:t>
+              <a:t>9/26/2017</a:t>
             </a:fld>
             <a:endParaRPr lang="en-US"/>
           </a:p>
@@ -2724,7 +2726,7 @@
           <a:p>
             <a:fld id="{8BC95D7C-F206-4196-95B1-2023B832261D}" type="datetimeFigureOut">
               <a:rPr lang="en-US" smtClean="0"/>
-              <a:t>9/25/2017</a:t>
+              <a:t>9/26/2017</a:t>
             </a:fld>
             <a:endParaRPr lang="en-US"/>
           </a:p>
@@ -4708,6 +4710,1005 @@
     <p:extLst>
       <p:ext uri="{BB962C8B-B14F-4D97-AF65-F5344CB8AC3E}">
         <p14:creationId xmlns:p14="http://schemas.microsoft.com/office/powerpoint/2010/main" val="3705330659"/>
+      </p:ext>
+    </p:extLst>
+  </p:cSld>
+  <p:clrMapOvr>
+    <a:masterClrMapping/>
+  </p:clrMapOvr>
+</p:sld>
+</file>
+
+<file path=ppt/slides/slide6.xml><?xml version="1.0" encoding="utf-8"?>
+<p:sld xmlns:a="http://schemas.openxmlformats.org/drawingml/2006/main" xmlns:r="http://schemas.openxmlformats.org/officeDocument/2006/relationships" xmlns:p="http://schemas.openxmlformats.org/presentationml/2006/main">
+  <p:cSld>
+    <p:spTree>
+      <p:nvGrpSpPr>
+        <p:cNvPr id="1" name=""/>
+        <p:cNvGrpSpPr/>
+        <p:nvPr/>
+      </p:nvGrpSpPr>
+      <p:grpSpPr>
+        <a:xfrm>
+          <a:off x="0" y="0"/>
+          <a:ext cx="0" cy="0"/>
+          <a:chOff x="0" y="0"/>
+          <a:chExt cx="0" cy="0"/>
+        </a:xfrm>
+      </p:grpSpPr>
+      <p:sp>
+        <p:nvSpPr>
+          <p:cNvPr id="13" name="Rectangle 12"/>
+          <p:cNvSpPr/>
+          <p:nvPr/>
+        </p:nvSpPr>
+        <p:spPr>
+          <a:xfrm>
+            <a:off x="381000" y="3657600"/>
+            <a:ext cx="2895600" cy="914400"/>
+          </a:xfrm>
+          <a:prstGeom prst="rect">
+            <a:avLst/>
+          </a:prstGeom>
+        </p:spPr>
+        <p:style>
+          <a:lnRef idx="1">
+            <a:schemeClr val="dk1"/>
+          </a:lnRef>
+          <a:fillRef idx="2">
+            <a:schemeClr val="dk1"/>
+          </a:fillRef>
+          <a:effectRef idx="1">
+            <a:schemeClr val="dk1"/>
+          </a:effectRef>
+          <a:fontRef idx="minor">
+            <a:schemeClr val="dk1"/>
+          </a:fontRef>
+        </p:style>
+        <p:txBody>
+          <a:bodyPr rtlCol="0" anchor="ctr"/>
+          <a:lstStyle/>
+          <a:p>
+            <a:pPr algn="ctr"/>
+            <a:endParaRPr lang="en-US"/>
+          </a:p>
+        </p:txBody>
+      </p:sp>
+      <p:sp>
+        <p:nvSpPr>
+          <p:cNvPr id="12" name="Rectangle 11"/>
+          <p:cNvSpPr/>
+          <p:nvPr/>
+        </p:nvSpPr>
+        <p:spPr>
+          <a:xfrm>
+            <a:off x="381000" y="2057400"/>
+            <a:ext cx="3352800" cy="1143000"/>
+          </a:xfrm>
+          <a:prstGeom prst="rect">
+            <a:avLst/>
+          </a:prstGeom>
+        </p:spPr>
+        <p:style>
+          <a:lnRef idx="1">
+            <a:schemeClr val="dk1"/>
+          </a:lnRef>
+          <a:fillRef idx="2">
+            <a:schemeClr val="dk1"/>
+          </a:fillRef>
+          <a:effectRef idx="1">
+            <a:schemeClr val="dk1"/>
+          </a:effectRef>
+          <a:fontRef idx="minor">
+            <a:schemeClr val="dk1"/>
+          </a:fontRef>
+        </p:style>
+        <p:txBody>
+          <a:bodyPr rtlCol="0" anchor="ctr"/>
+          <a:lstStyle/>
+          <a:p>
+            <a:pPr algn="ctr"/>
+            <a:endParaRPr lang="en-US"/>
+          </a:p>
+        </p:txBody>
+      </p:sp>
+      <p:sp>
+        <p:nvSpPr>
+          <p:cNvPr id="2" name="TextBox 1"/>
+          <p:cNvSpPr txBox="1"/>
+          <p:nvPr/>
+        </p:nvSpPr>
+        <p:spPr>
+          <a:xfrm>
+            <a:off x="381000" y="609600"/>
+            <a:ext cx="6248400" cy="4093428"/>
+          </a:xfrm>
+          <a:prstGeom prst="rect">
+            <a:avLst/>
+          </a:prstGeom>
+          <a:noFill/>
+        </p:spPr>
+        <p:txBody>
+          <a:bodyPr wrap="square" rtlCol="0">
+            <a:spAutoFit/>
+          </a:bodyPr>
+          <a:lstStyle/>
+          <a:p>
+            <a:r>
+              <a:rPr lang="en-US" sz="1200" dirty="0" smtClean="0"/>
+              <a:t>@Bean – to configure external beans</a:t>
+            </a:r>
+          </a:p>
+          <a:p>
+            <a:pPr marL="171450" indent="-171450">
+              <a:buFontTx/>
+              <a:buChar char="-"/>
+            </a:pPr>
+            <a:r>
+              <a:rPr lang="en-US" sz="1200" dirty="0" smtClean="0"/>
+              <a:t>You can define beans external to your application classes by using Java rather than XML files. @Configuration @Bean @Import and @Depends On</a:t>
+            </a:r>
+          </a:p>
+          <a:p>
+            <a:pPr marL="171450" indent="-171450">
+              <a:buFontTx/>
+              <a:buChar char="-"/>
+            </a:pPr>
+            <a:endParaRPr lang="en-US" sz="1200" dirty="0"/>
+          </a:p>
+          <a:p>
+            <a:pPr marL="171450" indent="-171450">
+              <a:buFontTx/>
+              <a:buChar char="-"/>
+            </a:pPr>
+            <a:r>
+              <a:rPr lang="en-US" sz="1200" dirty="0" err="1" smtClean="0"/>
+              <a:t>MessageApp</a:t>
+            </a:r>
+            <a:r>
+              <a:rPr lang="en-US" sz="1200" dirty="0" smtClean="0"/>
+              <a:t> </a:t>
+            </a:r>
+            <a:r>
+              <a:rPr lang="en-US" sz="1200" dirty="0" err="1" smtClean="0"/>
+              <a:t>eg</a:t>
+            </a:r>
+            <a:r>
+              <a:rPr lang="en-US" sz="1200" dirty="0" smtClean="0"/>
+              <a:t>. </a:t>
+            </a:r>
+            <a:r>
+              <a:rPr lang="en-US" sz="1200" dirty="0" err="1" smtClean="0"/>
+              <a:t>WebClient</a:t>
+            </a:r>
+            <a:r>
+              <a:rPr lang="en-US" sz="1200" dirty="0" smtClean="0"/>
+              <a:t> -&gt; @</a:t>
+            </a:r>
+            <a:r>
+              <a:rPr lang="en-US" sz="1200" dirty="0" err="1" smtClean="0"/>
+              <a:t>RestController</a:t>
+            </a:r>
+            <a:r>
+              <a:rPr lang="en-US" sz="1200" dirty="0" smtClean="0"/>
+              <a:t> -&gt; @Component -&gt; Bean</a:t>
+            </a:r>
+          </a:p>
+          <a:p>
+            <a:endParaRPr lang="en-US" sz="1200" dirty="0" smtClean="0"/>
+          </a:p>
+          <a:p>
+            <a:r>
+              <a:rPr lang="en-US" sz="1200" b="1" dirty="0" smtClean="0"/>
+              <a:t>Example for Externalized Bean</a:t>
+            </a:r>
+          </a:p>
+          <a:p>
+            <a:endParaRPr lang="en-US" sz="1200" dirty="0"/>
+          </a:p>
+          <a:p>
+            <a:r>
+              <a:rPr lang="en-US" sz="1000" dirty="0" smtClean="0">
+                <a:solidFill>
+                  <a:srgbClr val="646464"/>
+                </a:solidFill>
+                <a:latin typeface="Courier New"/>
+              </a:rPr>
+              <a:t>@Bean</a:t>
+            </a:r>
+          </a:p>
+          <a:p>
+            <a:r>
+              <a:rPr lang="en-US" sz="1000" b="1" dirty="0" smtClean="0">
+                <a:solidFill>
+                  <a:srgbClr val="7F0055"/>
+                </a:solidFill>
+                <a:latin typeface="Courier New"/>
+              </a:rPr>
+              <a:t>public</a:t>
+            </a:r>
+            <a:r>
+              <a:rPr lang="en-US" sz="1000" b="1" dirty="0" smtClean="0">
+                <a:solidFill>
+                  <a:srgbClr val="000000"/>
+                </a:solidFill>
+                <a:latin typeface="Courier New"/>
+              </a:rPr>
+              <a:t> Message </a:t>
+            </a:r>
+            <a:r>
+              <a:rPr lang="en-US" sz="1000" b="1" dirty="0" err="1" smtClean="0">
+                <a:solidFill>
+                  <a:srgbClr val="000000"/>
+                </a:solidFill>
+                <a:latin typeface="Courier New"/>
+              </a:rPr>
+              <a:t>createMsg</a:t>
+            </a:r>
+            <a:r>
+              <a:rPr lang="en-US" sz="1000" b="1" dirty="0" smtClean="0">
+                <a:solidFill>
+                  <a:srgbClr val="000000"/>
+                </a:solidFill>
+                <a:latin typeface="Courier New"/>
+              </a:rPr>
+              <a:t>() {</a:t>
+            </a:r>
+          </a:p>
+          <a:p>
+            <a:pPr lvl="1"/>
+            <a:r>
+              <a:rPr lang="en-US" sz="1000" dirty="0" smtClean="0">
+                <a:solidFill>
+                  <a:srgbClr val="000000"/>
+                </a:solidFill>
+                <a:latin typeface="Courier New"/>
+              </a:rPr>
+              <a:t>Message </a:t>
+            </a:r>
+            <a:r>
+              <a:rPr lang="en-US" sz="1000" dirty="0" err="1" smtClean="0">
+                <a:solidFill>
+                  <a:srgbClr val="6A3E3E"/>
+                </a:solidFill>
+                <a:highlight>
+                  <a:srgbClr val="F0D8A8"/>
+                </a:highlight>
+                <a:latin typeface="Courier New"/>
+              </a:rPr>
+              <a:t>msg</a:t>
+            </a:r>
+            <a:r>
+              <a:rPr lang="en-US" sz="1000" dirty="0" smtClean="0">
+                <a:solidFill>
+                  <a:srgbClr val="000000"/>
+                </a:solidFill>
+                <a:highlight>
+                  <a:srgbClr val="F0D8A8"/>
+                </a:highlight>
+                <a:latin typeface="Courier New"/>
+              </a:rPr>
+              <a:t> = </a:t>
+            </a:r>
+            <a:r>
+              <a:rPr lang="en-US" sz="1000" b="1" dirty="0" smtClean="0">
+                <a:solidFill>
+                  <a:srgbClr val="7F0055"/>
+                </a:solidFill>
+                <a:highlight>
+                  <a:srgbClr val="F0D8A8"/>
+                </a:highlight>
+                <a:latin typeface="Courier New"/>
+              </a:rPr>
+              <a:t>new</a:t>
+            </a:r>
+            <a:r>
+              <a:rPr lang="en-US" sz="1000" b="1" dirty="0" smtClean="0">
+                <a:solidFill>
+                  <a:srgbClr val="000000"/>
+                </a:solidFill>
+                <a:highlight>
+                  <a:srgbClr val="F0D8A8"/>
+                </a:highlight>
+                <a:latin typeface="Courier New"/>
+              </a:rPr>
+              <a:t> Message();</a:t>
+            </a:r>
+          </a:p>
+          <a:p>
+            <a:pPr lvl="1"/>
+            <a:r>
+              <a:rPr lang="en-US" sz="1000" dirty="0" err="1" smtClean="0">
+                <a:solidFill>
+                  <a:srgbClr val="6A3E3E"/>
+                </a:solidFill>
+                <a:highlight>
+                  <a:srgbClr val="D4D4D4"/>
+                </a:highlight>
+                <a:latin typeface="Courier New"/>
+              </a:rPr>
+              <a:t>msg</a:t>
+            </a:r>
+            <a:r>
+              <a:rPr lang="en-US" sz="1000" dirty="0" err="1" smtClean="0">
+                <a:solidFill>
+                  <a:srgbClr val="000000"/>
+                </a:solidFill>
+                <a:highlight>
+                  <a:srgbClr val="D4D4D4"/>
+                </a:highlight>
+                <a:latin typeface="Courier New"/>
+              </a:rPr>
+              <a:t>.setText</a:t>
+            </a:r>
+            <a:r>
+              <a:rPr lang="en-US" sz="1000" dirty="0" smtClean="0">
+                <a:solidFill>
+                  <a:srgbClr val="000000"/>
+                </a:solidFill>
+                <a:highlight>
+                  <a:srgbClr val="D4D4D4"/>
+                </a:highlight>
+                <a:latin typeface="Courier New"/>
+              </a:rPr>
+              <a:t>(</a:t>
+            </a:r>
+            <a:r>
+              <a:rPr lang="en-US" sz="1000" dirty="0" smtClean="0">
+                <a:solidFill>
+                  <a:srgbClr val="2A00FF"/>
+                </a:solidFill>
+                <a:highlight>
+                  <a:srgbClr val="D4D4D4"/>
+                </a:highlight>
+                <a:latin typeface="Courier New"/>
+              </a:rPr>
+              <a:t>"</a:t>
+            </a:r>
+            <a:r>
+              <a:rPr lang="en-US" sz="1000" dirty="0" err="1" smtClean="0">
+                <a:solidFill>
+                  <a:srgbClr val="2A00FF"/>
+                </a:solidFill>
+                <a:highlight>
+                  <a:srgbClr val="D4D4D4"/>
+                </a:highlight>
+                <a:latin typeface="Courier New"/>
+              </a:rPr>
+              <a:t>Msg</a:t>
+            </a:r>
+            <a:r>
+              <a:rPr lang="en-US" sz="1000" dirty="0" smtClean="0">
+                <a:solidFill>
+                  <a:srgbClr val="2A00FF"/>
+                </a:solidFill>
+                <a:highlight>
+                  <a:srgbClr val="D4D4D4"/>
+                </a:highlight>
+                <a:latin typeface="Courier New"/>
+              </a:rPr>
+              <a:t> from </a:t>
+            </a:r>
+            <a:r>
+              <a:rPr lang="en-US" sz="1000" dirty="0" err="1" smtClean="0">
+                <a:solidFill>
+                  <a:srgbClr val="2A00FF"/>
+                </a:solidFill>
+                <a:highlight>
+                  <a:srgbClr val="D4D4D4"/>
+                </a:highlight>
+                <a:latin typeface="Courier New"/>
+              </a:rPr>
+              <a:t>exernal</a:t>
+            </a:r>
+            <a:r>
+              <a:rPr lang="en-US" sz="1000" dirty="0" smtClean="0">
+                <a:solidFill>
+                  <a:srgbClr val="2A00FF"/>
+                </a:solidFill>
+                <a:highlight>
+                  <a:srgbClr val="D4D4D4"/>
+                </a:highlight>
+                <a:latin typeface="Courier New"/>
+              </a:rPr>
+              <a:t> bean"</a:t>
+            </a:r>
+            <a:r>
+              <a:rPr lang="en-US" sz="1000" dirty="0" smtClean="0">
+                <a:solidFill>
+                  <a:srgbClr val="000000"/>
+                </a:solidFill>
+                <a:highlight>
+                  <a:srgbClr val="D4D4D4"/>
+                </a:highlight>
+                <a:latin typeface="Courier New"/>
+              </a:rPr>
+              <a:t>);</a:t>
+            </a:r>
+          </a:p>
+          <a:p>
+            <a:pPr lvl="1"/>
+            <a:endParaRPr lang="en-US" sz="1000" dirty="0" smtClean="0">
+              <a:latin typeface="Courier New"/>
+            </a:endParaRPr>
+          </a:p>
+          <a:p>
+            <a:pPr lvl="1"/>
+            <a:r>
+              <a:rPr lang="en-US" sz="1000" b="1" dirty="0" smtClean="0">
+                <a:solidFill>
+                  <a:srgbClr val="7F0055"/>
+                </a:solidFill>
+                <a:latin typeface="Courier New"/>
+              </a:rPr>
+              <a:t>return</a:t>
+            </a:r>
+            <a:r>
+              <a:rPr lang="en-US" sz="1000" b="1" dirty="0" smtClean="0">
+                <a:solidFill>
+                  <a:srgbClr val="000000"/>
+                </a:solidFill>
+                <a:latin typeface="Courier New"/>
+              </a:rPr>
+              <a:t> </a:t>
+            </a:r>
+            <a:r>
+              <a:rPr lang="en-US" sz="1000" b="1" dirty="0" err="1" smtClean="0">
+                <a:solidFill>
+                  <a:srgbClr val="6A3E3E"/>
+                </a:solidFill>
+                <a:highlight>
+                  <a:srgbClr val="D4D4D4"/>
+                </a:highlight>
+                <a:latin typeface="Courier New"/>
+              </a:rPr>
+              <a:t>msg</a:t>
+            </a:r>
+            <a:r>
+              <a:rPr lang="en-US" sz="1000" b="1" dirty="0" smtClean="0">
+                <a:solidFill>
+                  <a:srgbClr val="000000"/>
+                </a:solidFill>
+                <a:highlight>
+                  <a:srgbClr val="D4D4D4"/>
+                </a:highlight>
+                <a:latin typeface="Courier New"/>
+              </a:rPr>
+              <a:t>;</a:t>
+            </a:r>
+          </a:p>
+          <a:p>
+            <a:r>
+              <a:rPr lang="en-US" sz="1000" dirty="0" smtClean="0">
+                <a:solidFill>
+                  <a:srgbClr val="000000"/>
+                </a:solidFill>
+                <a:latin typeface="Courier New"/>
+              </a:rPr>
+              <a:t>}</a:t>
+            </a:r>
+          </a:p>
+          <a:p>
+            <a:endParaRPr lang="en-US" sz="1100" dirty="0" smtClean="0"/>
+          </a:p>
+          <a:p>
+            <a:r>
+              <a:rPr lang="en-US" sz="1100" b="1" dirty="0" smtClean="0"/>
+              <a:t>Example of  Reading  Properties from </a:t>
+            </a:r>
+            <a:r>
+              <a:rPr lang="en-US" sz="1100" b="1" dirty="0" err="1" smtClean="0"/>
+              <a:t>application.properties</a:t>
+            </a:r>
+            <a:endParaRPr lang="en-US" sz="1100" b="1" dirty="0" smtClean="0"/>
+          </a:p>
+          <a:p>
+            <a:endParaRPr lang="en-US" sz="1100" u="sng" dirty="0" smtClean="0"/>
+          </a:p>
+          <a:p>
+            <a:r>
+              <a:rPr lang="en-US" sz="1100" dirty="0" err="1" smtClean="0"/>
+              <a:t>msg.text</a:t>
+            </a:r>
+            <a:r>
+              <a:rPr lang="en-US" sz="1100" dirty="0" smtClean="0"/>
+              <a:t>=This </a:t>
+            </a:r>
+            <a:r>
+              <a:rPr lang="en-US" sz="1100" dirty="0"/>
+              <a:t>is externalized text </a:t>
+            </a:r>
+            <a:r>
+              <a:rPr lang="en-US" sz="1100" dirty="0" smtClean="0"/>
+              <a:t>message</a:t>
+            </a:r>
+          </a:p>
+          <a:p>
+            <a:endParaRPr lang="en-US" sz="1100" b="1" dirty="0"/>
+          </a:p>
+          <a:p>
+            <a:r>
+              <a:rPr lang="en-US" sz="1000" dirty="0">
+                <a:solidFill>
+                  <a:srgbClr val="646464"/>
+                </a:solidFill>
+                <a:latin typeface="Courier New"/>
+              </a:rPr>
+              <a:t>@Value</a:t>
+            </a:r>
+            <a:r>
+              <a:rPr lang="en-US" sz="1000" dirty="0">
+                <a:solidFill>
+                  <a:srgbClr val="000000"/>
+                </a:solidFill>
+                <a:latin typeface="Courier New"/>
+              </a:rPr>
+              <a:t>(</a:t>
+            </a:r>
+            <a:r>
+              <a:rPr lang="en-US" sz="1000" dirty="0">
+                <a:solidFill>
+                  <a:srgbClr val="2A00FF"/>
+                </a:solidFill>
+                <a:latin typeface="Courier New"/>
+              </a:rPr>
+              <a:t>"${</a:t>
+            </a:r>
+            <a:r>
+              <a:rPr lang="en-US" sz="1000" dirty="0" err="1">
+                <a:solidFill>
+                  <a:srgbClr val="2A00FF"/>
+                </a:solidFill>
+                <a:latin typeface="Courier New"/>
+              </a:rPr>
+              <a:t>msg.text</a:t>
+            </a:r>
+            <a:r>
+              <a:rPr lang="en-US" sz="1000" dirty="0">
+                <a:solidFill>
+                  <a:srgbClr val="2A00FF"/>
+                </a:solidFill>
+                <a:latin typeface="Courier New"/>
+              </a:rPr>
+              <a:t>}"</a:t>
+            </a:r>
+            <a:r>
+              <a:rPr lang="en-US" sz="1000" dirty="0">
+                <a:solidFill>
+                  <a:srgbClr val="000000"/>
+                </a:solidFill>
+                <a:latin typeface="Courier New"/>
+              </a:rPr>
+              <a:t>)</a:t>
+            </a:r>
+          </a:p>
+          <a:p>
+            <a:r>
+              <a:rPr lang="en-US" sz="1000" b="1" dirty="0">
+                <a:solidFill>
+                  <a:srgbClr val="7F0055"/>
+                </a:solidFill>
+                <a:latin typeface="Courier New"/>
+              </a:rPr>
+              <a:t>private</a:t>
+            </a:r>
+            <a:r>
+              <a:rPr lang="en-US" sz="1000" b="1" dirty="0">
+                <a:solidFill>
+                  <a:srgbClr val="000000"/>
+                </a:solidFill>
+                <a:latin typeface="Courier New"/>
+              </a:rPr>
+              <a:t> String </a:t>
+            </a:r>
+            <a:r>
+              <a:rPr lang="en-US" sz="1000" b="1" dirty="0" err="1" smtClean="0">
+                <a:solidFill>
+                  <a:srgbClr val="000000"/>
+                </a:solidFill>
+                <a:latin typeface="Courier New"/>
+              </a:rPr>
+              <a:t>msgText</a:t>
+            </a:r>
+            <a:r>
+              <a:rPr lang="en-US" sz="1000" b="1" dirty="0" smtClean="0">
+                <a:solidFill>
+                  <a:srgbClr val="000000"/>
+                </a:solidFill>
+                <a:latin typeface="Courier New"/>
+              </a:rPr>
+              <a:t>;</a:t>
+            </a:r>
+            <a:endParaRPr lang="en-US" sz="1000" b="1" dirty="0" smtClean="0"/>
+          </a:p>
+          <a:p>
+            <a:pPr marL="171450" indent="-171450">
+              <a:buFontTx/>
+              <a:buChar char="-"/>
+            </a:pPr>
+            <a:endParaRPr lang="en-US" sz="1200" dirty="0"/>
+          </a:p>
+        </p:txBody>
+      </p:sp>
+      <p:sp>
+        <p:nvSpPr>
+          <p:cNvPr id="3" name="TextBox 2"/>
+          <p:cNvSpPr txBox="1"/>
+          <p:nvPr/>
+        </p:nvSpPr>
+        <p:spPr>
+          <a:xfrm>
+            <a:off x="7010400" y="228600"/>
+            <a:ext cx="2057400" cy="461665"/>
+          </a:xfrm>
+          <a:prstGeom prst="rect">
+            <a:avLst/>
+          </a:prstGeom>
+          <a:noFill/>
+        </p:spPr>
+        <p:txBody>
+          <a:bodyPr wrap="square" rtlCol="0">
+            <a:spAutoFit/>
+          </a:bodyPr>
+          <a:lstStyle/>
+          <a:p>
+            <a:r>
+              <a:rPr lang="en-US" sz="1200" dirty="0" smtClean="0"/>
+              <a:t>@Controller will be called by dispatcher servlet</a:t>
+            </a:r>
+            <a:endParaRPr lang="en-US" sz="1200" dirty="0"/>
+          </a:p>
+        </p:txBody>
+      </p:sp>
+    </p:spTree>
+    <p:extLst>
+      <p:ext uri="{BB962C8B-B14F-4D97-AF65-F5344CB8AC3E}">
+        <p14:creationId xmlns:p14="http://schemas.microsoft.com/office/powerpoint/2010/main" val="3787026041"/>
+      </p:ext>
+    </p:extLst>
+  </p:cSld>
+  <p:clrMapOvr>
+    <a:masterClrMapping/>
+  </p:clrMapOvr>
+</p:sld>
+</file>
+
+<file path=ppt/slides/slide7.xml><?xml version="1.0" encoding="utf-8"?>
+<p:sld xmlns:a="http://schemas.openxmlformats.org/drawingml/2006/main" xmlns:r="http://schemas.openxmlformats.org/officeDocument/2006/relationships" xmlns:p="http://schemas.openxmlformats.org/presentationml/2006/main">
+  <p:cSld>
+    <p:spTree>
+      <p:nvGrpSpPr>
+        <p:cNvPr id="1" name=""/>
+        <p:cNvGrpSpPr/>
+        <p:nvPr/>
+      </p:nvGrpSpPr>
+      <p:grpSpPr>
+        <a:xfrm>
+          <a:off x="0" y="0"/>
+          <a:ext cx="0" cy="0"/>
+          <a:chOff x="0" y="0"/>
+          <a:chExt cx="0" cy="0"/>
+        </a:xfrm>
+      </p:grpSpPr>
+      <p:sp>
+        <p:nvSpPr>
+          <p:cNvPr id="2" name="TextBox 1"/>
+          <p:cNvSpPr txBox="1"/>
+          <p:nvPr/>
+        </p:nvSpPr>
+        <p:spPr>
+          <a:xfrm>
+            <a:off x="381000" y="457200"/>
+            <a:ext cx="4759636" cy="1261884"/>
+          </a:xfrm>
+          <a:prstGeom prst="rect">
+            <a:avLst/>
+          </a:prstGeom>
+          <a:noFill/>
+        </p:spPr>
+        <p:txBody>
+          <a:bodyPr wrap="none" rtlCol="0">
+            <a:spAutoFit/>
+          </a:bodyPr>
+          <a:lstStyle/>
+          <a:p>
+            <a:r>
+              <a:rPr lang="en-US" dirty="0" smtClean="0"/>
+              <a:t>Data Persistence</a:t>
+            </a:r>
+          </a:p>
+          <a:p>
+            <a:endParaRPr lang="en-US" sz="1200" dirty="0" smtClean="0"/>
+          </a:p>
+          <a:p>
+            <a:pPr marL="171450" indent="-171450">
+              <a:buFontTx/>
+              <a:buChar char="-"/>
+            </a:pPr>
+            <a:r>
+              <a:rPr lang="en-US" sz="1200" dirty="0" err="1" smtClean="0"/>
+              <a:t>JDBCTemplate</a:t>
+            </a:r>
+            <a:r>
+              <a:rPr lang="en-US" sz="1200" dirty="0" smtClean="0"/>
+              <a:t> class – based on SQL commands</a:t>
+            </a:r>
+          </a:p>
+          <a:p>
+            <a:pPr marL="171450" indent="-171450">
+              <a:buFontTx/>
+              <a:buChar char="-"/>
+            </a:pPr>
+            <a:r>
+              <a:rPr lang="en-US" sz="1200" dirty="0" err="1" smtClean="0"/>
+              <a:t>JPARepository</a:t>
+            </a:r>
+            <a:r>
+              <a:rPr lang="en-US" sz="1200" dirty="0" smtClean="0"/>
+              <a:t> – based on ORM</a:t>
+            </a:r>
+          </a:p>
+          <a:p>
+            <a:endParaRPr lang="en-US" sz="1200" dirty="0"/>
+          </a:p>
+          <a:p>
+            <a:r>
+              <a:rPr lang="en-US" sz="1000" dirty="0">
+                <a:hlinkClick r:id="rId2"/>
+              </a:rPr>
+              <a:t>https://</a:t>
+            </a:r>
+            <a:r>
+              <a:rPr lang="en-US" sz="1000" dirty="0" smtClean="0">
+                <a:hlinkClick r:id="rId2"/>
+              </a:rPr>
+              <a:t>docs.spring.io/spring/docs/current/spring-framework-reference/html/jdbc.html</a:t>
+            </a:r>
+            <a:r>
+              <a:rPr lang="en-US" sz="1000" dirty="0" smtClean="0"/>
+              <a:t> </a:t>
+            </a:r>
+            <a:endParaRPr lang="en-US" dirty="0"/>
+          </a:p>
+        </p:txBody>
+      </p:sp>
+      <p:sp>
+        <p:nvSpPr>
+          <p:cNvPr id="3" name="TextBox 2"/>
+          <p:cNvSpPr txBox="1"/>
+          <p:nvPr/>
+        </p:nvSpPr>
+        <p:spPr>
+          <a:xfrm>
+            <a:off x="5343236" y="438727"/>
+            <a:ext cx="3475054" cy="1846659"/>
+          </a:xfrm>
+          <a:prstGeom prst="rect">
+            <a:avLst/>
+          </a:prstGeom>
+          <a:noFill/>
+        </p:spPr>
+        <p:txBody>
+          <a:bodyPr wrap="none" rtlCol="0">
+            <a:spAutoFit/>
+          </a:bodyPr>
+          <a:lstStyle/>
+          <a:p>
+            <a:r>
+              <a:rPr lang="en-US" dirty="0" smtClean="0"/>
+              <a:t>JDBC</a:t>
+            </a:r>
+          </a:p>
+          <a:p>
+            <a:pPr marL="171450" indent="-171450">
+              <a:buFontTx/>
+              <a:buChar char="-"/>
+            </a:pPr>
+            <a:r>
+              <a:rPr lang="en-US" sz="1200" dirty="0" smtClean="0"/>
+              <a:t>Register the drivers </a:t>
+            </a:r>
+            <a:r>
+              <a:rPr lang="en-US" sz="1200" dirty="0" smtClean="0">
+                <a:solidFill>
+                  <a:srgbClr val="00B050"/>
+                </a:solidFill>
+              </a:rPr>
+              <a:t>- fixed</a:t>
+            </a:r>
+          </a:p>
+          <a:p>
+            <a:pPr marL="171450" indent="-171450">
+              <a:buFontTx/>
+              <a:buChar char="-"/>
+            </a:pPr>
+            <a:r>
+              <a:rPr lang="en-US" sz="1200" dirty="0" smtClean="0"/>
+              <a:t>Providing the connection details</a:t>
+            </a:r>
+            <a:r>
+              <a:rPr lang="en-US" sz="1200" dirty="0">
+                <a:solidFill>
+                  <a:srgbClr val="00B050"/>
+                </a:solidFill>
+              </a:rPr>
+              <a:t> - fixed</a:t>
+            </a:r>
+            <a:endParaRPr lang="en-US" sz="1200" dirty="0" smtClean="0"/>
+          </a:p>
+          <a:p>
+            <a:pPr marL="171450" indent="-171450">
+              <a:buFontTx/>
+              <a:buChar char="-"/>
+            </a:pPr>
+            <a:r>
+              <a:rPr lang="en-US" sz="1200" dirty="0" smtClean="0"/>
+              <a:t>Getting the connection object</a:t>
+            </a:r>
+            <a:r>
+              <a:rPr lang="en-US" sz="1200" dirty="0">
+                <a:solidFill>
+                  <a:srgbClr val="00B050"/>
+                </a:solidFill>
+              </a:rPr>
+              <a:t> - fixed</a:t>
+            </a:r>
+            <a:endParaRPr lang="en-US" sz="1200" dirty="0" smtClean="0"/>
+          </a:p>
+          <a:p>
+            <a:pPr marL="171450" indent="-171450">
+              <a:buFontTx/>
+              <a:buChar char="-"/>
+            </a:pPr>
+            <a:r>
+              <a:rPr lang="en-US" sz="1200" dirty="0" smtClean="0"/>
+              <a:t>Create the statement / prepared statement</a:t>
+            </a:r>
+            <a:r>
+              <a:rPr lang="en-US" sz="1200" dirty="0">
+                <a:solidFill>
+                  <a:srgbClr val="00B050"/>
+                </a:solidFill>
+              </a:rPr>
+              <a:t> - fixed</a:t>
+            </a:r>
+            <a:endParaRPr lang="en-US" sz="1200" dirty="0" smtClean="0"/>
+          </a:p>
+          <a:p>
+            <a:pPr marL="171450" indent="-171450">
+              <a:buFontTx/>
+              <a:buChar char="-"/>
+            </a:pPr>
+            <a:r>
+              <a:rPr lang="en-US" sz="1200" dirty="0" smtClean="0"/>
+              <a:t>Forming the query </a:t>
+            </a:r>
+            <a:r>
+              <a:rPr lang="en-US" sz="1200" dirty="0" smtClean="0">
+                <a:solidFill>
+                  <a:srgbClr val="FF0000"/>
+                </a:solidFill>
+              </a:rPr>
+              <a:t>– change</a:t>
+            </a:r>
+          </a:p>
+          <a:p>
+            <a:pPr marL="171450" indent="-171450">
+              <a:buFontTx/>
+              <a:buChar char="-"/>
+            </a:pPr>
+            <a:r>
+              <a:rPr lang="en-US" sz="1200" dirty="0" smtClean="0"/>
+              <a:t>Getting the result set object</a:t>
+            </a:r>
+            <a:r>
+              <a:rPr lang="en-US" sz="1200" dirty="0">
+                <a:solidFill>
+                  <a:srgbClr val="00B050"/>
+                </a:solidFill>
+              </a:rPr>
+              <a:t> - fixed</a:t>
+            </a:r>
+            <a:endParaRPr lang="en-US" sz="1200" dirty="0" smtClean="0"/>
+          </a:p>
+          <a:p>
+            <a:pPr marL="171450" indent="-171450">
+              <a:buFontTx/>
+              <a:buChar char="-"/>
+            </a:pPr>
+            <a:r>
+              <a:rPr lang="en-US" sz="1200" dirty="0" smtClean="0"/>
+              <a:t>Iterating through the result set</a:t>
+            </a:r>
+            <a:r>
+              <a:rPr lang="en-US" sz="1200" dirty="0">
+                <a:solidFill>
+                  <a:srgbClr val="00B050"/>
+                </a:solidFill>
+              </a:rPr>
+              <a:t> </a:t>
+            </a:r>
+            <a:r>
+              <a:rPr lang="en-US" sz="1200" dirty="0" smtClean="0">
+                <a:solidFill>
+                  <a:srgbClr val="00B050"/>
+                </a:solidFill>
+              </a:rPr>
+              <a:t>– partially fixed</a:t>
+            </a:r>
+            <a:endParaRPr lang="en-US" sz="1200" dirty="0" smtClean="0"/>
+          </a:p>
+          <a:p>
+            <a:pPr marL="171450" indent="-171450">
+              <a:buFontTx/>
+              <a:buChar char="-"/>
+            </a:pPr>
+            <a:r>
+              <a:rPr lang="en-US" sz="1200" dirty="0" smtClean="0"/>
+              <a:t>Handling the </a:t>
+            </a:r>
+            <a:r>
+              <a:rPr lang="en-US" sz="1200" dirty="0" err="1" smtClean="0"/>
+              <a:t>SQLExceptions</a:t>
+            </a:r>
+            <a:r>
+              <a:rPr lang="en-US" sz="1200" dirty="0" smtClean="0"/>
+              <a:t> </a:t>
+            </a:r>
+            <a:r>
+              <a:rPr lang="en-US" sz="1200" dirty="0">
+                <a:solidFill>
+                  <a:srgbClr val="00B050"/>
+                </a:solidFill>
+              </a:rPr>
+              <a:t>- fixed</a:t>
+            </a:r>
+            <a:endParaRPr lang="en-US" sz="1200" dirty="0"/>
+          </a:p>
+        </p:txBody>
+      </p:sp>
+      <p:sp>
+        <p:nvSpPr>
+          <p:cNvPr id="9" name="Left Brace 8"/>
+          <p:cNvSpPr/>
+          <p:nvPr/>
+        </p:nvSpPr>
+        <p:spPr>
+          <a:xfrm>
+            <a:off x="5181600" y="609600"/>
+            <a:ext cx="161636" cy="1524000"/>
+          </a:xfrm>
+          <a:prstGeom prst="leftBrace">
+            <a:avLst/>
+          </a:prstGeom>
+        </p:spPr>
+        <p:style>
+          <a:lnRef idx="1">
+            <a:schemeClr val="accent1"/>
+          </a:lnRef>
+          <a:fillRef idx="0">
+            <a:schemeClr val="accent1"/>
+          </a:fillRef>
+          <a:effectRef idx="0">
+            <a:schemeClr val="accent1"/>
+          </a:effectRef>
+          <a:fontRef idx="minor">
+            <a:schemeClr val="tx1"/>
+          </a:fontRef>
+        </p:style>
+        <p:txBody>
+          <a:bodyPr rtlCol="0" anchor="ctr"/>
+          <a:lstStyle/>
+          <a:p>
+            <a:pPr algn="ctr"/>
+            <a:endParaRPr lang="en-US"/>
+          </a:p>
+        </p:txBody>
+      </p:sp>
+    </p:spTree>
+    <p:extLst>
+      <p:ext uri="{BB962C8B-B14F-4D97-AF65-F5344CB8AC3E}">
+        <p14:creationId xmlns:p14="http://schemas.microsoft.com/office/powerpoint/2010/main" val="611631970"/>
       </p:ext>
     </p:extLst>
   </p:cSld>

--- a/info/SpringBootDocumentation.pptx
+++ b/info/SpringBootDocumentation.pptx
@@ -12,6 +12,7 @@
     <p:sldId id="259" r:id="rId6"/>
     <p:sldId id="261" r:id="rId7"/>
     <p:sldId id="262" r:id="rId8"/>
+    <p:sldId id="263" r:id="rId9"/>
   </p:sldIdLst>
   <p:sldSz cx="9144000" cy="6858000" type="screen4x3"/>
   <p:notesSz cx="6858000" cy="9144000"/>
@@ -5398,8 +5399,8 @@
         </p:nvSpPr>
         <p:spPr>
           <a:xfrm>
-            <a:off x="381000" y="457200"/>
-            <a:ext cx="4759636" cy="1261884"/>
+            <a:off x="376382" y="422564"/>
+            <a:ext cx="5621539" cy="4893647"/>
           </a:xfrm>
           <a:prstGeom prst="rect">
             <a:avLst/>
@@ -5468,7 +5469,238 @@
               <a:rPr lang="en-US" sz="1000" dirty="0" smtClean="0"/>
               <a:t> </a:t>
             </a:r>
-            <a:endParaRPr lang="en-US" dirty="0"/>
+            <a:endParaRPr lang="en-US" sz="1000" dirty="0" smtClean="0"/>
+          </a:p>
+          <a:p>
+            <a:endParaRPr lang="en-US" sz="1000" dirty="0"/>
+          </a:p>
+          <a:p>
+            <a:endParaRPr lang="en-US" sz="1000" dirty="0" smtClean="0"/>
+          </a:p>
+          <a:p>
+            <a:endParaRPr lang="en-US" sz="1000" dirty="0" smtClean="0"/>
+          </a:p>
+          <a:p>
+            <a:r>
+              <a:rPr lang="en-US" sz="1400" dirty="0" err="1" smtClean="0"/>
+              <a:t>Jdbc</a:t>
+            </a:r>
+            <a:r>
+              <a:rPr lang="en-US" sz="1400" dirty="0" smtClean="0"/>
+              <a:t> template For </a:t>
+            </a:r>
+            <a:r>
+              <a:rPr lang="en-US" sz="1400" dirty="0" err="1" smtClean="0"/>
+              <a:t>SpringBoot</a:t>
+            </a:r>
+            <a:endParaRPr lang="en-US" sz="1400" dirty="0" smtClean="0"/>
+          </a:p>
+          <a:p>
+            <a:pPr marL="171450" indent="-171450">
+              <a:buFontTx/>
+              <a:buChar char="-"/>
+            </a:pPr>
+            <a:r>
+              <a:rPr lang="en-US" sz="1200" dirty="0" smtClean="0"/>
+              <a:t>Look out for </a:t>
+            </a:r>
+            <a:r>
+              <a:rPr lang="en-US" sz="1200" dirty="0" err="1" smtClean="0"/>
+              <a:t>pom</a:t>
+            </a:r>
+            <a:r>
+              <a:rPr lang="en-US" sz="1200" dirty="0" smtClean="0"/>
+              <a:t> inclusion ( spring-boot-starter-</a:t>
+            </a:r>
+            <a:r>
+              <a:rPr lang="en-US" sz="1200" dirty="0" err="1" smtClean="0"/>
+              <a:t>jdbc</a:t>
+            </a:r>
+            <a:r>
+              <a:rPr lang="en-US" sz="1200" dirty="0" smtClean="0"/>
+              <a:t>)</a:t>
+            </a:r>
+          </a:p>
+          <a:p>
+            <a:pPr marL="171450" indent="-171450">
+              <a:buFontTx/>
+              <a:buChar char="-"/>
+            </a:pPr>
+            <a:r>
+              <a:rPr lang="en-US" sz="1200" dirty="0" err="1" smtClean="0"/>
+              <a:t>Eg</a:t>
+            </a:r>
+            <a:r>
+              <a:rPr lang="en-US" sz="1200" dirty="0" smtClean="0"/>
+              <a:t>. </a:t>
+            </a:r>
+            <a:r>
+              <a:rPr lang="en-US" sz="1200" dirty="0" err="1" smtClean="0"/>
+              <a:t>queryForObject</a:t>
+            </a:r>
+            <a:r>
+              <a:rPr lang="en-US" sz="1200" dirty="0" smtClean="0"/>
+              <a:t>(“select * from </a:t>
+            </a:r>
+            <a:r>
+              <a:rPr lang="en-US" sz="1200" dirty="0" err="1" smtClean="0"/>
+              <a:t>persom</a:t>
+            </a:r>
+            <a:r>
+              <a:rPr lang="en-US" sz="1200" dirty="0" smtClean="0"/>
+              <a:t> </a:t>
+            </a:r>
+            <a:r>
+              <a:rPr lang="en-US" sz="1200" dirty="0" err="1" smtClean="0"/>
+              <a:t>wjere</a:t>
+            </a:r>
+            <a:r>
+              <a:rPr lang="en-US" sz="1200" dirty="0" smtClean="0"/>
+              <a:t> </a:t>
+            </a:r>
+            <a:r>
+              <a:rPr lang="en-US" sz="1200" dirty="0" err="1" smtClean="0"/>
+              <a:t>personid</a:t>
+            </a:r>
+            <a:r>
+              <a:rPr lang="en-US" sz="1200" dirty="0" smtClean="0"/>
+              <a:t>=? </a:t>
+            </a:r>
+            <a:r>
+              <a:rPr lang="en-US" sz="1200" dirty="0"/>
+              <a:t>a</a:t>
+            </a:r>
+            <a:r>
+              <a:rPr lang="en-US" sz="1200" dirty="0" smtClean="0"/>
+              <a:t>nd name=?”, </a:t>
+            </a:r>
+          </a:p>
+          <a:p>
+            <a:r>
+              <a:rPr lang="en-US" sz="1200" dirty="0"/>
+              <a:t> </a:t>
+            </a:r>
+            <a:r>
+              <a:rPr lang="en-US" sz="1200" dirty="0" smtClean="0"/>
+              <a:t>    new Object[]{10,”Rock”},  new </a:t>
+            </a:r>
+            <a:r>
+              <a:rPr lang="en-US" sz="1200" dirty="0" err="1" smtClean="0"/>
+              <a:t>RowMapper</a:t>
+            </a:r>
+            <a:r>
+              <a:rPr lang="en-US" sz="1200" dirty="0" smtClean="0"/>
+              <a:t>(…));</a:t>
+            </a:r>
+          </a:p>
+          <a:p>
+            <a:endParaRPr lang="en-US" sz="1200" dirty="0"/>
+          </a:p>
+          <a:p>
+            <a:r>
+              <a:rPr lang="en-US" sz="1400" dirty="0"/>
+              <a:t>Spring Boot Default in-memory database</a:t>
+            </a:r>
+          </a:p>
+          <a:p>
+            <a:pPr marL="171450" indent="-171450">
+              <a:buFontTx/>
+              <a:buChar char="-"/>
+            </a:pPr>
+            <a:r>
+              <a:rPr lang="en-US" sz="1200" dirty="0" smtClean="0"/>
+              <a:t>Derby</a:t>
+            </a:r>
+          </a:p>
+          <a:p>
+            <a:pPr marL="171450" indent="-171450">
+              <a:buFontTx/>
+              <a:buChar char="-"/>
+            </a:pPr>
+            <a:r>
+              <a:rPr lang="en-US" sz="1200" dirty="0" smtClean="0"/>
+              <a:t>H2 ( Spring boot support – h2 console)</a:t>
+            </a:r>
+          </a:p>
+          <a:p>
+            <a:pPr marL="171450" indent="-171450">
+              <a:buFontTx/>
+              <a:buChar char="-"/>
+            </a:pPr>
+            <a:r>
+              <a:rPr lang="en-US" sz="1200" dirty="0" smtClean="0"/>
+              <a:t>HSQLDB</a:t>
+            </a:r>
+          </a:p>
+          <a:p>
+            <a:endParaRPr lang="en-US" sz="1200" dirty="0"/>
+          </a:p>
+          <a:p>
+            <a:r>
+              <a:rPr lang="en-US" sz="1200" dirty="0"/>
+              <a:t>Create Interactive Spring Boot App </a:t>
+            </a:r>
+            <a:endParaRPr lang="en-US" sz="1200" dirty="0" smtClean="0">
+              <a:hlinkClick r:id="rId3"/>
+            </a:endParaRPr>
+          </a:p>
+          <a:p>
+            <a:r>
+              <a:rPr lang="en-US" sz="1200" dirty="0" smtClean="0">
+                <a:hlinkClick r:id="rId3"/>
+              </a:rPr>
+              <a:t>http://start.spring.io/</a:t>
+            </a:r>
+            <a:r>
+              <a:rPr lang="en-US" sz="1200" dirty="0" smtClean="0"/>
+              <a:t> </a:t>
+            </a:r>
+          </a:p>
+          <a:p>
+            <a:endParaRPr lang="en-US" sz="1200" dirty="0"/>
+          </a:p>
+          <a:p>
+            <a:r>
+              <a:rPr lang="en-US" sz="1200" dirty="0"/>
+              <a:t>@</a:t>
+            </a:r>
+            <a:r>
+              <a:rPr lang="en-US" sz="1200" dirty="0" err="1" smtClean="0"/>
+              <a:t>SpringBootApplication</a:t>
+            </a:r>
+            <a:r>
+              <a:rPr lang="en-US" sz="1200" dirty="0" smtClean="0"/>
+              <a:t> – contains (@</a:t>
+            </a:r>
+            <a:r>
+              <a:rPr lang="en-US" sz="1200" dirty="0" err="1" smtClean="0"/>
+              <a:t>EnableAutoconfiguration</a:t>
+            </a:r>
+            <a:r>
+              <a:rPr lang="en-US" sz="1200" dirty="0" smtClean="0"/>
+              <a:t> , @</a:t>
+            </a:r>
+            <a:r>
+              <a:rPr lang="en-US" sz="1200" dirty="0" err="1" smtClean="0"/>
+              <a:t>ComponentScan</a:t>
+            </a:r>
+            <a:r>
+              <a:rPr lang="en-US" sz="1200" dirty="0" smtClean="0"/>
+              <a:t>… )</a:t>
+            </a:r>
+          </a:p>
+          <a:p>
+            <a:endParaRPr lang="en-US" sz="1200" dirty="0"/>
+          </a:p>
+          <a:p>
+            <a:endParaRPr lang="en-US" sz="1200" dirty="0" smtClean="0"/>
+          </a:p>
+          <a:p>
+            <a:pPr marL="171450" indent="-171450">
+              <a:buFontTx/>
+              <a:buChar char="-"/>
+            </a:pPr>
+            <a:endParaRPr lang="en-US" sz="1200" dirty="0"/>
           </a:p>
         </p:txBody>
       </p:sp>
@@ -5705,10 +5937,284 @@
           </a:p>
         </p:txBody>
       </p:sp>
+      <p:pic>
+        <p:nvPicPr>
+          <p:cNvPr id="1026" name="Picture 2"/>
+          <p:cNvPicPr>
+            <a:picLocks noChangeAspect="1" noChangeArrowheads="1"/>
+          </p:cNvPicPr>
+          <p:nvPr/>
+        </p:nvPicPr>
+        <p:blipFill>
+          <a:blip r:embed="rId4">
+            <a:extLst>
+              <a:ext uri="{28A0092B-C50C-407E-A947-70E740481C1C}">
+                <a14:useLocalDpi xmlns:a14="http://schemas.microsoft.com/office/drawing/2010/main" val="0"/>
+              </a:ext>
+            </a:extLst>
+          </a:blip>
+          <a:srcRect/>
+          <a:stretch>
+            <a:fillRect/>
+          </a:stretch>
+        </p:blipFill>
+        <p:spPr bwMode="auto">
+          <a:xfrm>
+            <a:off x="533400" y="4800600"/>
+            <a:ext cx="5153025" cy="1533525"/>
+          </a:xfrm>
+          <a:prstGeom prst="rect">
+            <a:avLst/>
+          </a:prstGeom>
+          <a:noFill/>
+          <a:ln>
+            <a:noFill/>
+          </a:ln>
+          <a:effectLst/>
+          <a:extLst>
+            <a:ext uri="{909E8E84-426E-40DD-AFC4-6F175D3DCCD1}">
+              <a14:hiddenFill xmlns:a14="http://schemas.microsoft.com/office/drawing/2010/main">
+                <a:solidFill>
+                  <a:schemeClr val="accent1"/>
+                </a:solidFill>
+              </a14:hiddenFill>
+            </a:ext>
+            <a:ext uri="{91240B29-F687-4F45-9708-019B960494DF}">
+              <a14:hiddenLine xmlns:a14="http://schemas.microsoft.com/office/drawing/2010/main" w="9525">
+                <a:solidFill>
+                  <a:schemeClr val="tx1"/>
+                </a:solidFill>
+                <a:miter lim="800000"/>
+                <a:headEnd/>
+                <a:tailEnd/>
+              </a14:hiddenLine>
+            </a:ext>
+            <a:ext uri="{AF507438-7753-43E0-B8FC-AC1667EBCBE1}">
+              <a14:hiddenEffects xmlns:a14="http://schemas.microsoft.com/office/drawing/2010/main">
+                <a:effectLst>
+                  <a:outerShdw dist="35921" dir="2700000" algn="ctr" rotWithShape="0">
+                    <a:schemeClr val="bg2"/>
+                  </a:outerShdw>
+                </a:effectLst>
+              </a14:hiddenEffects>
+            </a:ext>
+          </a:extLst>
+        </p:spPr>
+      </p:pic>
     </p:spTree>
     <p:extLst>
       <p:ext uri="{BB962C8B-B14F-4D97-AF65-F5344CB8AC3E}">
         <p14:creationId xmlns:p14="http://schemas.microsoft.com/office/powerpoint/2010/main" val="611631970"/>
+      </p:ext>
+    </p:extLst>
+  </p:cSld>
+  <p:clrMapOvr>
+    <a:masterClrMapping/>
+  </p:clrMapOvr>
+</p:sld>
+</file>
+
+<file path=ppt/slides/slide8.xml><?xml version="1.0" encoding="utf-8"?>
+<p:sld xmlns:a="http://schemas.openxmlformats.org/drawingml/2006/main" xmlns:r="http://schemas.openxmlformats.org/officeDocument/2006/relationships" xmlns:p="http://schemas.openxmlformats.org/presentationml/2006/main">
+  <p:cSld>
+    <p:spTree>
+      <p:nvGrpSpPr>
+        <p:cNvPr id="1" name=""/>
+        <p:cNvGrpSpPr/>
+        <p:nvPr/>
+      </p:nvGrpSpPr>
+      <p:grpSpPr>
+        <a:xfrm>
+          <a:off x="0" y="0"/>
+          <a:ext cx="0" cy="0"/>
+          <a:chOff x="0" y="0"/>
+          <a:chExt cx="0" cy="0"/>
+        </a:xfrm>
+      </p:grpSpPr>
+      <p:sp>
+        <p:nvSpPr>
+          <p:cNvPr id="2" name="TextBox 1"/>
+          <p:cNvSpPr txBox="1"/>
+          <p:nvPr/>
+        </p:nvSpPr>
+        <p:spPr>
+          <a:xfrm>
+            <a:off x="457200" y="457200"/>
+            <a:ext cx="5743880" cy="2031325"/>
+          </a:xfrm>
+          <a:prstGeom prst="rect">
+            <a:avLst/>
+          </a:prstGeom>
+          <a:noFill/>
+        </p:spPr>
+        <p:txBody>
+          <a:bodyPr wrap="none" rtlCol="0">
+            <a:spAutoFit/>
+          </a:bodyPr>
+          <a:lstStyle/>
+          <a:p>
+            <a:r>
+              <a:rPr lang="en-US" dirty="0" smtClean="0"/>
+              <a:t>H2 DB</a:t>
+            </a:r>
+          </a:p>
+          <a:p>
+            <a:pPr marL="171450" indent="-171450">
+              <a:buFontTx/>
+              <a:buChar char="-"/>
+            </a:pPr>
+            <a:r>
+              <a:rPr lang="en-US" sz="1200" dirty="0" smtClean="0"/>
+              <a:t>Enable h2 console in the </a:t>
+            </a:r>
+            <a:r>
+              <a:rPr lang="en-US" sz="1200" dirty="0" err="1" smtClean="0"/>
+              <a:t>application.properties</a:t>
+            </a:r>
+            <a:endParaRPr lang="en-US" sz="1200" dirty="0" smtClean="0"/>
+          </a:p>
+          <a:p>
+            <a:pPr lvl="1"/>
+            <a:endParaRPr lang="en-US" sz="1200" dirty="0" smtClean="0"/>
+          </a:p>
+          <a:p>
+            <a:pPr lvl="1"/>
+            <a:r>
+              <a:rPr lang="en-US" sz="1200" dirty="0" smtClean="0"/>
+              <a:t># </a:t>
+            </a:r>
+            <a:r>
+              <a:rPr lang="en-US" sz="1200" dirty="0"/>
+              <a:t>H2</a:t>
+            </a:r>
+          </a:p>
+          <a:p>
+            <a:pPr lvl="1"/>
+            <a:r>
+              <a:rPr lang="en-US" sz="1200" dirty="0"/>
+              <a:t>spring.h2.console.enabled=true</a:t>
+            </a:r>
+          </a:p>
+          <a:p>
+            <a:pPr lvl="1"/>
+            <a:r>
+              <a:rPr lang="en-US" sz="1200" dirty="0"/>
+              <a:t>spring.h2.console.path=/</a:t>
+            </a:r>
+            <a:r>
+              <a:rPr lang="en-US" sz="1200" dirty="0" smtClean="0"/>
+              <a:t>h2</a:t>
+            </a:r>
+          </a:p>
+          <a:p>
+            <a:pPr lvl="1"/>
+            <a:r>
+              <a:rPr lang="en-US" sz="1200" dirty="0"/>
+              <a:t>spring.datasource.url=jdbc:h2:~/</a:t>
+            </a:r>
+            <a:r>
+              <a:rPr lang="en-US" sz="1200" dirty="0" smtClean="0"/>
+              <a:t>test</a:t>
+            </a:r>
+          </a:p>
+          <a:p>
+            <a:pPr lvl="1"/>
+            <a:r>
+              <a:rPr lang="en-US" sz="1200" dirty="0" err="1" smtClean="0"/>
+              <a:t>spring.datasource.schema</a:t>
+            </a:r>
+            <a:r>
+              <a:rPr lang="en-US" sz="1200" dirty="0" smtClean="0"/>
+              <a:t>=</a:t>
+            </a:r>
+            <a:r>
+              <a:rPr lang="en-US" sz="1200" dirty="0" err="1" smtClean="0"/>
+              <a:t>classpath:load.sql</a:t>
+            </a:r>
+            <a:r>
+              <a:rPr lang="en-US" sz="1200" dirty="0" smtClean="0"/>
+              <a:t>  ( all schema files of the application)</a:t>
+            </a:r>
+          </a:p>
+          <a:p>
+            <a:pPr lvl="1"/>
+            <a:endParaRPr lang="en-US" sz="1200" dirty="0" smtClean="0"/>
+          </a:p>
+          <a:p>
+            <a:pPr lvl="1"/>
+            <a:endParaRPr lang="en-US" sz="1200" dirty="0"/>
+          </a:p>
+        </p:txBody>
+      </p:sp>
+      <p:sp>
+        <p:nvSpPr>
+          <p:cNvPr id="3" name="TextBox 2"/>
+          <p:cNvSpPr txBox="1"/>
+          <p:nvPr/>
+        </p:nvSpPr>
+        <p:spPr>
+          <a:xfrm>
+            <a:off x="457200" y="2590800"/>
+            <a:ext cx="5259773" cy="892552"/>
+          </a:xfrm>
+          <a:prstGeom prst="rect">
+            <a:avLst/>
+          </a:prstGeom>
+          <a:noFill/>
+        </p:spPr>
+        <p:txBody>
+          <a:bodyPr wrap="none" rtlCol="0">
+            <a:spAutoFit/>
+          </a:bodyPr>
+          <a:lstStyle/>
+          <a:p>
+            <a:r>
+              <a:rPr lang="en-US" dirty="0" smtClean="0"/>
+              <a:t>Spring JPA</a:t>
+            </a:r>
+          </a:p>
+          <a:p>
+            <a:pPr marL="171450" indent="-171450">
+              <a:buFontTx/>
+              <a:buChar char="-"/>
+            </a:pPr>
+            <a:r>
+              <a:rPr lang="en-US" sz="1200" dirty="0" smtClean="0"/>
+              <a:t>Not based on </a:t>
+            </a:r>
+            <a:r>
+              <a:rPr lang="en-US" sz="1200" dirty="0" err="1" smtClean="0"/>
+              <a:t>jdbc</a:t>
+            </a:r>
+            <a:endParaRPr lang="en-US" sz="1200" dirty="0" smtClean="0"/>
+          </a:p>
+          <a:p>
+            <a:r>
+              <a:rPr lang="en-US" sz="1000" dirty="0">
+                <a:hlinkClick r:id="rId2"/>
+              </a:rPr>
+              <a:t>https://docs.spring.io/spring-data/jpa/docs/current/reference/html/#</a:t>
+            </a:r>
+            <a:r>
+              <a:rPr lang="en-US" sz="1000" dirty="0" smtClean="0">
+                <a:hlinkClick r:id="rId2"/>
+              </a:rPr>
+              <a:t>repositories.core-concepts</a:t>
+            </a:r>
+            <a:r>
+              <a:rPr lang="en-US" sz="1000" dirty="0" smtClean="0"/>
+              <a:t> </a:t>
+            </a:r>
+          </a:p>
+          <a:p>
+            <a:endParaRPr lang="en-US" sz="1200" dirty="0" smtClean="0"/>
+          </a:p>
+        </p:txBody>
+      </p:sp>
+    </p:spTree>
+    <p:extLst>
+      <p:ext uri="{BB962C8B-B14F-4D97-AF65-F5344CB8AC3E}">
+        <p14:creationId xmlns:p14="http://schemas.microsoft.com/office/powerpoint/2010/main" val="2929665991"/>
       </p:ext>
     </p:extLst>
   </p:cSld>

--- a/info/SpringBootDocumentation.pptx
+++ b/info/SpringBootDocumentation.pptx
@@ -13,6 +13,9 @@
     <p:sldId id="261" r:id="rId7"/>
     <p:sldId id="262" r:id="rId8"/>
     <p:sldId id="263" r:id="rId9"/>
+    <p:sldId id="264" r:id="rId10"/>
+    <p:sldId id="265" r:id="rId11"/>
+    <p:sldId id="266" r:id="rId12"/>
   </p:sldIdLst>
   <p:sldSz cx="9144000" cy="6858000" type="screen4x3"/>
   <p:notesSz cx="6858000" cy="9144000"/>
@@ -295,7 +298,7 @@
           <a:p>
             <a:fld id="{8BC95D7C-F206-4196-95B1-2023B832261D}" type="datetimeFigureOut">
               <a:rPr lang="en-US" smtClean="0"/>
-              <a:t>9/26/2017</a:t>
+              <a:t>9/27/2017</a:t>
             </a:fld>
             <a:endParaRPr lang="en-US"/>
           </a:p>
@@ -465,7 +468,7 @@
           <a:p>
             <a:fld id="{8BC95D7C-F206-4196-95B1-2023B832261D}" type="datetimeFigureOut">
               <a:rPr lang="en-US" smtClean="0"/>
-              <a:t>9/26/2017</a:t>
+              <a:t>9/27/2017</a:t>
             </a:fld>
             <a:endParaRPr lang="en-US"/>
           </a:p>
@@ -645,7 +648,7 @@
           <a:p>
             <a:fld id="{8BC95D7C-F206-4196-95B1-2023B832261D}" type="datetimeFigureOut">
               <a:rPr lang="en-US" smtClean="0"/>
-              <a:t>9/26/2017</a:t>
+              <a:t>9/27/2017</a:t>
             </a:fld>
             <a:endParaRPr lang="en-US"/>
           </a:p>
@@ -815,7 +818,7 @@
           <a:p>
             <a:fld id="{8BC95D7C-F206-4196-95B1-2023B832261D}" type="datetimeFigureOut">
               <a:rPr lang="en-US" smtClean="0"/>
-              <a:t>9/26/2017</a:t>
+              <a:t>9/27/2017</a:t>
             </a:fld>
             <a:endParaRPr lang="en-US"/>
           </a:p>
@@ -1061,7 +1064,7 @@
           <a:p>
             <a:fld id="{8BC95D7C-F206-4196-95B1-2023B832261D}" type="datetimeFigureOut">
               <a:rPr lang="en-US" smtClean="0"/>
-              <a:t>9/26/2017</a:t>
+              <a:t>9/27/2017</a:t>
             </a:fld>
             <a:endParaRPr lang="en-US"/>
           </a:p>
@@ -1349,7 +1352,7 @@
           <a:p>
             <a:fld id="{8BC95D7C-F206-4196-95B1-2023B832261D}" type="datetimeFigureOut">
               <a:rPr lang="en-US" smtClean="0"/>
-              <a:t>9/26/2017</a:t>
+              <a:t>9/27/2017</a:t>
             </a:fld>
             <a:endParaRPr lang="en-US"/>
           </a:p>
@@ -1771,7 +1774,7 @@
           <a:p>
             <a:fld id="{8BC95D7C-F206-4196-95B1-2023B832261D}" type="datetimeFigureOut">
               <a:rPr lang="en-US" smtClean="0"/>
-              <a:t>9/26/2017</a:t>
+              <a:t>9/27/2017</a:t>
             </a:fld>
             <a:endParaRPr lang="en-US"/>
           </a:p>
@@ -1889,7 +1892,7 @@
           <a:p>
             <a:fld id="{8BC95D7C-F206-4196-95B1-2023B832261D}" type="datetimeFigureOut">
               <a:rPr lang="en-US" smtClean="0"/>
-              <a:t>9/26/2017</a:t>
+              <a:t>9/27/2017</a:t>
             </a:fld>
             <a:endParaRPr lang="en-US"/>
           </a:p>
@@ -1984,7 +1987,7 @@
           <a:p>
             <a:fld id="{8BC95D7C-F206-4196-95B1-2023B832261D}" type="datetimeFigureOut">
               <a:rPr lang="en-US" smtClean="0"/>
-              <a:t>9/26/2017</a:t>
+              <a:t>9/27/2017</a:t>
             </a:fld>
             <a:endParaRPr lang="en-US"/>
           </a:p>
@@ -2261,7 +2264,7 @@
           <a:p>
             <a:fld id="{8BC95D7C-F206-4196-95B1-2023B832261D}" type="datetimeFigureOut">
               <a:rPr lang="en-US" smtClean="0"/>
-              <a:t>9/26/2017</a:t>
+              <a:t>9/27/2017</a:t>
             </a:fld>
             <a:endParaRPr lang="en-US"/>
           </a:p>
@@ -2514,7 +2517,7 @@
           <a:p>
             <a:fld id="{8BC95D7C-F206-4196-95B1-2023B832261D}" type="datetimeFigureOut">
               <a:rPr lang="en-US" smtClean="0"/>
-              <a:t>9/26/2017</a:t>
+              <a:t>9/27/2017</a:t>
             </a:fld>
             <a:endParaRPr lang="en-US"/>
           </a:p>
@@ -2727,7 +2730,7 @@
           <a:p>
             <a:fld id="{8BC95D7C-F206-4196-95B1-2023B832261D}" type="datetimeFigureOut">
               <a:rPr lang="en-US" smtClean="0"/>
-              <a:t>9/26/2017</a:t>
+              <a:t>9/27/2017</a:t>
             </a:fld>
             <a:endParaRPr lang="en-US"/>
           </a:p>
@@ -3197,6 +3200,623 @@
 </p:sld>
 </file>
 
+<file path=ppt/slides/slide10.xml><?xml version="1.0" encoding="utf-8"?>
+<p:sld xmlns:a="http://schemas.openxmlformats.org/drawingml/2006/main" xmlns:r="http://schemas.openxmlformats.org/officeDocument/2006/relationships" xmlns:p="http://schemas.openxmlformats.org/presentationml/2006/main">
+  <p:cSld>
+    <p:spTree>
+      <p:nvGrpSpPr>
+        <p:cNvPr id="1" name=""/>
+        <p:cNvGrpSpPr/>
+        <p:nvPr/>
+      </p:nvGrpSpPr>
+      <p:grpSpPr>
+        <a:xfrm>
+          <a:off x="0" y="0"/>
+          <a:ext cx="0" cy="0"/>
+          <a:chOff x="0" y="0"/>
+          <a:chExt cx="0" cy="0"/>
+        </a:xfrm>
+      </p:grpSpPr>
+      <p:sp>
+        <p:nvSpPr>
+          <p:cNvPr id="2" name="TextBox 1"/>
+          <p:cNvSpPr txBox="1"/>
+          <p:nvPr/>
+        </p:nvSpPr>
+        <p:spPr>
+          <a:xfrm>
+            <a:off x="609600" y="457200"/>
+            <a:ext cx="5045612" cy="3508653"/>
+          </a:xfrm>
+          <a:prstGeom prst="rect">
+            <a:avLst/>
+          </a:prstGeom>
+          <a:noFill/>
+        </p:spPr>
+        <p:txBody>
+          <a:bodyPr wrap="none" rtlCol="0">
+            <a:spAutoFit/>
+          </a:bodyPr>
+          <a:lstStyle/>
+          <a:p>
+            <a:r>
+              <a:rPr lang="en-US" dirty="0" smtClean="0"/>
+              <a:t>Rest Operation</a:t>
+            </a:r>
+          </a:p>
+          <a:p>
+            <a:pPr marL="171450" indent="-171450">
+              <a:buFontTx/>
+              <a:buChar char="-"/>
+            </a:pPr>
+            <a:r>
+              <a:rPr lang="en-US" sz="1200" dirty="0" smtClean="0"/>
+              <a:t>Create</a:t>
+            </a:r>
+          </a:p>
+          <a:p>
+            <a:pPr marL="171450" indent="-171450">
+              <a:buFontTx/>
+              <a:buChar char="-"/>
+            </a:pPr>
+            <a:r>
+              <a:rPr lang="en-US" sz="1200" dirty="0" smtClean="0"/>
+              <a:t>Update</a:t>
+            </a:r>
+          </a:p>
+          <a:p>
+            <a:pPr marL="171450" indent="-171450">
+              <a:buFontTx/>
+              <a:buChar char="-"/>
+            </a:pPr>
+            <a:r>
+              <a:rPr lang="en-US" sz="1200" dirty="0" smtClean="0"/>
+              <a:t>Delete</a:t>
+            </a:r>
+          </a:p>
+          <a:p>
+            <a:pPr marL="171450" indent="-171450">
+              <a:buFontTx/>
+              <a:buChar char="-"/>
+            </a:pPr>
+            <a:r>
+              <a:rPr lang="en-US" sz="1200" dirty="0" smtClean="0"/>
+              <a:t>Read</a:t>
+            </a:r>
+          </a:p>
+          <a:p>
+            <a:pPr marL="171450" indent="-171450">
+              <a:buFontTx/>
+              <a:buChar char="-"/>
+            </a:pPr>
+            <a:endParaRPr lang="en-US" sz="1200" dirty="0"/>
+          </a:p>
+          <a:p>
+            <a:pPr marL="171450" indent="-171450">
+              <a:buFontTx/>
+              <a:buChar char="-"/>
+            </a:pPr>
+            <a:endParaRPr lang="en-US" sz="1200" dirty="0" smtClean="0"/>
+          </a:p>
+          <a:p>
+            <a:pPr marL="171450" indent="-171450">
+              <a:buFontTx/>
+              <a:buChar char="-"/>
+            </a:pPr>
+            <a:r>
+              <a:rPr lang="en-US" sz="1200" dirty="0" smtClean="0"/>
+              <a:t>UR</a:t>
+            </a:r>
+            <a:r>
+              <a:rPr lang="en-US" sz="1200" b="1" dirty="0" smtClean="0">
+                <a:solidFill>
+                  <a:srgbClr val="FF0000"/>
+                </a:solidFill>
+              </a:rPr>
+              <a:t>I</a:t>
+            </a:r>
+            <a:r>
+              <a:rPr lang="en-US" sz="1200" dirty="0" smtClean="0"/>
+              <a:t> : Uniform Resource Identifier ( Logical mappings , to identify a method)</a:t>
+            </a:r>
+          </a:p>
+          <a:p>
+            <a:pPr marL="171450" indent="-171450">
+              <a:buFontTx/>
+              <a:buChar char="-"/>
+            </a:pPr>
+            <a:r>
+              <a:rPr lang="en-US" sz="1200" dirty="0" smtClean="0"/>
+              <a:t>UR</a:t>
+            </a:r>
+            <a:r>
+              <a:rPr lang="en-US" sz="1200" b="1" dirty="0" smtClean="0">
+                <a:solidFill>
+                  <a:srgbClr val="00B050"/>
+                </a:solidFill>
+              </a:rPr>
+              <a:t>L</a:t>
+            </a:r>
+            <a:r>
+              <a:rPr lang="en-US" sz="1200" dirty="0" smtClean="0"/>
+              <a:t> : </a:t>
+            </a:r>
+            <a:r>
+              <a:rPr lang="en-US" sz="1200" dirty="0" err="1" smtClean="0"/>
+              <a:t>Urinform</a:t>
+            </a:r>
+            <a:r>
+              <a:rPr lang="en-US" sz="1200" dirty="0" smtClean="0"/>
+              <a:t> Resource Locator </a:t>
+            </a:r>
+          </a:p>
+          <a:p>
+            <a:r>
+              <a:rPr lang="en-US" sz="1200" dirty="0"/>
+              <a:t> </a:t>
+            </a:r>
+            <a:r>
+              <a:rPr lang="en-US" sz="1200" dirty="0" smtClean="0"/>
+              <a:t>    ( </a:t>
+            </a:r>
+            <a:r>
+              <a:rPr lang="en-US" sz="1200" dirty="0" err="1" smtClean="0"/>
+              <a:t>Phsical</a:t>
+            </a:r>
+            <a:r>
+              <a:rPr lang="en-US" sz="1200" dirty="0" smtClean="0"/>
+              <a:t> pages rendered to the client )</a:t>
+            </a:r>
+          </a:p>
+          <a:p>
+            <a:pPr marL="171450" indent="-171450">
+              <a:buFontTx/>
+              <a:buChar char="-"/>
+            </a:pPr>
+            <a:r>
+              <a:rPr lang="en-US" sz="1200" dirty="0" smtClean="0"/>
+              <a:t>URI should be nouns</a:t>
+            </a:r>
+          </a:p>
+          <a:p>
+            <a:endParaRPr lang="en-US" sz="1200" dirty="0" smtClean="0"/>
+          </a:p>
+          <a:p>
+            <a:pPr marL="171450" indent="-171450">
+              <a:buFontTx/>
+              <a:buChar char="-"/>
+            </a:pPr>
+            <a:r>
+              <a:rPr lang="en-US" sz="1200" dirty="0" smtClean="0"/>
+              <a:t>Understands the </a:t>
+            </a:r>
+            <a:r>
+              <a:rPr lang="en-US" sz="1200" dirty="0" err="1" smtClean="0"/>
+              <a:t>url</a:t>
+            </a:r>
+            <a:r>
+              <a:rPr lang="en-US" sz="1200" dirty="0" smtClean="0"/>
+              <a:t> no need to use request </a:t>
+            </a:r>
+            <a:r>
+              <a:rPr lang="en-US" sz="1200" dirty="0" err="1" smtClean="0"/>
+              <a:t>params</a:t>
+            </a:r>
+            <a:r>
+              <a:rPr lang="en-US" sz="1200" dirty="0" smtClean="0"/>
+              <a:t> with ‘?’</a:t>
+            </a:r>
+          </a:p>
+          <a:p>
+            <a:pPr marL="171450" indent="-171450">
+              <a:buFontTx/>
+              <a:buChar char="-"/>
+            </a:pPr>
+            <a:r>
+              <a:rPr lang="en-US" sz="1200" dirty="0" smtClean="0"/>
+              <a:t>Objects in the server is called as Resources</a:t>
+            </a:r>
+          </a:p>
+          <a:p>
+            <a:pPr marL="171450" indent="-171450">
+              <a:buFontTx/>
+              <a:buChar char="-"/>
+            </a:pPr>
+            <a:r>
+              <a:rPr lang="en-US" sz="1200" dirty="0" smtClean="0"/>
+              <a:t>Method names should follow the CRUD operations</a:t>
+            </a:r>
+          </a:p>
+          <a:p>
+            <a:pPr marL="171450" indent="-171450">
+              <a:buFontTx/>
+              <a:buChar char="-"/>
+            </a:pPr>
+            <a:r>
+              <a:rPr lang="en-US" sz="1200" dirty="0" smtClean="0"/>
+              <a:t>Represent the state to the client ( JSON, XML, HTML, ATOM, TEXT)</a:t>
+            </a:r>
+          </a:p>
+          <a:p>
+            <a:pPr marL="171450" indent="-171450">
+              <a:buFontTx/>
+              <a:buChar char="-"/>
+            </a:pPr>
+            <a:endParaRPr lang="en-US" sz="1200" dirty="0" smtClean="0"/>
+          </a:p>
+          <a:p>
+            <a:endParaRPr lang="en-US" sz="1200" dirty="0"/>
+          </a:p>
+        </p:txBody>
+      </p:sp>
+      <p:sp>
+        <p:nvSpPr>
+          <p:cNvPr id="3" name="TextBox 2"/>
+          <p:cNvSpPr txBox="1"/>
+          <p:nvPr/>
+        </p:nvSpPr>
+        <p:spPr>
+          <a:xfrm>
+            <a:off x="5791200" y="457199"/>
+            <a:ext cx="3124200" cy="461665"/>
+          </a:xfrm>
+          <a:prstGeom prst="rect">
+            <a:avLst/>
+          </a:prstGeom>
+        </p:spPr>
+        <p:style>
+          <a:lnRef idx="2">
+            <a:schemeClr val="accent3">
+              <a:shade val="50000"/>
+            </a:schemeClr>
+          </a:lnRef>
+          <a:fillRef idx="1">
+            <a:schemeClr val="accent3"/>
+          </a:fillRef>
+          <a:effectRef idx="0">
+            <a:schemeClr val="accent3"/>
+          </a:effectRef>
+          <a:fontRef idx="minor">
+            <a:schemeClr val="lt1"/>
+          </a:fontRef>
+        </p:style>
+        <p:txBody>
+          <a:bodyPr wrap="square" rtlCol="0">
+            <a:spAutoFit/>
+          </a:bodyPr>
+          <a:lstStyle/>
+          <a:p>
+            <a:r>
+              <a:rPr lang="en-US" sz="1200" dirty="0" smtClean="0"/>
+              <a:t>- </a:t>
+            </a:r>
+            <a:r>
+              <a:rPr lang="en-US" sz="1200" dirty="0" err="1" smtClean="0"/>
+              <a:t>xsd</a:t>
+            </a:r>
+            <a:r>
+              <a:rPr lang="en-US" sz="1200" dirty="0" smtClean="0"/>
+              <a:t> is a URI which we write in spring configurations( </a:t>
+            </a:r>
+            <a:r>
+              <a:rPr lang="en-US" sz="1200" dirty="0" err="1" smtClean="0"/>
+              <a:t>eg</a:t>
+            </a:r>
+            <a:r>
+              <a:rPr lang="en-US" sz="1200" dirty="0" smtClean="0"/>
+              <a:t>. Tags in java)</a:t>
+            </a:r>
+            <a:endParaRPr lang="en-US" sz="1200" dirty="0"/>
+          </a:p>
+        </p:txBody>
+      </p:sp>
+      <p:sp>
+        <p:nvSpPr>
+          <p:cNvPr id="4" name="TextBox 3"/>
+          <p:cNvSpPr txBox="1"/>
+          <p:nvPr/>
+        </p:nvSpPr>
+        <p:spPr>
+          <a:xfrm>
+            <a:off x="5867400" y="1600200"/>
+            <a:ext cx="3144002" cy="276999"/>
+          </a:xfrm>
+          <a:prstGeom prst="rect">
+            <a:avLst/>
+          </a:prstGeom>
+          <a:noFill/>
+        </p:spPr>
+        <p:txBody>
+          <a:bodyPr wrap="none" rtlCol="0">
+            <a:spAutoFit/>
+          </a:bodyPr>
+          <a:lstStyle/>
+          <a:p>
+            <a:r>
+              <a:rPr lang="en-US" sz="1200" dirty="0">
+                <a:hlinkClick r:id="rId2"/>
+              </a:rPr>
+              <a:t>https://spring.io/guides/gs/convert-jar-to-war</a:t>
+            </a:r>
+            <a:r>
+              <a:rPr lang="en-US" sz="1200" dirty="0" smtClean="0">
+                <a:hlinkClick r:id="rId2"/>
+              </a:rPr>
+              <a:t>/</a:t>
+            </a:r>
+            <a:r>
+              <a:rPr lang="en-US" sz="1200" dirty="0" smtClean="0"/>
+              <a:t> </a:t>
+            </a:r>
+            <a:endParaRPr lang="en-US" sz="1200" dirty="0"/>
+          </a:p>
+        </p:txBody>
+      </p:sp>
+      <p:sp>
+        <p:nvSpPr>
+          <p:cNvPr id="5" name="TextBox 4"/>
+          <p:cNvSpPr txBox="1"/>
+          <p:nvPr/>
+        </p:nvSpPr>
+        <p:spPr>
+          <a:xfrm>
+            <a:off x="609600" y="4114800"/>
+            <a:ext cx="2273571" cy="1661993"/>
+          </a:xfrm>
+          <a:prstGeom prst="rect">
+            <a:avLst/>
+          </a:prstGeom>
+          <a:noFill/>
+        </p:spPr>
+        <p:txBody>
+          <a:bodyPr wrap="none" rtlCol="0">
+            <a:spAutoFit/>
+          </a:bodyPr>
+          <a:lstStyle/>
+          <a:p>
+            <a:r>
+              <a:rPr lang="en-US" dirty="0" smtClean="0"/>
+              <a:t>Rest Template</a:t>
+            </a:r>
+          </a:p>
+          <a:p>
+            <a:pPr marL="171450" indent="-171450">
+              <a:buFontTx/>
+              <a:buChar char="-"/>
+            </a:pPr>
+            <a:r>
+              <a:rPr lang="en-US" sz="1200" dirty="0" smtClean="0"/>
+              <a:t>Headers</a:t>
+            </a:r>
+          </a:p>
+          <a:p>
+            <a:pPr marL="628650" lvl="1" indent="-171450">
+              <a:buFontTx/>
+              <a:buChar char="-"/>
+            </a:pPr>
+            <a:r>
+              <a:rPr lang="en-US" sz="1200" dirty="0" smtClean="0"/>
+              <a:t>MIME-TYPE</a:t>
+            </a:r>
+          </a:p>
+          <a:p>
+            <a:pPr marL="628650" lvl="1" indent="-171450">
+              <a:buFontTx/>
+              <a:buChar char="-"/>
+            </a:pPr>
+            <a:r>
+              <a:rPr lang="en-US" sz="1200" dirty="0" smtClean="0"/>
+              <a:t>Entities</a:t>
+            </a:r>
+          </a:p>
+          <a:p>
+            <a:pPr marL="171450" indent="-171450">
+              <a:buFontTx/>
+              <a:buChar char="-"/>
+            </a:pPr>
+            <a:r>
+              <a:rPr lang="en-US" sz="1200" dirty="0" smtClean="0"/>
+              <a:t>Exchange</a:t>
+            </a:r>
+          </a:p>
+          <a:p>
+            <a:pPr marL="628650" lvl="1" indent="-171450">
+              <a:buFontTx/>
+              <a:buChar char="-"/>
+            </a:pPr>
+            <a:r>
+              <a:rPr lang="en-US" sz="1200" dirty="0" err="1" smtClean="0"/>
+              <a:t>url</a:t>
+            </a:r>
+            <a:r>
+              <a:rPr lang="en-US" sz="1200" dirty="0" smtClean="0"/>
+              <a:t> :  </a:t>
+            </a:r>
+            <a:r>
+              <a:rPr lang="en-US" sz="1200" dirty="0">
+                <a:hlinkClick r:id="rId3"/>
+              </a:rPr>
+              <a:t>http://</a:t>
+            </a:r>
+            <a:r>
+              <a:rPr lang="en-US" sz="1200" dirty="0" smtClean="0">
+                <a:hlinkClick r:id="rId3"/>
+              </a:rPr>
+              <a:t>url/persons</a:t>
+            </a:r>
+            <a:endParaRPr lang="en-US" sz="1200" dirty="0" smtClean="0"/>
+          </a:p>
+          <a:p>
+            <a:pPr marL="628650" lvl="1" indent="-171450">
+              <a:buFontTx/>
+              <a:buChar char="-"/>
+            </a:pPr>
+            <a:r>
+              <a:rPr lang="en-US" sz="1200" dirty="0" smtClean="0"/>
+              <a:t>HTTP Method </a:t>
+            </a:r>
+          </a:p>
+          <a:p>
+            <a:pPr marL="628650" lvl="1" indent="-171450">
+              <a:buFontTx/>
+              <a:buChar char="-"/>
+            </a:pPr>
+            <a:r>
+              <a:rPr lang="en-US" sz="1200" dirty="0" smtClean="0"/>
+              <a:t>Class</a:t>
+            </a:r>
+          </a:p>
+        </p:txBody>
+      </p:sp>
+    </p:spTree>
+    <p:extLst>
+      <p:ext uri="{BB962C8B-B14F-4D97-AF65-F5344CB8AC3E}">
+        <p14:creationId xmlns:p14="http://schemas.microsoft.com/office/powerpoint/2010/main" val="1500766870"/>
+      </p:ext>
+    </p:extLst>
+  </p:cSld>
+  <p:clrMapOvr>
+    <a:masterClrMapping/>
+  </p:clrMapOvr>
+</p:sld>
+</file>
+
+<file path=ppt/slides/slide11.xml><?xml version="1.0" encoding="utf-8"?>
+<p:sld xmlns:a="http://schemas.openxmlformats.org/drawingml/2006/main" xmlns:r="http://schemas.openxmlformats.org/officeDocument/2006/relationships" xmlns:p="http://schemas.openxmlformats.org/presentationml/2006/main">
+  <p:cSld>
+    <p:spTree>
+      <p:nvGrpSpPr>
+        <p:cNvPr id="1" name=""/>
+        <p:cNvGrpSpPr/>
+        <p:nvPr/>
+      </p:nvGrpSpPr>
+      <p:grpSpPr>
+        <a:xfrm>
+          <a:off x="0" y="0"/>
+          <a:ext cx="0" cy="0"/>
+          <a:chOff x="0" y="0"/>
+          <a:chExt cx="0" cy="0"/>
+        </a:xfrm>
+      </p:grpSpPr>
+      <p:pic>
+        <p:nvPicPr>
+          <p:cNvPr id="4098" name="Picture 2"/>
+          <p:cNvPicPr>
+            <a:picLocks noChangeAspect="1" noChangeArrowheads="1"/>
+          </p:cNvPicPr>
+          <p:nvPr/>
+        </p:nvPicPr>
+        <p:blipFill>
+          <a:blip r:embed="rId2">
+            <a:extLst>
+              <a:ext uri="{28A0092B-C50C-407E-A947-70E740481C1C}">
+                <a14:useLocalDpi xmlns:a14="http://schemas.microsoft.com/office/drawing/2010/main" val="0"/>
+              </a:ext>
+            </a:extLst>
+          </a:blip>
+          <a:srcRect/>
+          <a:stretch>
+            <a:fillRect/>
+          </a:stretch>
+        </p:blipFill>
+        <p:spPr bwMode="auto">
+          <a:xfrm>
+            <a:off x="990600" y="1066800"/>
+            <a:ext cx="5419725" cy="4851876"/>
+          </a:xfrm>
+          <a:prstGeom prst="rect">
+            <a:avLst/>
+          </a:prstGeom>
+          <a:noFill/>
+          <a:ln>
+            <a:noFill/>
+          </a:ln>
+          <a:effectLst/>
+          <a:extLst>
+            <a:ext uri="{909E8E84-426E-40DD-AFC4-6F175D3DCCD1}">
+              <a14:hiddenFill xmlns:a14="http://schemas.microsoft.com/office/drawing/2010/main">
+                <a:solidFill>
+                  <a:schemeClr val="accent1"/>
+                </a:solidFill>
+              </a14:hiddenFill>
+            </a:ext>
+            <a:ext uri="{91240B29-F687-4F45-9708-019B960494DF}">
+              <a14:hiddenLine xmlns:a14="http://schemas.microsoft.com/office/drawing/2010/main" w="9525">
+                <a:solidFill>
+                  <a:schemeClr val="tx1"/>
+                </a:solidFill>
+                <a:miter lim="800000"/>
+                <a:headEnd/>
+                <a:tailEnd/>
+              </a14:hiddenLine>
+            </a:ext>
+            <a:ext uri="{AF507438-7753-43E0-B8FC-AC1667EBCBE1}">
+              <a14:hiddenEffects xmlns:a14="http://schemas.microsoft.com/office/drawing/2010/main">
+                <a:effectLst>
+                  <a:outerShdw dist="35921" dir="2700000" algn="ctr" rotWithShape="0">
+                    <a:schemeClr val="bg2"/>
+                  </a:outerShdw>
+                </a:effectLst>
+              </a14:hiddenEffects>
+            </a:ext>
+          </a:extLst>
+        </p:spPr>
+      </p:pic>
+      <p:sp>
+        <p:nvSpPr>
+          <p:cNvPr id="2" name="TextBox 1"/>
+          <p:cNvSpPr txBox="1"/>
+          <p:nvPr/>
+        </p:nvSpPr>
+        <p:spPr>
+          <a:xfrm>
+            <a:off x="990600" y="521855"/>
+            <a:ext cx="6250878" cy="276999"/>
+          </a:xfrm>
+          <a:prstGeom prst="rect">
+            <a:avLst/>
+          </a:prstGeom>
+          <a:noFill/>
+        </p:spPr>
+        <p:txBody>
+          <a:bodyPr wrap="none" rtlCol="0">
+            <a:spAutoFit/>
+          </a:bodyPr>
+          <a:lstStyle/>
+          <a:p>
+            <a:r>
+              <a:rPr lang="en-US" sz="1200" dirty="0">
+                <a:hlinkClick r:id="rId3"/>
+              </a:rPr>
+              <a:t>https://</a:t>
+            </a:r>
+            <a:r>
+              <a:rPr lang="en-US" sz="1200" dirty="0" smtClean="0">
+                <a:hlinkClick r:id="rId3"/>
+              </a:rPr>
+              <a:t>spring.io/blog/2015/08/19/migrating-a-spring-web-mvc-application-from-jsp-to-angularjs</a:t>
+            </a:r>
+            <a:r>
+              <a:rPr lang="en-US" sz="1200" dirty="0" smtClean="0"/>
+              <a:t> </a:t>
+            </a:r>
+            <a:endParaRPr lang="en-US" sz="1200" dirty="0"/>
+          </a:p>
+        </p:txBody>
+      </p:sp>
+    </p:spTree>
+    <p:extLst>
+      <p:ext uri="{BB962C8B-B14F-4D97-AF65-F5344CB8AC3E}">
+        <p14:creationId xmlns:p14="http://schemas.microsoft.com/office/powerpoint/2010/main" val="309218088"/>
+      </p:ext>
+    </p:extLst>
+  </p:cSld>
+  <p:clrMapOvr>
+    <a:masterClrMapping/>
+  </p:clrMapOvr>
+</p:sld>
+</file>
+
 <file path=ppt/slides/slide2.xml><?xml version="1.0" encoding="utf-8"?>
 <p:sld xmlns:a="http://schemas.openxmlformats.org/drawingml/2006/main" xmlns:r="http://schemas.openxmlformats.org/officeDocument/2006/relationships" xmlns:p="http://schemas.openxmlformats.org/presentationml/2006/main">
   <p:cSld>
@@ -5361,6 +5981,128 @@
           </a:p>
         </p:txBody>
       </p:sp>
+      <p:sp>
+        <p:nvSpPr>
+          <p:cNvPr id="4" name="TextBox 3"/>
+          <p:cNvSpPr txBox="1"/>
+          <p:nvPr/>
+        </p:nvSpPr>
+        <p:spPr>
+          <a:xfrm>
+            <a:off x="7010400" y="2057400"/>
+            <a:ext cx="1671868" cy="461665"/>
+          </a:xfrm>
+          <a:prstGeom prst="rect">
+            <a:avLst/>
+          </a:prstGeom>
+        </p:spPr>
+        <p:style>
+          <a:lnRef idx="2">
+            <a:schemeClr val="accent3">
+              <a:shade val="50000"/>
+            </a:schemeClr>
+          </a:lnRef>
+          <a:fillRef idx="1">
+            <a:schemeClr val="accent3"/>
+          </a:fillRef>
+          <a:effectRef idx="0">
+            <a:schemeClr val="accent3"/>
+          </a:effectRef>
+          <a:fontRef idx="minor">
+            <a:schemeClr val="lt1"/>
+          </a:fontRef>
+        </p:style>
+        <p:txBody>
+          <a:bodyPr wrap="none" rtlCol="0">
+            <a:spAutoFit/>
+          </a:bodyPr>
+          <a:lstStyle/>
+          <a:p>
+            <a:r>
+              <a:rPr lang="en-US" sz="1200" dirty="0" smtClean="0"/>
+              <a:t>Spring MVC uses </a:t>
+            </a:r>
+          </a:p>
+          <a:p>
+            <a:r>
+              <a:rPr lang="en-US" sz="1200" dirty="0" smtClean="0"/>
+              <a:t>Front Controller Pattern</a:t>
+            </a:r>
+            <a:endParaRPr lang="en-US" sz="1200" dirty="0"/>
+          </a:p>
+        </p:txBody>
+      </p:sp>
+      <p:pic>
+        <p:nvPicPr>
+          <p:cNvPr id="2050" name="Picture 2" descr="Image result for spring mvc"/>
+          <p:cNvPicPr>
+            <a:picLocks noChangeAspect="1" noChangeArrowheads="1"/>
+          </p:cNvPicPr>
+          <p:nvPr/>
+        </p:nvPicPr>
+        <p:blipFill>
+          <a:blip r:embed="rId2">
+            <a:extLst>
+              <a:ext uri="{28A0092B-C50C-407E-A947-70E740481C1C}">
+                <a14:useLocalDpi xmlns:a14="http://schemas.microsoft.com/office/drawing/2010/main" val="0"/>
+              </a:ext>
+            </a:extLst>
+          </a:blip>
+          <a:srcRect/>
+          <a:stretch>
+            <a:fillRect/>
+          </a:stretch>
+        </p:blipFill>
+        <p:spPr bwMode="auto">
+          <a:xfrm>
+            <a:off x="4404373" y="3200398"/>
+            <a:ext cx="4277895" cy="2743201"/>
+          </a:xfrm>
+          <a:prstGeom prst="rect">
+            <a:avLst/>
+          </a:prstGeom>
+          <a:noFill/>
+          <a:extLst>
+            <a:ext uri="{909E8E84-426E-40DD-AFC4-6F175D3DCCD1}">
+              <a14:hiddenFill xmlns:a14="http://schemas.microsoft.com/office/drawing/2010/main">
+                <a:solidFill>
+                  <a:srgbClr val="FFFFFF"/>
+                </a:solidFill>
+              </a14:hiddenFill>
+            </a:ext>
+          </a:extLst>
+        </p:spPr>
+      </p:pic>
+      <p:sp>
+        <p:nvSpPr>
+          <p:cNvPr id="5" name="TextBox 4"/>
+          <p:cNvSpPr txBox="1"/>
+          <p:nvPr/>
+        </p:nvSpPr>
+        <p:spPr>
+          <a:xfrm>
+            <a:off x="5903786" y="2696066"/>
+            <a:ext cx="1279068" cy="369332"/>
+          </a:xfrm>
+          <a:prstGeom prst="rect">
+            <a:avLst/>
+          </a:prstGeom>
+          <a:noFill/>
+        </p:spPr>
+        <p:txBody>
+          <a:bodyPr wrap="none" rtlCol="0">
+            <a:spAutoFit/>
+          </a:bodyPr>
+          <a:lstStyle/>
+          <a:p>
+            <a:r>
+              <a:rPr lang="en-US" dirty="0" smtClean="0"/>
+              <a:t>Spring MVC</a:t>
+            </a:r>
+            <a:endParaRPr lang="en-US" dirty="0"/>
+          </a:p>
+        </p:txBody>
+      </p:sp>
     </p:spTree>
     <p:extLst>
       <p:ext uri="{BB962C8B-B14F-4D97-AF65-F5344CB8AC3E}">
@@ -5469,7 +6211,6 @@
               <a:rPr lang="en-US" sz="1000" dirty="0" smtClean="0"/>
               <a:t> </a:t>
             </a:r>
-            <a:endParaRPr lang="en-US" sz="1000" dirty="0" smtClean="0"/>
           </a:p>
           <a:p>
             <a:endParaRPr lang="en-US" sz="1000" dirty="0"/>
@@ -6211,10 +6952,1085 @@
           </a:p>
         </p:txBody>
       </p:sp>
+      <p:sp>
+        <p:nvSpPr>
+          <p:cNvPr id="4" name="TextBox 3"/>
+          <p:cNvSpPr txBox="1"/>
+          <p:nvPr/>
+        </p:nvSpPr>
+        <p:spPr>
+          <a:xfrm>
+            <a:off x="533400" y="3886200"/>
+            <a:ext cx="7109639" cy="2154436"/>
+          </a:xfrm>
+          <a:prstGeom prst="rect">
+            <a:avLst/>
+          </a:prstGeom>
+          <a:noFill/>
+        </p:spPr>
+        <p:txBody>
+          <a:bodyPr wrap="none" rtlCol="0">
+            <a:spAutoFit/>
+          </a:bodyPr>
+          <a:lstStyle/>
+          <a:p>
+            <a:r>
+              <a:rPr lang="en-US" dirty="0" smtClean="0"/>
+              <a:t>Paging in JPA</a:t>
+            </a:r>
+          </a:p>
+          <a:p>
+            <a:pPr marL="171450" indent="-171450">
+              <a:buFontTx/>
+              <a:buChar char="-"/>
+            </a:pPr>
+            <a:r>
+              <a:rPr lang="en-US" sz="1200" dirty="0" smtClean="0"/>
+              <a:t>Supported from @</a:t>
+            </a:r>
+            <a:r>
+              <a:rPr lang="en-US" sz="1200" dirty="0" err="1" smtClean="0"/>
+              <a:t>RequestMapping</a:t>
+            </a:r>
+            <a:r>
+              <a:rPr lang="en-US" sz="1200" dirty="0" smtClean="0"/>
+              <a:t>  from 4.3 </a:t>
+            </a:r>
+          </a:p>
+          <a:p>
+            <a:r>
+              <a:rPr lang="en-US" sz="1200" dirty="0" err="1" smtClean="0"/>
+              <a:t>Eg</a:t>
+            </a:r>
+            <a:r>
+              <a:rPr lang="en-US" sz="1200" dirty="0" smtClean="0"/>
+              <a:t>. </a:t>
+            </a:r>
+            <a:r>
+              <a:rPr lang="en-US" sz="1200" dirty="0" err="1"/>
+              <a:t>PagingAndSortingRepository</a:t>
+            </a:r>
+            <a:r>
+              <a:rPr lang="en-US" sz="1200" dirty="0"/>
+              <a:t>&lt;Person, Long</a:t>
+            </a:r>
+            <a:r>
+              <a:rPr lang="en-US" sz="1200" dirty="0" smtClean="0"/>
+              <a:t>&gt; add to your repository</a:t>
+            </a:r>
+          </a:p>
+          <a:p>
+            <a:endParaRPr lang="en-US" sz="1200" dirty="0"/>
+          </a:p>
+          <a:p>
+            <a:r>
+              <a:rPr lang="en-US" sz="1000" dirty="0">
+                <a:solidFill>
+                  <a:srgbClr val="000000"/>
+                </a:solidFill>
+                <a:latin typeface="Courier New"/>
+              </a:rPr>
+              <a:t>Page&lt;Person&gt; </a:t>
+            </a:r>
+            <a:r>
+              <a:rPr lang="en-US" sz="1000" dirty="0">
+                <a:solidFill>
+                  <a:srgbClr val="6A3E3E"/>
+                </a:solidFill>
+                <a:latin typeface="Courier New"/>
+              </a:rPr>
+              <a:t>page</a:t>
+            </a:r>
+            <a:r>
+              <a:rPr lang="en-US" sz="1000" dirty="0">
+                <a:solidFill>
+                  <a:srgbClr val="000000"/>
+                </a:solidFill>
+                <a:latin typeface="Courier New"/>
+              </a:rPr>
+              <a:t> = </a:t>
+            </a:r>
+            <a:r>
+              <a:rPr lang="en-US" sz="1000" dirty="0" err="1">
+                <a:solidFill>
+                  <a:srgbClr val="0000C0"/>
+                </a:solidFill>
+                <a:latin typeface="Courier New"/>
+              </a:rPr>
+              <a:t>repository</a:t>
+            </a:r>
+            <a:r>
+              <a:rPr lang="en-US" sz="1000" dirty="0" err="1">
+                <a:solidFill>
+                  <a:srgbClr val="000000"/>
+                </a:solidFill>
+                <a:latin typeface="Courier New"/>
+              </a:rPr>
+              <a:t>.findAll</a:t>
+            </a:r>
+            <a:r>
+              <a:rPr lang="en-US" sz="1000" dirty="0">
+                <a:solidFill>
+                  <a:srgbClr val="000000"/>
+                </a:solidFill>
+                <a:latin typeface="Courier New"/>
+              </a:rPr>
+              <a:t>(</a:t>
+            </a:r>
+            <a:r>
+              <a:rPr lang="en-US" sz="1000" b="1" dirty="0">
+                <a:solidFill>
+                  <a:srgbClr val="7F0055"/>
+                </a:solidFill>
+                <a:latin typeface="Courier New"/>
+              </a:rPr>
+              <a:t>new</a:t>
+            </a:r>
+            <a:r>
+              <a:rPr lang="en-US" sz="1000" b="1" dirty="0">
+                <a:solidFill>
+                  <a:srgbClr val="000000"/>
+                </a:solidFill>
+                <a:latin typeface="Courier New"/>
+              </a:rPr>
+              <a:t> </a:t>
+            </a:r>
+            <a:r>
+              <a:rPr lang="en-US" sz="1000" b="1" dirty="0" err="1">
+                <a:solidFill>
+                  <a:srgbClr val="000000"/>
+                </a:solidFill>
+                <a:latin typeface="Courier New"/>
+              </a:rPr>
+              <a:t>PageRequest</a:t>
+            </a:r>
+            <a:r>
+              <a:rPr lang="en-US" sz="1000" b="1" dirty="0">
+                <a:solidFill>
+                  <a:srgbClr val="000000"/>
+                </a:solidFill>
+                <a:latin typeface="Courier New"/>
+              </a:rPr>
+              <a:t>(1, 2, </a:t>
+            </a:r>
+            <a:r>
+              <a:rPr lang="en-US" sz="1000" b="1" dirty="0" err="1">
+                <a:solidFill>
+                  <a:srgbClr val="000000"/>
+                </a:solidFill>
+                <a:latin typeface="Courier New"/>
+              </a:rPr>
+              <a:t>Direction.</a:t>
+            </a:r>
+            <a:r>
+              <a:rPr lang="en-US" sz="1000" b="1" i="1" dirty="0" err="1">
+                <a:solidFill>
+                  <a:srgbClr val="0000C0"/>
+                </a:solidFill>
+                <a:latin typeface="Courier New"/>
+              </a:rPr>
+              <a:t>ASC</a:t>
+            </a:r>
+            <a:r>
+              <a:rPr lang="en-US" sz="1000" b="1" i="1" dirty="0">
+                <a:solidFill>
+                  <a:srgbClr val="000000"/>
+                </a:solidFill>
+                <a:latin typeface="Courier New"/>
+              </a:rPr>
+              <a:t>, </a:t>
+            </a:r>
+            <a:r>
+              <a:rPr lang="en-US" sz="1000" b="1" i="1" dirty="0">
+                <a:solidFill>
+                  <a:srgbClr val="2A00FF"/>
+                </a:solidFill>
+                <a:latin typeface="Courier New"/>
+              </a:rPr>
+              <a:t>"</a:t>
+            </a:r>
+            <a:r>
+              <a:rPr lang="en-US" sz="1000" b="1" i="1" dirty="0" err="1">
+                <a:solidFill>
+                  <a:srgbClr val="2A00FF"/>
+                </a:solidFill>
+                <a:latin typeface="Courier New"/>
+              </a:rPr>
+              <a:t>firstName</a:t>
+            </a:r>
+            <a:r>
+              <a:rPr lang="en-US" sz="1000" b="1" i="1" dirty="0">
+                <a:solidFill>
+                  <a:srgbClr val="2A00FF"/>
+                </a:solidFill>
+                <a:latin typeface="Courier New"/>
+              </a:rPr>
+              <a:t>"</a:t>
+            </a:r>
+            <a:r>
+              <a:rPr lang="en-US" sz="1000" b="1" i="1" dirty="0">
+                <a:solidFill>
+                  <a:srgbClr val="000000"/>
+                </a:solidFill>
+                <a:latin typeface="Courier New"/>
+              </a:rPr>
+              <a:t>));</a:t>
+            </a:r>
+          </a:p>
+          <a:p>
+            <a:endParaRPr lang="en-US" sz="1000" dirty="0">
+              <a:latin typeface="Courier New"/>
+            </a:endParaRPr>
+          </a:p>
+          <a:p>
+            <a:r>
+              <a:rPr lang="en-US" sz="1000" b="1" dirty="0">
+                <a:solidFill>
+                  <a:srgbClr val="7F0055"/>
+                </a:solidFill>
+                <a:latin typeface="Courier New"/>
+              </a:rPr>
+              <a:t>for</a:t>
+            </a:r>
+            <a:r>
+              <a:rPr lang="en-US" sz="1000" b="1" dirty="0">
+                <a:solidFill>
+                  <a:srgbClr val="000000"/>
+                </a:solidFill>
+                <a:latin typeface="Courier New"/>
+              </a:rPr>
+              <a:t>(Person </a:t>
+            </a:r>
+            <a:r>
+              <a:rPr lang="en-US" sz="1000" b="1" dirty="0" err="1">
+                <a:solidFill>
+                  <a:srgbClr val="6A3E3E"/>
+                </a:solidFill>
+                <a:latin typeface="Courier New"/>
+              </a:rPr>
+              <a:t>person</a:t>
+            </a:r>
+            <a:r>
+              <a:rPr lang="en-US" sz="1000" b="1" dirty="0">
+                <a:solidFill>
+                  <a:srgbClr val="000000"/>
+                </a:solidFill>
+                <a:latin typeface="Courier New"/>
+              </a:rPr>
+              <a:t> : </a:t>
+            </a:r>
+            <a:r>
+              <a:rPr lang="en-US" sz="1000" b="1" dirty="0">
+                <a:solidFill>
+                  <a:srgbClr val="6A3E3E"/>
+                </a:solidFill>
+                <a:latin typeface="Courier New"/>
+              </a:rPr>
+              <a:t>page</a:t>
+            </a:r>
+            <a:r>
+              <a:rPr lang="en-US" sz="1000" b="1" dirty="0">
+                <a:solidFill>
+                  <a:srgbClr val="000000"/>
+                </a:solidFill>
+                <a:latin typeface="Courier New"/>
+              </a:rPr>
+              <a:t>) {</a:t>
+            </a:r>
+          </a:p>
+          <a:p>
+            <a:r>
+              <a:rPr lang="en-US" sz="1000" dirty="0" err="1">
+                <a:solidFill>
+                  <a:srgbClr val="000000"/>
+                </a:solidFill>
+                <a:latin typeface="Courier New"/>
+              </a:rPr>
+              <a:t>System.</a:t>
+            </a:r>
+            <a:r>
+              <a:rPr lang="en-US" sz="1000" b="1" i="1" dirty="0" err="1">
+                <a:solidFill>
+                  <a:srgbClr val="0000C0"/>
+                </a:solidFill>
+                <a:latin typeface="Courier New"/>
+              </a:rPr>
+              <a:t>out</a:t>
+            </a:r>
+            <a:r>
+              <a:rPr lang="en-US" sz="1000" b="1" i="1" dirty="0" err="1">
+                <a:solidFill>
+                  <a:srgbClr val="000000"/>
+                </a:solidFill>
+                <a:latin typeface="Courier New"/>
+              </a:rPr>
+              <a:t>.println</a:t>
+            </a:r>
+            <a:r>
+              <a:rPr lang="en-US" sz="1000" b="1" i="1" dirty="0">
+                <a:solidFill>
+                  <a:srgbClr val="000000"/>
+                </a:solidFill>
+                <a:latin typeface="Courier New"/>
+              </a:rPr>
+              <a:t>(</a:t>
+            </a:r>
+            <a:r>
+              <a:rPr lang="en-US" sz="1000" b="1" i="1" dirty="0" err="1">
+                <a:solidFill>
+                  <a:srgbClr val="6A3E3E"/>
+                </a:solidFill>
+                <a:latin typeface="Courier New"/>
+              </a:rPr>
+              <a:t>person</a:t>
+            </a:r>
+            <a:r>
+              <a:rPr lang="en-US" sz="1000" b="1" i="1" dirty="0" err="1">
+                <a:solidFill>
+                  <a:srgbClr val="000000"/>
+                </a:solidFill>
+                <a:latin typeface="Courier New"/>
+              </a:rPr>
+              <a:t>.getId</a:t>
+            </a:r>
+            <a:r>
+              <a:rPr lang="en-US" sz="1000" b="1" i="1" dirty="0">
+                <a:solidFill>
+                  <a:srgbClr val="000000"/>
+                </a:solidFill>
+                <a:latin typeface="Courier New"/>
+              </a:rPr>
+              <a:t>() + </a:t>
+            </a:r>
+            <a:r>
+              <a:rPr lang="en-US" sz="1000" b="1" i="1" dirty="0">
+                <a:solidFill>
+                  <a:srgbClr val="2A00FF"/>
+                </a:solidFill>
+                <a:latin typeface="Courier New"/>
+              </a:rPr>
+              <a:t>" "</a:t>
+            </a:r>
+            <a:r>
+              <a:rPr lang="en-US" sz="1000" b="1" i="1" dirty="0">
+                <a:solidFill>
+                  <a:srgbClr val="000000"/>
+                </a:solidFill>
+                <a:latin typeface="Courier New"/>
+              </a:rPr>
+              <a:t> + </a:t>
+            </a:r>
+            <a:r>
+              <a:rPr lang="en-US" sz="1000" b="1" i="1" dirty="0" err="1">
+                <a:solidFill>
+                  <a:srgbClr val="6A3E3E"/>
+                </a:solidFill>
+                <a:latin typeface="Courier New"/>
+              </a:rPr>
+              <a:t>person</a:t>
+            </a:r>
+            <a:r>
+              <a:rPr lang="en-US" sz="1000" b="1" i="1" dirty="0" err="1">
+                <a:solidFill>
+                  <a:srgbClr val="000000"/>
+                </a:solidFill>
+                <a:latin typeface="Courier New"/>
+              </a:rPr>
+              <a:t>.getFirstName</a:t>
+            </a:r>
+            <a:r>
+              <a:rPr lang="en-US" sz="1000" b="1" i="1" dirty="0" smtClean="0">
+                <a:solidFill>
+                  <a:srgbClr val="000000"/>
+                </a:solidFill>
+                <a:latin typeface="Courier New"/>
+              </a:rPr>
+              <a:t>());</a:t>
+            </a:r>
+            <a:endParaRPr lang="en-US" sz="1000" b="1" i="1" dirty="0">
+              <a:solidFill>
+                <a:srgbClr val="000000"/>
+              </a:solidFill>
+              <a:latin typeface="Courier New"/>
+            </a:endParaRPr>
+          </a:p>
+          <a:p>
+            <a:r>
+              <a:rPr lang="en-US" sz="1000" dirty="0" smtClean="0">
+                <a:solidFill>
+                  <a:srgbClr val="000000"/>
+                </a:solidFill>
+                <a:latin typeface="Courier New"/>
+              </a:rPr>
+              <a:t>}</a:t>
+            </a:r>
+          </a:p>
+          <a:p>
+            <a:endParaRPr lang="en-US" sz="1000" dirty="0" smtClean="0"/>
+          </a:p>
+          <a:p>
+            <a:pPr marL="171450" indent="-171450">
+              <a:buFontTx/>
+              <a:buChar char="-"/>
+            </a:pPr>
+            <a:r>
+              <a:rPr lang="en-US" sz="1000" dirty="0" smtClean="0"/>
+              <a:t>Named Queries</a:t>
+            </a:r>
+          </a:p>
+          <a:p>
+            <a:pPr marL="171450" indent="-171450">
+              <a:buFontTx/>
+              <a:buChar char="-"/>
+            </a:pPr>
+            <a:r>
+              <a:rPr lang="en-US" sz="1000" dirty="0" smtClean="0"/>
+              <a:t>Search</a:t>
+            </a:r>
+            <a:endParaRPr lang="en-US" sz="1000" dirty="0"/>
+          </a:p>
+        </p:txBody>
+      </p:sp>
     </p:spTree>
     <p:extLst>
       <p:ext uri="{BB962C8B-B14F-4D97-AF65-F5344CB8AC3E}">
         <p14:creationId xmlns:p14="http://schemas.microsoft.com/office/powerpoint/2010/main" val="2929665991"/>
+      </p:ext>
+    </p:extLst>
+  </p:cSld>
+  <p:clrMapOvr>
+    <a:masterClrMapping/>
+  </p:clrMapOvr>
+</p:sld>
+</file>
+
+<file path=ppt/slides/slide9.xml><?xml version="1.0" encoding="utf-8"?>
+<p:sld xmlns:a="http://schemas.openxmlformats.org/drawingml/2006/main" xmlns:r="http://schemas.openxmlformats.org/officeDocument/2006/relationships" xmlns:p="http://schemas.openxmlformats.org/presentationml/2006/main">
+  <p:cSld>
+    <p:spTree>
+      <p:nvGrpSpPr>
+        <p:cNvPr id="1" name=""/>
+        <p:cNvGrpSpPr/>
+        <p:nvPr/>
+      </p:nvGrpSpPr>
+      <p:grpSpPr>
+        <a:xfrm>
+          <a:off x="0" y="0"/>
+          <a:ext cx="0" cy="0"/>
+          <a:chOff x="0" y="0"/>
+          <a:chExt cx="0" cy="0"/>
+        </a:xfrm>
+      </p:grpSpPr>
+      <p:sp>
+        <p:nvSpPr>
+          <p:cNvPr id="3" name="TextBox 2"/>
+          <p:cNvSpPr txBox="1"/>
+          <p:nvPr/>
+        </p:nvSpPr>
+        <p:spPr>
+          <a:xfrm>
+            <a:off x="457200" y="609600"/>
+            <a:ext cx="4725333" cy="3693319"/>
+          </a:xfrm>
+          <a:prstGeom prst="rect">
+            <a:avLst/>
+          </a:prstGeom>
+          <a:noFill/>
+        </p:spPr>
+        <p:txBody>
+          <a:bodyPr wrap="none" rtlCol="0">
+            <a:spAutoFit/>
+          </a:bodyPr>
+          <a:lstStyle/>
+          <a:p>
+            <a:r>
+              <a:rPr lang="en-US" dirty="0" smtClean="0"/>
+              <a:t>Rest API</a:t>
+            </a:r>
+          </a:p>
+          <a:p>
+            <a:endParaRPr lang="en-US" sz="1200" dirty="0" smtClean="0"/>
+          </a:p>
+          <a:p>
+            <a:r>
+              <a:rPr lang="en-US" sz="1200" dirty="0" smtClean="0"/>
+              <a:t>Web Service </a:t>
+            </a:r>
+          </a:p>
+          <a:p>
+            <a:pPr marL="171450" indent="-171450">
+              <a:buFontTx/>
+              <a:buChar char="-"/>
+            </a:pPr>
+            <a:r>
+              <a:rPr lang="en-US" sz="1200" dirty="0" smtClean="0"/>
+              <a:t>Is a service exposed over a network ( commonly used is http protocol)</a:t>
+            </a:r>
+          </a:p>
+          <a:p>
+            <a:pPr marL="171450" indent="-171450">
+              <a:buFontTx/>
+              <a:buChar char="-"/>
+            </a:pPr>
+            <a:r>
+              <a:rPr lang="en-US" sz="1200" dirty="0" smtClean="0"/>
+              <a:t>Advantage of re-usability</a:t>
+            </a:r>
+          </a:p>
+          <a:p>
+            <a:endParaRPr lang="en-US" sz="1200" dirty="0" smtClean="0"/>
+          </a:p>
+          <a:p>
+            <a:r>
+              <a:rPr lang="en-US" sz="1200" dirty="0" smtClean="0"/>
+              <a:t>JAX-RS from Java</a:t>
+            </a:r>
+          </a:p>
+          <a:p>
+            <a:pPr marL="171450" indent="-171450">
+              <a:buFontTx/>
+              <a:buChar char="-"/>
+            </a:pPr>
+            <a:r>
+              <a:rPr lang="en-US" sz="1200" dirty="0" smtClean="0"/>
+              <a:t>@Path</a:t>
+            </a:r>
+          </a:p>
+          <a:p>
+            <a:pPr marL="171450" indent="-171450">
+              <a:buFontTx/>
+              <a:buChar char="-"/>
+            </a:pPr>
+            <a:r>
+              <a:rPr lang="en-US" sz="1200" dirty="0" smtClean="0"/>
+              <a:t>@</a:t>
+            </a:r>
+            <a:r>
+              <a:rPr lang="en-US" sz="1200" dirty="0" err="1" smtClean="0"/>
+              <a:t>PathParam</a:t>
+            </a:r>
+            <a:endParaRPr lang="en-US" sz="1200" dirty="0" smtClean="0"/>
+          </a:p>
+          <a:p>
+            <a:pPr marL="171450" indent="-171450">
+              <a:buFontTx/>
+              <a:buChar char="-"/>
+            </a:pPr>
+            <a:r>
+              <a:rPr lang="en-US" sz="1200" dirty="0" smtClean="0"/>
+              <a:t>@Resource</a:t>
+            </a:r>
+          </a:p>
+          <a:p>
+            <a:pPr marL="171450" indent="-171450">
+              <a:buFontTx/>
+              <a:buChar char="-"/>
+            </a:pPr>
+            <a:r>
+              <a:rPr lang="en-US" sz="1200" dirty="0" smtClean="0"/>
+              <a:t>@Get, @Post, @Delete</a:t>
+            </a:r>
+          </a:p>
+          <a:p>
+            <a:pPr marL="171450" indent="-171450">
+              <a:buFontTx/>
+              <a:buChar char="-"/>
+            </a:pPr>
+            <a:r>
+              <a:rPr lang="en-US" sz="1200" dirty="0" smtClean="0"/>
+              <a:t>@Produce</a:t>
+            </a:r>
+          </a:p>
+          <a:p>
+            <a:pPr marL="171450" indent="-171450">
+              <a:buFontTx/>
+              <a:buChar char="-"/>
+            </a:pPr>
+            <a:r>
+              <a:rPr lang="en-US" sz="1200" dirty="0" smtClean="0"/>
+              <a:t>@Consume</a:t>
+            </a:r>
+          </a:p>
+          <a:p>
+            <a:pPr marL="171450" indent="-171450">
+              <a:buFontTx/>
+              <a:buChar char="-"/>
+            </a:pPr>
+            <a:r>
+              <a:rPr lang="en-US" sz="1200" dirty="0" smtClean="0"/>
+              <a:t>For Provider and Consumer</a:t>
+            </a:r>
+          </a:p>
+          <a:p>
+            <a:pPr marL="171450" indent="-171450">
+              <a:buFontTx/>
+              <a:buChar char="-"/>
+            </a:pPr>
+            <a:r>
+              <a:rPr lang="en-US" sz="1200" dirty="0" smtClean="0"/>
+              <a:t>Implementation of JAX-RS is Jersey </a:t>
+            </a:r>
+          </a:p>
+          <a:p>
+            <a:pPr marL="171450" indent="-171450">
+              <a:buFontTx/>
+              <a:buChar char="-"/>
+            </a:pPr>
+            <a:r>
+              <a:rPr lang="en-US" sz="1200" dirty="0" smtClean="0"/>
+              <a:t>Spring container is not directly calling JAX-RS, but through Apache CXF</a:t>
+            </a:r>
+          </a:p>
+          <a:p>
+            <a:pPr marL="171450" indent="-171450">
+              <a:buFontTx/>
+              <a:buChar char="-"/>
+            </a:pPr>
+            <a:r>
+              <a:rPr lang="en-US" sz="1200" dirty="0" smtClean="0"/>
+              <a:t>JBOSS is implemented </a:t>
+            </a:r>
+            <a:r>
+              <a:rPr lang="en-US" sz="1200" dirty="0"/>
+              <a:t>JAX-RS, </a:t>
+            </a:r>
+            <a:r>
+              <a:rPr lang="en-US" sz="1200" dirty="0" err="1" smtClean="0"/>
+              <a:t>RestEasy</a:t>
+            </a:r>
+            <a:endParaRPr lang="en-US" sz="1200" dirty="0" smtClean="0"/>
+          </a:p>
+          <a:p>
+            <a:pPr marL="171450" indent="-171450">
+              <a:buFontTx/>
+              <a:buChar char="-"/>
+            </a:pPr>
+            <a:r>
+              <a:rPr lang="en-US" sz="1200" dirty="0" smtClean="0"/>
+              <a:t>Spring REST implements JAX-RS ??</a:t>
+            </a:r>
+            <a:r>
+              <a:rPr lang="en-US" sz="1200" dirty="0" smtClean="0">
+                <a:solidFill>
+                  <a:srgbClr val="FF0000"/>
+                </a:solidFill>
+              </a:rPr>
+              <a:t>have to verify</a:t>
+            </a:r>
+          </a:p>
+          <a:p>
+            <a:pPr marL="171450" indent="-171450">
+              <a:buFontTx/>
+              <a:buChar char="-"/>
+            </a:pPr>
+            <a:endParaRPr lang="en-US" sz="1200" dirty="0"/>
+          </a:p>
+        </p:txBody>
+      </p:sp>
+      <p:sp>
+        <p:nvSpPr>
+          <p:cNvPr id="4" name="TextBox 3"/>
+          <p:cNvSpPr txBox="1"/>
+          <p:nvPr/>
+        </p:nvSpPr>
+        <p:spPr>
+          <a:xfrm>
+            <a:off x="5867400" y="586509"/>
+            <a:ext cx="2914516" cy="1107996"/>
+          </a:xfrm>
+          <a:prstGeom prst="rect">
+            <a:avLst/>
+          </a:prstGeom>
+          <a:noFill/>
+        </p:spPr>
+        <p:txBody>
+          <a:bodyPr wrap="none" rtlCol="0">
+            <a:spAutoFit/>
+          </a:bodyPr>
+          <a:lstStyle/>
+          <a:p>
+            <a:r>
+              <a:rPr lang="en-US" dirty="0" smtClean="0"/>
+              <a:t>SOAP</a:t>
+            </a:r>
+          </a:p>
+          <a:p>
+            <a:pPr marL="171450" indent="-171450">
+              <a:buFontTx/>
+              <a:buChar char="-"/>
+            </a:pPr>
+            <a:r>
+              <a:rPr lang="en-US" sz="1200" dirty="0" smtClean="0"/>
+              <a:t>Is a standard</a:t>
+            </a:r>
+          </a:p>
+          <a:p>
+            <a:pPr marL="171450" indent="-171450">
+              <a:buFontTx/>
+              <a:buChar char="-"/>
+            </a:pPr>
+            <a:r>
+              <a:rPr lang="en-US" sz="1200" dirty="0" smtClean="0"/>
+              <a:t>JAX-WS</a:t>
+            </a:r>
+          </a:p>
+          <a:p>
+            <a:r>
+              <a:rPr lang="en-US" sz="1200" dirty="0" smtClean="0"/>
+              <a:t>Apache CXF is based on JAX-WS and  JAX-RS</a:t>
+            </a:r>
+          </a:p>
+          <a:p>
+            <a:endParaRPr lang="en-US" sz="1200" dirty="0" smtClean="0"/>
+          </a:p>
+        </p:txBody>
+      </p:sp>
+      <p:sp>
+        <p:nvSpPr>
+          <p:cNvPr id="5" name="TextBox 4"/>
+          <p:cNvSpPr txBox="1"/>
+          <p:nvPr/>
+        </p:nvSpPr>
+        <p:spPr>
+          <a:xfrm>
+            <a:off x="533400" y="4495800"/>
+            <a:ext cx="1904239" cy="738664"/>
+          </a:xfrm>
+          <a:prstGeom prst="rect">
+            <a:avLst/>
+          </a:prstGeom>
+          <a:noFill/>
+        </p:spPr>
+        <p:txBody>
+          <a:bodyPr wrap="none" rtlCol="0">
+            <a:spAutoFit/>
+          </a:bodyPr>
+          <a:lstStyle/>
+          <a:p>
+            <a:r>
+              <a:rPr lang="en-US" dirty="0" smtClean="0"/>
+              <a:t>Roy Fielding</a:t>
+            </a:r>
+          </a:p>
+          <a:p>
+            <a:pPr marL="171450" indent="-171450">
+              <a:buFontTx/>
+              <a:buChar char="-"/>
+            </a:pPr>
+            <a:r>
+              <a:rPr lang="en-US" sz="1200" dirty="0" smtClean="0"/>
+              <a:t>Discovery of  Rest API </a:t>
+            </a:r>
+          </a:p>
+          <a:p>
+            <a:pPr marL="171450" indent="-171450">
+              <a:buFontTx/>
+              <a:buChar char="-"/>
+            </a:pPr>
+            <a:r>
+              <a:rPr lang="en-US" sz="1200" dirty="0" smtClean="0"/>
+              <a:t>Set principles of Rest API</a:t>
+            </a:r>
+            <a:endParaRPr lang="en-US" sz="1200" dirty="0"/>
+          </a:p>
+        </p:txBody>
+      </p:sp>
+      <p:sp>
+        <p:nvSpPr>
+          <p:cNvPr id="6" name="Rectangle 5"/>
+          <p:cNvSpPr/>
+          <p:nvPr/>
+        </p:nvSpPr>
+        <p:spPr>
+          <a:xfrm>
+            <a:off x="5029200" y="4419600"/>
+            <a:ext cx="1143000" cy="1219200"/>
+          </a:xfrm>
+          <a:prstGeom prst="rect">
+            <a:avLst/>
+          </a:prstGeom>
+        </p:spPr>
+        <p:style>
+          <a:lnRef idx="2">
+            <a:schemeClr val="accent1">
+              <a:shade val="50000"/>
+            </a:schemeClr>
+          </a:lnRef>
+          <a:fillRef idx="1">
+            <a:schemeClr val="accent1"/>
+          </a:fillRef>
+          <a:effectRef idx="0">
+            <a:schemeClr val="accent1"/>
+          </a:effectRef>
+          <a:fontRef idx="minor">
+            <a:schemeClr val="lt1"/>
+          </a:fontRef>
+        </p:style>
+        <p:txBody>
+          <a:bodyPr rtlCol="0" anchor="ctr"/>
+          <a:lstStyle/>
+          <a:p>
+            <a:pPr algn="ctr"/>
+            <a:r>
+              <a:rPr lang="en-US" dirty="0" smtClean="0"/>
+              <a:t>Java </a:t>
+            </a:r>
+            <a:endParaRPr lang="en-US" dirty="0"/>
+          </a:p>
+        </p:txBody>
+      </p:sp>
+      <p:sp>
+        <p:nvSpPr>
+          <p:cNvPr id="7" name="Rectangle 6"/>
+          <p:cNvSpPr/>
+          <p:nvPr/>
+        </p:nvSpPr>
+        <p:spPr>
+          <a:xfrm>
+            <a:off x="7391400" y="4414982"/>
+            <a:ext cx="1143000" cy="1219200"/>
+          </a:xfrm>
+          <a:prstGeom prst="rect">
+            <a:avLst/>
+          </a:prstGeom>
+        </p:spPr>
+        <p:style>
+          <a:lnRef idx="2">
+            <a:schemeClr val="accent1">
+              <a:shade val="50000"/>
+            </a:schemeClr>
+          </a:lnRef>
+          <a:fillRef idx="1">
+            <a:schemeClr val="accent1"/>
+          </a:fillRef>
+          <a:effectRef idx="0">
+            <a:schemeClr val="accent1"/>
+          </a:effectRef>
+          <a:fontRef idx="minor">
+            <a:schemeClr val="lt1"/>
+          </a:fontRef>
+        </p:style>
+        <p:txBody>
+          <a:bodyPr rtlCol="0" anchor="ctr"/>
+          <a:lstStyle/>
+          <a:p>
+            <a:pPr algn="ctr"/>
+            <a:r>
+              <a:rPr lang="en-US" dirty="0" smtClean="0"/>
+              <a:t>Dot Net</a:t>
+            </a:r>
+            <a:endParaRPr lang="en-US" dirty="0"/>
+          </a:p>
+        </p:txBody>
+      </p:sp>
+      <p:cxnSp>
+        <p:nvCxnSpPr>
+          <p:cNvPr id="9" name="Straight Arrow Connector 8"/>
+          <p:cNvCxnSpPr/>
+          <p:nvPr/>
+        </p:nvCxnSpPr>
+        <p:spPr>
+          <a:xfrm>
+            <a:off x="6172200" y="4651653"/>
+            <a:ext cx="1219200" cy="0"/>
+          </a:xfrm>
+          <a:prstGeom prst="straightConnector1">
+            <a:avLst/>
+          </a:prstGeom>
+          <a:ln>
+            <a:tailEnd type="arrow"/>
+          </a:ln>
+        </p:spPr>
+        <p:style>
+          <a:lnRef idx="1">
+            <a:schemeClr val="accent1"/>
+          </a:lnRef>
+          <a:fillRef idx="0">
+            <a:schemeClr val="accent1"/>
+          </a:fillRef>
+          <a:effectRef idx="0">
+            <a:schemeClr val="accent1"/>
+          </a:effectRef>
+          <a:fontRef idx="minor">
+            <a:schemeClr val="tx1"/>
+          </a:fontRef>
+        </p:style>
+      </p:cxnSp>
+      <p:cxnSp>
+        <p:nvCxnSpPr>
+          <p:cNvPr id="11" name="Straight Arrow Connector 10"/>
+          <p:cNvCxnSpPr/>
+          <p:nvPr/>
+        </p:nvCxnSpPr>
+        <p:spPr>
+          <a:xfrm flipH="1">
+            <a:off x="6172200" y="5181600"/>
+            <a:ext cx="1295400" cy="0"/>
+          </a:xfrm>
+          <a:prstGeom prst="straightConnector1">
+            <a:avLst/>
+          </a:prstGeom>
+          <a:ln>
+            <a:tailEnd type="arrow"/>
+          </a:ln>
+        </p:spPr>
+        <p:style>
+          <a:lnRef idx="1">
+            <a:schemeClr val="accent1"/>
+          </a:lnRef>
+          <a:fillRef idx="0">
+            <a:schemeClr val="accent1"/>
+          </a:fillRef>
+          <a:effectRef idx="0">
+            <a:schemeClr val="accent1"/>
+          </a:effectRef>
+          <a:fontRef idx="minor">
+            <a:schemeClr val="tx1"/>
+          </a:fontRef>
+        </p:style>
+      </p:cxnSp>
+      <p:sp>
+        <p:nvSpPr>
+          <p:cNvPr id="12" name="Snip and Round Single Corner Rectangle 11"/>
+          <p:cNvSpPr/>
+          <p:nvPr/>
+        </p:nvSpPr>
+        <p:spPr>
+          <a:xfrm>
+            <a:off x="6629400" y="4191000"/>
+            <a:ext cx="304800" cy="304800"/>
+          </a:xfrm>
+          <a:prstGeom prst="snipRoundRect">
+            <a:avLst/>
+          </a:prstGeom>
+        </p:spPr>
+        <p:style>
+          <a:lnRef idx="2">
+            <a:schemeClr val="accent1">
+              <a:shade val="50000"/>
+            </a:schemeClr>
+          </a:lnRef>
+          <a:fillRef idx="1">
+            <a:schemeClr val="accent1"/>
+          </a:fillRef>
+          <a:effectRef idx="0">
+            <a:schemeClr val="accent1"/>
+          </a:effectRef>
+          <a:fontRef idx="minor">
+            <a:schemeClr val="lt1"/>
+          </a:fontRef>
+        </p:style>
+        <p:txBody>
+          <a:bodyPr rtlCol="0" anchor="ctr"/>
+          <a:lstStyle/>
+          <a:p>
+            <a:pPr algn="ctr"/>
+            <a:r>
+              <a:rPr lang="en-US" sz="1000" dirty="0" smtClean="0"/>
+              <a:t>----</a:t>
+            </a:r>
+            <a:endParaRPr lang="en-US" sz="1000" dirty="0"/>
+          </a:p>
+        </p:txBody>
+      </p:sp>
+      <p:sp>
+        <p:nvSpPr>
+          <p:cNvPr id="13" name="Snip and Round Single Corner Rectangle 12"/>
+          <p:cNvSpPr/>
+          <p:nvPr/>
+        </p:nvSpPr>
+        <p:spPr>
+          <a:xfrm>
+            <a:off x="6667500" y="5334000"/>
+            <a:ext cx="304800" cy="304800"/>
+          </a:xfrm>
+          <a:prstGeom prst="snipRoundRect">
+            <a:avLst/>
+          </a:prstGeom>
+        </p:spPr>
+        <p:style>
+          <a:lnRef idx="2">
+            <a:schemeClr val="accent1">
+              <a:shade val="50000"/>
+            </a:schemeClr>
+          </a:lnRef>
+          <a:fillRef idx="1">
+            <a:schemeClr val="accent1"/>
+          </a:fillRef>
+          <a:effectRef idx="0">
+            <a:schemeClr val="accent1"/>
+          </a:effectRef>
+          <a:fontRef idx="minor">
+            <a:schemeClr val="lt1"/>
+          </a:fontRef>
+        </p:style>
+        <p:txBody>
+          <a:bodyPr rtlCol="0" anchor="ctr"/>
+          <a:lstStyle/>
+          <a:p>
+            <a:pPr algn="ctr"/>
+            <a:r>
+              <a:rPr lang="en-US" sz="1000" dirty="0" smtClean="0"/>
+              <a:t>----</a:t>
+            </a:r>
+            <a:endParaRPr lang="en-US" sz="1000" dirty="0"/>
+          </a:p>
+        </p:txBody>
+      </p:sp>
+      <p:sp>
+        <p:nvSpPr>
+          <p:cNvPr id="21" name="TextBox 20"/>
+          <p:cNvSpPr txBox="1"/>
+          <p:nvPr/>
+        </p:nvSpPr>
+        <p:spPr>
+          <a:xfrm>
+            <a:off x="248116" y="5322455"/>
+            <a:ext cx="4476284" cy="1384995"/>
+          </a:xfrm>
+          <a:prstGeom prst="rect">
+            <a:avLst/>
+          </a:prstGeom>
+          <a:noFill/>
+        </p:spPr>
+        <p:txBody>
+          <a:bodyPr wrap="square" rtlCol="0">
+            <a:spAutoFit/>
+          </a:bodyPr>
+          <a:lstStyle/>
+          <a:p>
+            <a:r>
+              <a:rPr lang="en-US" sz="1200" dirty="0"/>
+              <a:t>Representational state transfer (</a:t>
+            </a:r>
+            <a:r>
+              <a:rPr lang="en-US" sz="1200" b="1" dirty="0"/>
+              <a:t>REST</a:t>
+            </a:r>
+            <a:r>
+              <a:rPr lang="en-US" sz="1200" dirty="0"/>
+              <a:t>) is a style of software architecture. As described in a dissertation by Roy Fielding, REST is an "architectural style" that basically exploits the existing technology and protocols of the Web.</a:t>
+            </a:r>
+          </a:p>
+          <a:p>
+            <a:endParaRPr lang="en-US" sz="1200" dirty="0"/>
+          </a:p>
+          <a:p>
+            <a:r>
+              <a:rPr lang="en-US" sz="1200" b="1" dirty="0" err="1"/>
+              <a:t>RESTful</a:t>
+            </a:r>
+            <a:r>
+              <a:rPr lang="en-US" sz="1200" dirty="0"/>
+              <a:t> is typically used to refer to web services implementing such an architecture.</a:t>
+            </a:r>
+          </a:p>
+        </p:txBody>
+      </p:sp>
+    </p:spTree>
+    <p:extLst>
+      <p:ext uri="{BB962C8B-B14F-4D97-AF65-F5344CB8AC3E}">
+        <p14:creationId xmlns:p14="http://schemas.microsoft.com/office/powerpoint/2010/main" val="2882532518"/>
       </p:ext>
     </p:extLst>
   </p:cSld>

--- a/info/SpringBootDocumentation.pptx
+++ b/info/SpringBootDocumentation.pptx
@@ -16,6 +16,7 @@
     <p:sldId id="264" r:id="rId10"/>
     <p:sldId id="265" r:id="rId11"/>
     <p:sldId id="266" r:id="rId12"/>
+    <p:sldId id="267" r:id="rId13"/>
   </p:sldIdLst>
   <p:sldSz cx="9144000" cy="6858000" type="screen4x3"/>
   <p:notesSz cx="6858000" cy="9144000"/>
@@ -3808,6 +3809,133 @@
     <p:extLst>
       <p:ext uri="{BB962C8B-B14F-4D97-AF65-F5344CB8AC3E}">
         <p14:creationId xmlns:p14="http://schemas.microsoft.com/office/powerpoint/2010/main" val="309218088"/>
+      </p:ext>
+    </p:extLst>
+  </p:cSld>
+  <p:clrMapOvr>
+    <a:masterClrMapping/>
+  </p:clrMapOvr>
+</p:sld>
+</file>
+
+<file path=ppt/slides/slide12.xml><?xml version="1.0" encoding="utf-8"?>
+<p:sld xmlns:a="http://schemas.openxmlformats.org/drawingml/2006/main" xmlns:r="http://schemas.openxmlformats.org/officeDocument/2006/relationships" xmlns:p="http://schemas.openxmlformats.org/presentationml/2006/main">
+  <p:cSld>
+    <p:spTree>
+      <p:nvGrpSpPr>
+        <p:cNvPr id="1" name=""/>
+        <p:cNvGrpSpPr/>
+        <p:nvPr/>
+      </p:nvGrpSpPr>
+      <p:grpSpPr>
+        <a:xfrm>
+          <a:off x="0" y="0"/>
+          <a:ext cx="0" cy="0"/>
+          <a:chOff x="0" y="0"/>
+          <a:chExt cx="0" cy="0"/>
+        </a:xfrm>
+      </p:grpSpPr>
+      <p:sp>
+        <p:nvSpPr>
+          <p:cNvPr id="2" name="TextBox 1"/>
+          <p:cNvSpPr txBox="1"/>
+          <p:nvPr/>
+        </p:nvSpPr>
+        <p:spPr>
+          <a:xfrm>
+            <a:off x="838200" y="914400"/>
+            <a:ext cx="6090513" cy="923330"/>
+          </a:xfrm>
+          <a:prstGeom prst="rect">
+            <a:avLst/>
+          </a:prstGeom>
+          <a:noFill/>
+        </p:spPr>
+        <p:txBody>
+          <a:bodyPr wrap="none" rtlCol="0">
+            <a:spAutoFit/>
+          </a:bodyPr>
+          <a:lstStyle/>
+          <a:p>
+            <a:r>
+              <a:rPr lang="en-US" dirty="0" smtClean="0"/>
+              <a:t>Swagger </a:t>
+            </a:r>
+            <a:r>
+              <a:rPr lang="en-US" dirty="0" err="1" smtClean="0"/>
+              <a:t>Api</a:t>
+            </a:r>
+            <a:r>
+              <a:rPr lang="en-US" dirty="0" smtClean="0"/>
+              <a:t> - </a:t>
+            </a:r>
+            <a:r>
+              <a:rPr lang="en-US" sz="1200" dirty="0" smtClean="0">
+                <a:hlinkClick r:id="rId2"/>
+              </a:rPr>
+              <a:t>http</a:t>
+            </a:r>
+            <a:r>
+              <a:rPr lang="en-US" sz="1200" dirty="0">
+                <a:hlinkClick r:id="rId2"/>
+              </a:rPr>
+              <a:t>://</a:t>
+            </a:r>
+            <a:r>
+              <a:rPr lang="en-US" sz="1200" dirty="0" smtClean="0">
+                <a:hlinkClick r:id="rId2"/>
+              </a:rPr>
+              <a:t>www.baeldung.com/swagger-2-documentation-for-spring-rest-api</a:t>
+            </a:r>
+            <a:r>
+              <a:rPr lang="en-US" sz="1200" dirty="0" smtClean="0"/>
+              <a:t> </a:t>
+            </a:r>
+          </a:p>
+          <a:p>
+            <a:endParaRPr lang="en-US" sz="1200" dirty="0"/>
+          </a:p>
+          <a:p>
+            <a:r>
+              <a:rPr lang="en-US" sz="1200" smtClean="0"/>
+              <a:t>Swagger UI </a:t>
+            </a:r>
+            <a:r>
+              <a:rPr lang="en-US" sz="1200" dirty="0" smtClean="0"/>
+              <a:t>- </a:t>
+            </a:r>
+            <a:r>
+              <a:rPr lang="en-US" sz="1200" dirty="0" smtClean="0">
+                <a:hlinkClick r:id="rId3"/>
+              </a:rPr>
+              <a:t>http</a:t>
+            </a:r>
+            <a:r>
+              <a:rPr lang="en-US" sz="1200" dirty="0">
+                <a:hlinkClick r:id="rId3"/>
+              </a:rPr>
+              <a:t>://</a:t>
+            </a:r>
+            <a:r>
+              <a:rPr lang="en-US" sz="1200" smtClean="0">
+                <a:hlinkClick r:id="rId3"/>
+              </a:rPr>
+              <a:t>localhost:8080/swagger-ui.html</a:t>
+            </a:r>
+            <a:r>
+              <a:rPr lang="en-US" sz="1200" smtClean="0"/>
+              <a:t> </a:t>
+            </a:r>
+          </a:p>
+          <a:p>
+            <a:endParaRPr lang="en-US" sz="1200" dirty="0"/>
+          </a:p>
+        </p:txBody>
+      </p:sp>
+    </p:spTree>
+    <p:extLst>
+      <p:ext uri="{BB962C8B-B14F-4D97-AF65-F5344CB8AC3E}">
+        <p14:creationId xmlns:p14="http://schemas.microsoft.com/office/powerpoint/2010/main" val="1127946232"/>
       </p:ext>
     </p:extLst>
   </p:cSld>

--- a/info/SpringBootDocumentation.pptx
+++ b/info/SpringBootDocumentation.pptx
@@ -4,6 +4,9 @@
   <p:sldMasterIdLst>
     <p:sldMasterId id="2147483672" r:id="rId1"/>
   </p:sldMasterIdLst>
+  <p:notesMasterIdLst>
+    <p:notesMasterId r:id="rId22"/>
+  </p:notesMasterIdLst>
   <p:sldIdLst>
     <p:sldId id="260" r:id="rId2"/>
     <p:sldId id="256" r:id="rId3"/>
@@ -17,6 +20,14 @@
     <p:sldId id="265" r:id="rId11"/>
     <p:sldId id="266" r:id="rId12"/>
     <p:sldId id="267" r:id="rId13"/>
+    <p:sldId id="268" r:id="rId14"/>
+    <p:sldId id="273" r:id="rId15"/>
+    <p:sldId id="269" r:id="rId16"/>
+    <p:sldId id="270" r:id="rId17"/>
+    <p:sldId id="271" r:id="rId18"/>
+    <p:sldId id="272" r:id="rId19"/>
+    <p:sldId id="274" r:id="rId20"/>
+    <p:sldId id="275" r:id="rId21"/>
   </p:sldIdLst>
   <p:sldSz cx="9144000" cy="6858000" type="screen4x3"/>
   <p:notesSz cx="6858000" cy="9144000"/>
@@ -118,6 +129,440 @@
 </p:presentation>
 </file>
 
+<file path=ppt/notesMasters/notesMaster1.xml><?xml version="1.0" encoding="utf-8"?>
+<p:notesMaster xmlns:a="http://schemas.openxmlformats.org/drawingml/2006/main" xmlns:r="http://schemas.openxmlformats.org/officeDocument/2006/relationships" xmlns:p="http://schemas.openxmlformats.org/presentationml/2006/main">
+  <p:cSld>
+    <p:bg>
+      <p:bgRef idx="1001">
+        <a:schemeClr val="bg1"/>
+      </p:bgRef>
+    </p:bg>
+    <p:spTree>
+      <p:nvGrpSpPr>
+        <p:cNvPr id="1" name=""/>
+        <p:cNvGrpSpPr/>
+        <p:nvPr/>
+      </p:nvGrpSpPr>
+      <p:grpSpPr>
+        <a:xfrm>
+          <a:off x="0" y="0"/>
+          <a:ext cx="0" cy="0"/>
+          <a:chOff x="0" y="0"/>
+          <a:chExt cx="0" cy="0"/>
+        </a:xfrm>
+      </p:grpSpPr>
+      <p:sp>
+        <p:nvSpPr>
+          <p:cNvPr id="2" name="Header Placeholder 1"/>
+          <p:cNvSpPr>
+            <a:spLocks noGrp="1"/>
+          </p:cNvSpPr>
+          <p:nvPr>
+            <p:ph type="hdr" sz="quarter"/>
+          </p:nvPr>
+        </p:nvSpPr>
+        <p:spPr>
+          <a:xfrm>
+            <a:off x="0" y="0"/>
+            <a:ext cx="2971800" cy="457200"/>
+          </a:xfrm>
+          <a:prstGeom prst="rect">
+            <a:avLst/>
+          </a:prstGeom>
+        </p:spPr>
+        <p:txBody>
+          <a:bodyPr vert="horz" lIns="91440" tIns="45720" rIns="91440" bIns="45720" rtlCol="0"/>
+          <a:lstStyle>
+            <a:lvl1pPr algn="l">
+              <a:defRPr sz="1200"/>
+            </a:lvl1pPr>
+          </a:lstStyle>
+          <a:p>
+            <a:endParaRPr lang="en-US"/>
+          </a:p>
+        </p:txBody>
+      </p:sp>
+      <p:sp>
+        <p:nvSpPr>
+          <p:cNvPr id="3" name="Date Placeholder 2"/>
+          <p:cNvSpPr>
+            <a:spLocks noGrp="1"/>
+          </p:cNvSpPr>
+          <p:nvPr>
+            <p:ph type="dt" idx="1"/>
+          </p:nvPr>
+        </p:nvSpPr>
+        <p:spPr>
+          <a:xfrm>
+            <a:off x="3884613" y="0"/>
+            <a:ext cx="2971800" cy="457200"/>
+          </a:xfrm>
+          <a:prstGeom prst="rect">
+            <a:avLst/>
+          </a:prstGeom>
+        </p:spPr>
+        <p:txBody>
+          <a:bodyPr vert="horz" lIns="91440" tIns="45720" rIns="91440" bIns="45720" rtlCol="0"/>
+          <a:lstStyle>
+            <a:lvl1pPr algn="r">
+              <a:defRPr sz="1200"/>
+            </a:lvl1pPr>
+          </a:lstStyle>
+          <a:p>
+            <a:fld id="{D5960E07-53E6-4E18-896E-9AC7B7153B4D}" type="datetimeFigureOut">
+              <a:rPr lang="en-US" smtClean="0"/>
+              <a:t>9/28/2017</a:t>
+            </a:fld>
+            <a:endParaRPr lang="en-US"/>
+          </a:p>
+        </p:txBody>
+      </p:sp>
+      <p:sp>
+        <p:nvSpPr>
+          <p:cNvPr id="4" name="Slide Image Placeholder 3"/>
+          <p:cNvSpPr>
+            <a:spLocks noGrp="1" noRot="1" noChangeAspect="1"/>
+          </p:cNvSpPr>
+          <p:nvPr>
+            <p:ph type="sldImg" idx="2"/>
+          </p:nvPr>
+        </p:nvSpPr>
+        <p:spPr>
+          <a:xfrm>
+            <a:off x="1143000" y="685800"/>
+            <a:ext cx="4572000" cy="3429000"/>
+          </a:xfrm>
+          <a:prstGeom prst="rect">
+            <a:avLst/>
+          </a:prstGeom>
+          <a:noFill/>
+          <a:ln w="12700">
+            <a:solidFill>
+              <a:prstClr val="black"/>
+            </a:solidFill>
+          </a:ln>
+        </p:spPr>
+        <p:txBody>
+          <a:bodyPr vert="horz" lIns="91440" tIns="45720" rIns="91440" bIns="45720" rtlCol="0" anchor="ctr"/>
+          <a:lstStyle/>
+          <a:p>
+            <a:endParaRPr lang="en-US"/>
+          </a:p>
+        </p:txBody>
+      </p:sp>
+      <p:sp>
+        <p:nvSpPr>
+          <p:cNvPr id="5" name="Notes Placeholder 4"/>
+          <p:cNvSpPr>
+            <a:spLocks noGrp="1"/>
+          </p:cNvSpPr>
+          <p:nvPr>
+            <p:ph type="body" sz="quarter" idx="3"/>
+          </p:nvPr>
+        </p:nvSpPr>
+        <p:spPr>
+          <a:xfrm>
+            <a:off x="685800" y="4343400"/>
+            <a:ext cx="5486400" cy="4114800"/>
+          </a:xfrm>
+          <a:prstGeom prst="rect">
+            <a:avLst/>
+          </a:prstGeom>
+        </p:spPr>
+        <p:txBody>
+          <a:bodyPr vert="horz" lIns="91440" tIns="45720" rIns="91440" bIns="45720" rtlCol="0"/>
+          <a:lstStyle/>
+          <a:p>
+            <a:pPr lvl="0"/>
+            <a:r>
+              <a:rPr lang="en-US" smtClean="0"/>
+              <a:t>Click to edit Master text styles</a:t>
+            </a:r>
+          </a:p>
+          <a:p>
+            <a:pPr lvl="1"/>
+            <a:r>
+              <a:rPr lang="en-US" smtClean="0"/>
+              <a:t>Second level</a:t>
+            </a:r>
+          </a:p>
+          <a:p>
+            <a:pPr lvl="2"/>
+            <a:r>
+              <a:rPr lang="en-US" smtClean="0"/>
+              <a:t>Third level</a:t>
+            </a:r>
+          </a:p>
+          <a:p>
+            <a:pPr lvl="3"/>
+            <a:r>
+              <a:rPr lang="en-US" smtClean="0"/>
+              <a:t>Fourth level</a:t>
+            </a:r>
+          </a:p>
+          <a:p>
+            <a:pPr lvl="4"/>
+            <a:r>
+              <a:rPr lang="en-US" smtClean="0"/>
+              <a:t>Fifth level</a:t>
+            </a:r>
+            <a:endParaRPr lang="en-US"/>
+          </a:p>
+        </p:txBody>
+      </p:sp>
+      <p:sp>
+        <p:nvSpPr>
+          <p:cNvPr id="6" name="Footer Placeholder 5"/>
+          <p:cNvSpPr>
+            <a:spLocks noGrp="1"/>
+          </p:cNvSpPr>
+          <p:nvPr>
+            <p:ph type="ftr" sz="quarter" idx="4"/>
+          </p:nvPr>
+        </p:nvSpPr>
+        <p:spPr>
+          <a:xfrm>
+            <a:off x="0" y="8685213"/>
+            <a:ext cx="2971800" cy="457200"/>
+          </a:xfrm>
+          <a:prstGeom prst="rect">
+            <a:avLst/>
+          </a:prstGeom>
+        </p:spPr>
+        <p:txBody>
+          <a:bodyPr vert="horz" lIns="91440" tIns="45720" rIns="91440" bIns="45720" rtlCol="0" anchor="b"/>
+          <a:lstStyle>
+            <a:lvl1pPr algn="l">
+              <a:defRPr sz="1200"/>
+            </a:lvl1pPr>
+          </a:lstStyle>
+          <a:p>
+            <a:endParaRPr lang="en-US"/>
+          </a:p>
+        </p:txBody>
+      </p:sp>
+      <p:sp>
+        <p:nvSpPr>
+          <p:cNvPr id="7" name="Slide Number Placeholder 6"/>
+          <p:cNvSpPr>
+            <a:spLocks noGrp="1"/>
+          </p:cNvSpPr>
+          <p:nvPr>
+            <p:ph type="sldNum" sz="quarter" idx="5"/>
+          </p:nvPr>
+        </p:nvSpPr>
+        <p:spPr>
+          <a:xfrm>
+            <a:off x="3884613" y="8685213"/>
+            <a:ext cx="2971800" cy="457200"/>
+          </a:xfrm>
+          <a:prstGeom prst="rect">
+            <a:avLst/>
+          </a:prstGeom>
+        </p:spPr>
+        <p:txBody>
+          <a:bodyPr vert="horz" lIns="91440" tIns="45720" rIns="91440" bIns="45720" rtlCol="0" anchor="b"/>
+          <a:lstStyle>
+            <a:lvl1pPr algn="r">
+              <a:defRPr sz="1200"/>
+            </a:lvl1pPr>
+          </a:lstStyle>
+          <a:p>
+            <a:fld id="{84C9285D-33AA-4DD5-8200-824B88AA1A02}" type="slidenum">
+              <a:rPr lang="en-US" smtClean="0"/>
+              <a:t>‹#›</a:t>
+            </a:fld>
+            <a:endParaRPr lang="en-US"/>
+          </a:p>
+        </p:txBody>
+      </p:sp>
+    </p:spTree>
+    <p:extLst>
+      <p:ext uri="{BB962C8B-B14F-4D97-AF65-F5344CB8AC3E}">
+        <p14:creationId xmlns:p14="http://schemas.microsoft.com/office/powerpoint/2010/main" val="2802043057"/>
+      </p:ext>
+    </p:extLst>
+  </p:cSld>
+  <p:clrMap bg1="lt1" tx1="dk1" bg2="lt2" tx2="dk2" accent1="accent1" accent2="accent2" accent3="accent3" accent4="accent4" accent5="accent5" accent6="accent6" hlink="hlink" folHlink="folHlink"/>
+  <p:notesStyle>
+    <a:lvl1pPr marL="0" algn="l" defTabSz="914400" rtl="0" eaLnBrk="1" latinLnBrk="0" hangingPunct="1">
+      <a:defRPr sz="1200" kern="1200">
+        <a:solidFill>
+          <a:schemeClr val="tx1"/>
+        </a:solidFill>
+        <a:latin typeface="+mn-lt"/>
+        <a:ea typeface="+mn-ea"/>
+        <a:cs typeface="+mn-cs"/>
+      </a:defRPr>
+    </a:lvl1pPr>
+    <a:lvl2pPr marL="457200" algn="l" defTabSz="914400" rtl="0" eaLnBrk="1" latinLnBrk="0" hangingPunct="1">
+      <a:defRPr sz="1200" kern="1200">
+        <a:solidFill>
+          <a:schemeClr val="tx1"/>
+        </a:solidFill>
+        <a:latin typeface="+mn-lt"/>
+        <a:ea typeface="+mn-ea"/>
+        <a:cs typeface="+mn-cs"/>
+      </a:defRPr>
+    </a:lvl2pPr>
+    <a:lvl3pPr marL="914400" algn="l" defTabSz="914400" rtl="0" eaLnBrk="1" latinLnBrk="0" hangingPunct="1">
+      <a:defRPr sz="1200" kern="1200">
+        <a:solidFill>
+          <a:schemeClr val="tx1"/>
+        </a:solidFill>
+        <a:latin typeface="+mn-lt"/>
+        <a:ea typeface="+mn-ea"/>
+        <a:cs typeface="+mn-cs"/>
+      </a:defRPr>
+    </a:lvl3pPr>
+    <a:lvl4pPr marL="1371600" algn="l" defTabSz="914400" rtl="0" eaLnBrk="1" latinLnBrk="0" hangingPunct="1">
+      <a:defRPr sz="1200" kern="1200">
+        <a:solidFill>
+          <a:schemeClr val="tx1"/>
+        </a:solidFill>
+        <a:latin typeface="+mn-lt"/>
+        <a:ea typeface="+mn-ea"/>
+        <a:cs typeface="+mn-cs"/>
+      </a:defRPr>
+    </a:lvl4pPr>
+    <a:lvl5pPr marL="1828800" algn="l" defTabSz="914400" rtl="0" eaLnBrk="1" latinLnBrk="0" hangingPunct="1">
+      <a:defRPr sz="1200" kern="1200">
+        <a:solidFill>
+          <a:schemeClr val="tx1"/>
+        </a:solidFill>
+        <a:latin typeface="+mn-lt"/>
+        <a:ea typeface="+mn-ea"/>
+        <a:cs typeface="+mn-cs"/>
+      </a:defRPr>
+    </a:lvl5pPr>
+    <a:lvl6pPr marL="2286000" algn="l" defTabSz="914400" rtl="0" eaLnBrk="1" latinLnBrk="0" hangingPunct="1">
+      <a:defRPr sz="1200" kern="1200">
+        <a:solidFill>
+          <a:schemeClr val="tx1"/>
+        </a:solidFill>
+        <a:latin typeface="+mn-lt"/>
+        <a:ea typeface="+mn-ea"/>
+        <a:cs typeface="+mn-cs"/>
+      </a:defRPr>
+    </a:lvl6pPr>
+    <a:lvl7pPr marL="2743200" algn="l" defTabSz="914400" rtl="0" eaLnBrk="1" latinLnBrk="0" hangingPunct="1">
+      <a:defRPr sz="1200" kern="1200">
+        <a:solidFill>
+          <a:schemeClr val="tx1"/>
+        </a:solidFill>
+        <a:latin typeface="+mn-lt"/>
+        <a:ea typeface="+mn-ea"/>
+        <a:cs typeface="+mn-cs"/>
+      </a:defRPr>
+    </a:lvl7pPr>
+    <a:lvl8pPr marL="3200400" algn="l" defTabSz="914400" rtl="0" eaLnBrk="1" latinLnBrk="0" hangingPunct="1">
+      <a:defRPr sz="1200" kern="1200">
+        <a:solidFill>
+          <a:schemeClr val="tx1"/>
+        </a:solidFill>
+        <a:latin typeface="+mn-lt"/>
+        <a:ea typeface="+mn-ea"/>
+        <a:cs typeface="+mn-cs"/>
+      </a:defRPr>
+    </a:lvl8pPr>
+    <a:lvl9pPr marL="3657600" algn="l" defTabSz="914400" rtl="0" eaLnBrk="1" latinLnBrk="0" hangingPunct="1">
+      <a:defRPr sz="1200" kern="1200">
+        <a:solidFill>
+          <a:schemeClr val="tx1"/>
+        </a:solidFill>
+        <a:latin typeface="+mn-lt"/>
+        <a:ea typeface="+mn-ea"/>
+        <a:cs typeface="+mn-cs"/>
+      </a:defRPr>
+    </a:lvl9pPr>
+  </p:notesStyle>
+</p:notesMaster>
+</file>
+
+<file path=ppt/notesSlides/notesSlide1.xml><?xml version="1.0" encoding="utf-8"?>
+<p:notes xmlns:a="http://schemas.openxmlformats.org/drawingml/2006/main" xmlns:r="http://schemas.openxmlformats.org/officeDocument/2006/relationships" xmlns:p="http://schemas.openxmlformats.org/presentationml/2006/main">
+  <p:cSld>
+    <p:spTree>
+      <p:nvGrpSpPr>
+        <p:cNvPr id="1" name=""/>
+        <p:cNvGrpSpPr/>
+        <p:nvPr/>
+      </p:nvGrpSpPr>
+      <p:grpSpPr>
+        <a:xfrm>
+          <a:off x="0" y="0"/>
+          <a:ext cx="0" cy="0"/>
+          <a:chOff x="0" y="0"/>
+          <a:chExt cx="0" cy="0"/>
+        </a:xfrm>
+      </p:grpSpPr>
+      <p:sp>
+        <p:nvSpPr>
+          <p:cNvPr id="2" name="Slide Image Placeholder 1"/>
+          <p:cNvSpPr>
+            <a:spLocks noGrp="1" noRot="1" noChangeAspect="1"/>
+          </p:cNvSpPr>
+          <p:nvPr>
+            <p:ph type="sldImg"/>
+          </p:nvPr>
+        </p:nvSpPr>
+        <p:spPr/>
+      </p:sp>
+      <p:sp>
+        <p:nvSpPr>
+          <p:cNvPr id="3" name="Notes Placeholder 2"/>
+          <p:cNvSpPr>
+            <a:spLocks noGrp="1"/>
+          </p:cNvSpPr>
+          <p:nvPr>
+            <p:ph type="body" idx="1"/>
+          </p:nvPr>
+        </p:nvSpPr>
+        <p:spPr/>
+        <p:txBody>
+          <a:bodyPr/>
+          <a:lstStyle/>
+          <a:p>
+            <a:endParaRPr lang="en-US" dirty="0"/>
+          </a:p>
+        </p:txBody>
+      </p:sp>
+      <p:sp>
+        <p:nvSpPr>
+          <p:cNvPr id="4" name="Slide Number Placeholder 3"/>
+          <p:cNvSpPr>
+            <a:spLocks noGrp="1"/>
+          </p:cNvSpPr>
+          <p:nvPr>
+            <p:ph type="sldNum" sz="quarter" idx="10"/>
+          </p:nvPr>
+        </p:nvSpPr>
+        <p:spPr/>
+        <p:txBody>
+          <a:bodyPr/>
+          <a:lstStyle/>
+          <a:p>
+            <a:fld id="{84C9285D-33AA-4DD5-8200-824B88AA1A02}" type="slidenum">
+              <a:rPr lang="en-US" smtClean="0"/>
+              <a:t>12</a:t>
+            </a:fld>
+            <a:endParaRPr lang="en-US"/>
+          </a:p>
+        </p:txBody>
+      </p:sp>
+    </p:spTree>
+    <p:extLst>
+      <p:ext uri="{BB962C8B-B14F-4D97-AF65-F5344CB8AC3E}">
+        <p14:creationId xmlns:p14="http://schemas.microsoft.com/office/powerpoint/2010/main" val="3081722075"/>
+      </p:ext>
+    </p:extLst>
+  </p:cSld>
+  <p:clrMapOvr>
+    <a:masterClrMapping/>
+  </p:clrMapOvr>
+</p:notes>
+</file>
+
 <file path=ppt/slideLayouts/slideLayout1.xml><?xml version="1.0" encoding="utf-8"?>
 <p:sldLayout xmlns:a="http://schemas.openxmlformats.org/drawingml/2006/main" xmlns:r="http://schemas.openxmlformats.org/officeDocument/2006/relationships" xmlns:p="http://schemas.openxmlformats.org/presentationml/2006/main" type="title" preserve="1">
   <p:cSld name="Title Slide">
@@ -299,7 +744,7 @@
           <a:p>
             <a:fld id="{8BC95D7C-F206-4196-95B1-2023B832261D}" type="datetimeFigureOut">
               <a:rPr lang="en-US" smtClean="0"/>
-              <a:t>9/27/2017</a:t>
+              <a:t>9/28/2017</a:t>
             </a:fld>
             <a:endParaRPr lang="en-US"/>
           </a:p>
@@ -469,7 +914,7 @@
           <a:p>
             <a:fld id="{8BC95D7C-F206-4196-95B1-2023B832261D}" type="datetimeFigureOut">
               <a:rPr lang="en-US" smtClean="0"/>
-              <a:t>9/27/2017</a:t>
+              <a:t>9/28/2017</a:t>
             </a:fld>
             <a:endParaRPr lang="en-US"/>
           </a:p>
@@ -649,7 +1094,7 @@
           <a:p>
             <a:fld id="{8BC95D7C-F206-4196-95B1-2023B832261D}" type="datetimeFigureOut">
               <a:rPr lang="en-US" smtClean="0"/>
-              <a:t>9/27/2017</a:t>
+              <a:t>9/28/2017</a:t>
             </a:fld>
             <a:endParaRPr lang="en-US"/>
           </a:p>
@@ -819,7 +1264,7 @@
           <a:p>
             <a:fld id="{8BC95D7C-F206-4196-95B1-2023B832261D}" type="datetimeFigureOut">
               <a:rPr lang="en-US" smtClean="0"/>
-              <a:t>9/27/2017</a:t>
+              <a:t>9/28/2017</a:t>
             </a:fld>
             <a:endParaRPr lang="en-US"/>
           </a:p>
@@ -1065,7 +1510,7 @@
           <a:p>
             <a:fld id="{8BC95D7C-F206-4196-95B1-2023B832261D}" type="datetimeFigureOut">
               <a:rPr lang="en-US" smtClean="0"/>
-              <a:t>9/27/2017</a:t>
+              <a:t>9/28/2017</a:t>
             </a:fld>
             <a:endParaRPr lang="en-US"/>
           </a:p>
@@ -1353,7 +1798,7 @@
           <a:p>
             <a:fld id="{8BC95D7C-F206-4196-95B1-2023B832261D}" type="datetimeFigureOut">
               <a:rPr lang="en-US" smtClean="0"/>
-              <a:t>9/27/2017</a:t>
+              <a:t>9/28/2017</a:t>
             </a:fld>
             <a:endParaRPr lang="en-US"/>
           </a:p>
@@ -1775,7 +2220,7 @@
           <a:p>
             <a:fld id="{8BC95D7C-F206-4196-95B1-2023B832261D}" type="datetimeFigureOut">
               <a:rPr lang="en-US" smtClean="0"/>
-              <a:t>9/27/2017</a:t>
+              <a:t>9/28/2017</a:t>
             </a:fld>
             <a:endParaRPr lang="en-US"/>
           </a:p>
@@ -1893,7 +2338,7 @@
           <a:p>
             <a:fld id="{8BC95D7C-F206-4196-95B1-2023B832261D}" type="datetimeFigureOut">
               <a:rPr lang="en-US" smtClean="0"/>
-              <a:t>9/27/2017</a:t>
+              <a:t>9/28/2017</a:t>
             </a:fld>
             <a:endParaRPr lang="en-US"/>
           </a:p>
@@ -1988,7 +2433,7 @@
           <a:p>
             <a:fld id="{8BC95D7C-F206-4196-95B1-2023B832261D}" type="datetimeFigureOut">
               <a:rPr lang="en-US" smtClean="0"/>
-              <a:t>9/27/2017</a:t>
+              <a:t>9/28/2017</a:t>
             </a:fld>
             <a:endParaRPr lang="en-US"/>
           </a:p>
@@ -2265,7 +2710,7 @@
           <a:p>
             <a:fld id="{8BC95D7C-F206-4196-95B1-2023B832261D}" type="datetimeFigureOut">
               <a:rPr lang="en-US" smtClean="0"/>
-              <a:t>9/27/2017</a:t>
+              <a:t>9/28/2017</a:t>
             </a:fld>
             <a:endParaRPr lang="en-US"/>
           </a:p>
@@ -2518,7 +2963,7 @@
           <a:p>
             <a:fld id="{8BC95D7C-F206-4196-95B1-2023B832261D}" type="datetimeFigureOut">
               <a:rPr lang="en-US" smtClean="0"/>
-              <a:t>9/27/2017</a:t>
+              <a:t>9/28/2017</a:t>
             </a:fld>
             <a:endParaRPr lang="en-US"/>
           </a:p>
@@ -2731,7 +3176,7 @@
           <a:p>
             <a:fld id="{8BC95D7C-F206-4196-95B1-2023B832261D}" type="datetimeFigureOut">
               <a:rPr lang="en-US" smtClean="0"/>
-              <a:t>9/27/2017</a:t>
+              <a:t>9/28/2017</a:t>
             </a:fld>
             <a:endParaRPr lang="en-US"/>
           </a:p>
@@ -3844,7 +4289,7 @@
         <p:spPr>
           <a:xfrm>
             <a:off x="838200" y="914400"/>
-            <a:ext cx="6090513" cy="923330"/>
+            <a:ext cx="5418535" cy="4247317"/>
           </a:xfrm>
           <a:prstGeom prst="rect">
             <a:avLst/>
@@ -3865,45 +4310,13 @@
               <a:rPr lang="en-US" dirty="0" err="1" smtClean="0"/>
               <a:t>Api</a:t>
             </a:r>
-            <a:r>
-              <a:rPr lang="en-US" dirty="0" smtClean="0"/>
-              <a:t> - </a:t>
-            </a:r>
-            <a:r>
-              <a:rPr lang="en-US" sz="1200" dirty="0" smtClean="0">
-                <a:hlinkClick r:id="rId2"/>
-              </a:rPr>
-              <a:t>http</a:t>
-            </a:r>
-            <a:r>
-              <a:rPr lang="en-US" sz="1200" dirty="0">
-                <a:hlinkClick r:id="rId2"/>
-              </a:rPr>
-              <a:t>://</a:t>
-            </a:r>
-            <a:r>
-              <a:rPr lang="en-US" sz="1200" dirty="0" smtClean="0">
-                <a:hlinkClick r:id="rId2"/>
-              </a:rPr>
-              <a:t>www.baeldung.com/swagger-2-documentation-for-spring-rest-api</a:t>
-            </a:r>
-            <a:r>
-              <a:rPr lang="en-US" sz="1200" dirty="0" smtClean="0"/>
-              <a:t> </a:t>
-            </a:r>
-          </a:p>
-          <a:p>
-            <a:endParaRPr lang="en-US" sz="1200" dirty="0"/>
-          </a:p>
-          <a:p>
-            <a:r>
-              <a:rPr lang="en-US" sz="1200" smtClean="0"/>
-              <a:t>Swagger UI </a:t>
-            </a:r>
-            <a:r>
-              <a:rPr lang="en-US" sz="1200" dirty="0" smtClean="0"/>
-              <a:t>- </a:t>
-            </a:r>
+            <a:endParaRPr lang="en-US" dirty="0" smtClean="0"/>
+          </a:p>
+          <a:p>
+            <a:pPr marL="171450" indent="-171450">
+              <a:buFontTx/>
+              <a:buChar char="-"/>
+            </a:pPr>
             <a:r>
               <a:rPr lang="en-US" sz="1200" dirty="0" smtClean="0">
                 <a:hlinkClick r:id="rId3"/>
@@ -3917,18 +4330,649 @@
               <a:t>://</a:t>
             </a:r>
             <a:r>
-              <a:rPr lang="en-US" sz="1200" smtClean="0">
+              <a:rPr lang="en-US" sz="1200" dirty="0" smtClean="0">
                 <a:hlinkClick r:id="rId3"/>
               </a:rPr>
+              <a:t>www.baeldung.com/swagger-2-documentation-for-spring-rest-api</a:t>
+            </a:r>
+            <a:endParaRPr lang="en-US" sz="1200" dirty="0" smtClean="0"/>
+          </a:p>
+          <a:p>
+            <a:pPr marL="171450" indent="-171450">
+              <a:buFontTx/>
+              <a:buChar char="-"/>
+            </a:pPr>
+            <a:r>
+              <a:rPr lang="en-US" sz="1200" dirty="0">
+                <a:hlinkClick r:id="rId4"/>
+              </a:rPr>
+              <a:t>https://</a:t>
+            </a:r>
+            <a:r>
+              <a:rPr lang="en-US" sz="1200" dirty="0" smtClean="0">
+                <a:hlinkClick r:id="rId4"/>
+              </a:rPr>
+              <a:t>dzone.com/articles/spring-boot-restful-api-documentation-with-swagger</a:t>
+            </a:r>
+            <a:r>
+              <a:rPr lang="en-US" sz="1200" dirty="0" smtClean="0"/>
+              <a:t> </a:t>
+            </a:r>
+            <a:endParaRPr lang="en-US" sz="1200" dirty="0" smtClean="0"/>
+          </a:p>
+          <a:p>
+            <a:r>
+              <a:rPr lang="en-US" sz="1200" dirty="0" smtClean="0"/>
+              <a:t> </a:t>
+            </a:r>
+          </a:p>
+          <a:p>
+            <a:endParaRPr lang="en-US" sz="1200" dirty="0"/>
+          </a:p>
+          <a:p>
+            <a:r>
+              <a:rPr lang="en-US" sz="1200" dirty="0" smtClean="0"/>
+              <a:t>Swagger UI - </a:t>
+            </a:r>
+            <a:r>
+              <a:rPr lang="en-US" sz="1200" dirty="0" smtClean="0">
+                <a:hlinkClick r:id="rId5"/>
+              </a:rPr>
+              <a:t>http</a:t>
+            </a:r>
+            <a:r>
+              <a:rPr lang="en-US" sz="1200" dirty="0">
+                <a:hlinkClick r:id="rId5"/>
+              </a:rPr>
+              <a:t>://</a:t>
+            </a:r>
+            <a:r>
+              <a:rPr lang="en-US" sz="1200" dirty="0" smtClean="0">
+                <a:hlinkClick r:id="rId5"/>
+              </a:rPr>
               <a:t>localhost:8080/swagger-ui.html</a:t>
             </a:r>
             <a:r>
-              <a:rPr lang="en-US" sz="1200" smtClean="0"/>
+              <a:rPr lang="en-US" sz="1200" dirty="0" smtClean="0"/>
               <a:t> </a:t>
             </a:r>
+            <a:endParaRPr lang="en-US" sz="1200" dirty="0" smtClean="0"/>
+          </a:p>
+          <a:p>
+            <a:r>
+              <a:rPr lang="en-US" sz="1000" dirty="0">
+                <a:solidFill>
+                  <a:srgbClr val="3F7F5F"/>
+                </a:solidFill>
+                <a:latin typeface="Courier New"/>
+              </a:rPr>
+              <a:t>//</a:t>
+            </a:r>
+            <a:r>
+              <a:rPr lang="en-US" sz="1000" u="sng" dirty="0" err="1">
+                <a:solidFill>
+                  <a:srgbClr val="3F7F5F"/>
+                </a:solidFill>
+                <a:latin typeface="Courier New"/>
+              </a:rPr>
+              <a:t>Configuraiton</a:t>
+            </a:r>
+            <a:endParaRPr lang="en-US" sz="1000" u="sng" dirty="0">
+              <a:solidFill>
+                <a:srgbClr val="3F7F5F"/>
+              </a:solidFill>
+              <a:latin typeface="Courier New"/>
+            </a:endParaRPr>
+          </a:p>
+          <a:p>
+            <a:r>
+              <a:rPr lang="en-US" sz="1000" dirty="0">
+                <a:solidFill>
+                  <a:srgbClr val="646464"/>
+                </a:solidFill>
+                <a:latin typeface="Courier New"/>
+              </a:rPr>
+              <a:t>@Configuration</a:t>
+            </a:r>
+          </a:p>
+          <a:p>
+            <a:r>
+              <a:rPr lang="en-US" sz="1000" dirty="0">
+                <a:solidFill>
+                  <a:srgbClr val="3F7F5F"/>
+                </a:solidFill>
+                <a:latin typeface="Courier New"/>
+              </a:rPr>
+              <a:t>//Enable Swagger</a:t>
+            </a:r>
+          </a:p>
+          <a:p>
+            <a:r>
+              <a:rPr lang="en-US" sz="1000" dirty="0">
+                <a:solidFill>
+                  <a:srgbClr val="646464"/>
+                </a:solidFill>
+                <a:latin typeface="Courier New"/>
+              </a:rPr>
+              <a:t>@EnableSwagger2</a:t>
+            </a:r>
+          </a:p>
+          <a:p>
+            <a:r>
+              <a:rPr lang="en-US" sz="1000" b="1" dirty="0">
+                <a:solidFill>
+                  <a:srgbClr val="7F0055"/>
+                </a:solidFill>
+                <a:latin typeface="Courier New"/>
+              </a:rPr>
+              <a:t>public</a:t>
+            </a:r>
+            <a:r>
+              <a:rPr lang="en-US" sz="1000" b="1" dirty="0">
+                <a:solidFill>
+                  <a:srgbClr val="000000"/>
+                </a:solidFill>
+                <a:latin typeface="Courier New"/>
+              </a:rPr>
+              <a:t> </a:t>
+            </a:r>
+            <a:r>
+              <a:rPr lang="en-US" sz="1000" b="1" dirty="0">
+                <a:solidFill>
+                  <a:srgbClr val="7F0055"/>
+                </a:solidFill>
+                <a:latin typeface="Courier New"/>
+              </a:rPr>
+              <a:t>class</a:t>
+            </a:r>
+            <a:r>
+              <a:rPr lang="en-US" sz="1000" b="1" dirty="0">
+                <a:solidFill>
+                  <a:srgbClr val="000000"/>
+                </a:solidFill>
+                <a:latin typeface="Courier New"/>
+              </a:rPr>
+              <a:t> </a:t>
+            </a:r>
+            <a:r>
+              <a:rPr lang="en-US" sz="1000" dirty="0" err="1">
+                <a:solidFill>
+                  <a:srgbClr val="000000"/>
+                </a:solidFill>
+                <a:latin typeface="Courier New"/>
+              </a:rPr>
+              <a:t>SwaggerConfiguration</a:t>
+            </a:r>
+            <a:r>
+              <a:rPr lang="en-US" sz="1000" b="1" dirty="0">
+                <a:solidFill>
+                  <a:srgbClr val="000000"/>
+                </a:solidFill>
+                <a:latin typeface="Courier New"/>
+              </a:rPr>
+              <a:t> </a:t>
+            </a:r>
+            <a:r>
+              <a:rPr lang="en-US" sz="1000" dirty="0">
+                <a:solidFill>
+                  <a:srgbClr val="000000"/>
+                </a:solidFill>
+                <a:latin typeface="Courier New"/>
+              </a:rPr>
+              <a:t>{</a:t>
+            </a:r>
+          </a:p>
+          <a:p>
+            <a:endParaRPr lang="en-US" sz="1000" dirty="0">
+              <a:latin typeface="Courier New"/>
+            </a:endParaRPr>
+          </a:p>
+          <a:p>
+            <a:r>
+              <a:rPr lang="en-US" sz="1000" dirty="0">
+                <a:solidFill>
+                  <a:srgbClr val="3F7F5F"/>
+                </a:solidFill>
+                <a:latin typeface="Courier New"/>
+              </a:rPr>
+              <a:t>// Bean - </a:t>
+            </a:r>
+            <a:r>
+              <a:rPr lang="en-US" sz="1000" u="sng" dirty="0">
+                <a:solidFill>
+                  <a:srgbClr val="3F7F5F"/>
+                </a:solidFill>
+                <a:latin typeface="Courier New"/>
+              </a:rPr>
+              <a:t>Docket</a:t>
+            </a:r>
+          </a:p>
+          <a:p>
+            <a:r>
+              <a:rPr lang="en-US" sz="1000" dirty="0">
+                <a:solidFill>
+                  <a:srgbClr val="3F7F5F"/>
+                </a:solidFill>
+                <a:latin typeface="Courier New"/>
+              </a:rPr>
+              <a:t>// All the paths</a:t>
+            </a:r>
+          </a:p>
+          <a:p>
+            <a:endParaRPr lang="en-US" sz="1000" dirty="0">
+              <a:latin typeface="Courier New"/>
+            </a:endParaRPr>
+          </a:p>
+          <a:p>
+            <a:r>
+              <a:rPr lang="en-US" sz="1000" dirty="0">
+                <a:solidFill>
+                  <a:srgbClr val="646464"/>
+                </a:solidFill>
+                <a:latin typeface="Courier New"/>
+              </a:rPr>
+              <a:t>@Bean</a:t>
+            </a:r>
+          </a:p>
+          <a:p>
+            <a:r>
+              <a:rPr lang="en-US" sz="1000" b="1" dirty="0">
+                <a:solidFill>
+                  <a:srgbClr val="7F0055"/>
+                </a:solidFill>
+                <a:latin typeface="Courier New"/>
+              </a:rPr>
+              <a:t>public</a:t>
+            </a:r>
+            <a:r>
+              <a:rPr lang="en-US" sz="1000" b="1" dirty="0">
+                <a:solidFill>
+                  <a:srgbClr val="000000"/>
+                </a:solidFill>
+                <a:latin typeface="Courier New"/>
+              </a:rPr>
+              <a:t> </a:t>
+            </a:r>
+            <a:r>
+              <a:rPr lang="en-US" sz="1000" dirty="0">
+                <a:solidFill>
+                  <a:srgbClr val="000000"/>
+                </a:solidFill>
+                <a:highlight>
+                  <a:srgbClr val="D4D4D4"/>
+                </a:highlight>
+                <a:latin typeface="Courier New"/>
+              </a:rPr>
+              <a:t>Docket</a:t>
+            </a:r>
+            <a:r>
+              <a:rPr lang="en-US" sz="1000" b="1" dirty="0">
+                <a:solidFill>
+                  <a:srgbClr val="000000"/>
+                </a:solidFill>
+                <a:highlight>
+                  <a:srgbClr val="D4D4D4"/>
+                </a:highlight>
+                <a:latin typeface="Courier New"/>
+              </a:rPr>
+              <a:t> </a:t>
+            </a:r>
+            <a:r>
+              <a:rPr lang="en-US" sz="1000" dirty="0" err="1">
+                <a:solidFill>
+                  <a:srgbClr val="000000"/>
+                </a:solidFill>
+                <a:highlight>
+                  <a:srgbClr val="D4D4D4"/>
+                </a:highlight>
+                <a:latin typeface="Courier New"/>
+              </a:rPr>
+              <a:t>api</a:t>
+            </a:r>
+            <a:r>
+              <a:rPr lang="en-US" sz="1000" dirty="0">
+                <a:solidFill>
+                  <a:srgbClr val="000000"/>
+                </a:solidFill>
+                <a:highlight>
+                  <a:srgbClr val="D4D4D4"/>
+                </a:highlight>
+                <a:latin typeface="Courier New"/>
+              </a:rPr>
+              <a:t>() {</a:t>
+            </a:r>
+          </a:p>
+          <a:p>
+            <a:r>
+              <a:rPr lang="en-US" sz="1000" b="1" dirty="0">
+                <a:solidFill>
+                  <a:srgbClr val="7F0055"/>
+                </a:solidFill>
+                <a:highlight>
+                  <a:srgbClr val="D4D4D4"/>
+                </a:highlight>
+                <a:latin typeface="Courier New"/>
+              </a:rPr>
+              <a:t>return</a:t>
+            </a:r>
+            <a:r>
+              <a:rPr lang="en-US" sz="1000" b="1" dirty="0">
+                <a:solidFill>
+                  <a:srgbClr val="000000"/>
+                </a:solidFill>
+                <a:highlight>
+                  <a:srgbClr val="D4D4D4"/>
+                </a:highlight>
+                <a:latin typeface="Courier New"/>
+              </a:rPr>
+              <a:t> </a:t>
+            </a:r>
+            <a:r>
+              <a:rPr lang="en-US" sz="1000" b="1" dirty="0">
+                <a:solidFill>
+                  <a:srgbClr val="7F0055"/>
+                </a:solidFill>
+                <a:highlight>
+                  <a:srgbClr val="D4D4D4"/>
+                </a:highlight>
+                <a:latin typeface="Courier New"/>
+              </a:rPr>
+              <a:t>new</a:t>
+            </a:r>
+            <a:r>
+              <a:rPr lang="en-US" sz="1000" b="1" dirty="0">
+                <a:solidFill>
+                  <a:srgbClr val="000000"/>
+                </a:solidFill>
+                <a:highlight>
+                  <a:srgbClr val="D4D4D4"/>
+                </a:highlight>
+                <a:latin typeface="Courier New"/>
+              </a:rPr>
+              <a:t> </a:t>
+            </a:r>
+            <a:r>
+              <a:rPr lang="en-US" sz="1000" dirty="0">
+                <a:solidFill>
+                  <a:srgbClr val="000000"/>
+                </a:solidFill>
+                <a:highlight>
+                  <a:srgbClr val="D4D4D4"/>
+                </a:highlight>
+                <a:latin typeface="Courier New"/>
+              </a:rPr>
+              <a:t>Docket(DocumentationType.</a:t>
+            </a:r>
+            <a:r>
+              <a:rPr lang="en-US" sz="1000" i="1" dirty="0">
+                <a:solidFill>
+                  <a:srgbClr val="0000C0"/>
+                </a:solidFill>
+                <a:highlight>
+                  <a:srgbClr val="D4D4D4"/>
+                </a:highlight>
+                <a:latin typeface="Courier New"/>
+              </a:rPr>
+              <a:t>SWAGGER_2</a:t>
+            </a:r>
+            <a:r>
+              <a:rPr lang="en-US" sz="1000" b="1" i="1" dirty="0">
+                <a:solidFill>
+                  <a:srgbClr val="000000"/>
+                </a:solidFill>
+                <a:highlight>
+                  <a:srgbClr val="D4D4D4"/>
+                </a:highlight>
+                <a:latin typeface="Courier New"/>
+              </a:rPr>
+              <a:t>);</a:t>
+            </a:r>
+          </a:p>
+          <a:p>
+            <a:endParaRPr lang="en-US" sz="1000" dirty="0">
+              <a:latin typeface="Courier New"/>
+            </a:endParaRPr>
+          </a:p>
+          <a:p>
+            <a:r>
+              <a:rPr lang="en-US" sz="1000" dirty="0">
+                <a:solidFill>
+                  <a:srgbClr val="000000"/>
+                </a:solidFill>
+                <a:latin typeface="Courier New"/>
+              </a:rPr>
+              <a:t>}</a:t>
+            </a:r>
+          </a:p>
+          <a:p>
+            <a:r>
+              <a:rPr lang="en-US" sz="1000" dirty="0" smtClean="0">
+                <a:solidFill>
+                  <a:srgbClr val="000000"/>
+                </a:solidFill>
+                <a:latin typeface="Courier New"/>
+              </a:rPr>
+              <a:t>}</a:t>
+            </a:r>
+          </a:p>
+          <a:p>
+            <a:endParaRPr lang="en-US" sz="1000" dirty="0">
+              <a:solidFill>
+                <a:srgbClr val="000000"/>
+              </a:solidFill>
+              <a:latin typeface="Courier New"/>
+            </a:endParaRPr>
+          </a:p>
+          <a:p>
+            <a:pPr marL="171450" indent="-171450">
+              <a:buFontTx/>
+              <a:buChar char="-"/>
+            </a:pPr>
+            <a:r>
+              <a:rPr lang="en-US" sz="1000" dirty="0" smtClean="0">
+                <a:solidFill>
+                  <a:srgbClr val="000000"/>
+                </a:solidFill>
+                <a:latin typeface="Courier New"/>
+              </a:rPr>
+              <a:t>Description for properties can be achieved using </a:t>
+            </a:r>
+            <a:r>
+              <a:rPr lang="en-US" sz="1000" b="1" dirty="0" smtClean="0">
+                <a:solidFill>
+                  <a:srgbClr val="000000"/>
+                </a:solidFill>
+                <a:latin typeface="Courier New"/>
+              </a:rPr>
+              <a:t>@</a:t>
+            </a:r>
+            <a:r>
+              <a:rPr lang="en-US" sz="1000" b="1" dirty="0" err="1" smtClean="0">
+                <a:solidFill>
+                  <a:srgbClr val="000000"/>
+                </a:solidFill>
+                <a:latin typeface="Courier New"/>
+              </a:rPr>
+              <a:t>ApiModelProperty</a:t>
+            </a:r>
+            <a:endParaRPr lang="en-US" sz="1000" b="1" dirty="0" smtClean="0"/>
           </a:p>
           <a:p>
             <a:endParaRPr lang="en-US" sz="1200" dirty="0"/>
+          </a:p>
+        </p:txBody>
+      </p:sp>
+      <p:sp>
+        <p:nvSpPr>
+          <p:cNvPr id="3" name="TextBox 2"/>
+          <p:cNvSpPr txBox="1"/>
+          <p:nvPr/>
+        </p:nvSpPr>
+        <p:spPr>
+          <a:xfrm>
+            <a:off x="6617855" y="683567"/>
+            <a:ext cx="2336986" cy="1200329"/>
+          </a:xfrm>
+          <a:prstGeom prst="rect">
+            <a:avLst/>
+          </a:prstGeom>
+          <a:noFill/>
+        </p:spPr>
+        <p:txBody>
+          <a:bodyPr wrap="none" rtlCol="0">
+            <a:spAutoFit/>
+          </a:bodyPr>
+          <a:lstStyle/>
+          <a:p>
+            <a:r>
+              <a:rPr lang="en-US" sz="1200" dirty="0" smtClean="0"/>
+              <a:t>@</a:t>
+            </a:r>
+            <a:r>
+              <a:rPr lang="en-US" sz="1200" dirty="0" err="1" smtClean="0"/>
+              <a:t>ResponseEntinty</a:t>
+            </a:r>
+            <a:endParaRPr lang="en-US" sz="1200" dirty="0" smtClean="0"/>
+          </a:p>
+          <a:p>
+            <a:pPr marL="171450" indent="-171450">
+              <a:buFontTx/>
+              <a:buChar char="-"/>
+            </a:pPr>
+            <a:r>
+              <a:rPr lang="en-US" sz="1200" dirty="0" smtClean="0"/>
+              <a:t>Can set HTTP status</a:t>
+            </a:r>
+          </a:p>
+          <a:p>
+            <a:endParaRPr lang="en-US" sz="1200" dirty="0" smtClean="0"/>
+          </a:p>
+          <a:p>
+            <a:r>
+              <a:rPr lang="en-US" sz="1200" dirty="0" smtClean="0"/>
+              <a:t>@</a:t>
+            </a:r>
+            <a:r>
+              <a:rPr lang="en-US" sz="1200" dirty="0" err="1" smtClean="0"/>
+              <a:t>ModelAttribute</a:t>
+            </a:r>
+            <a:endParaRPr lang="en-US" sz="1200" dirty="0" smtClean="0"/>
+          </a:p>
+          <a:p>
+            <a:r>
+              <a:rPr lang="en-US" sz="1200" dirty="0" smtClean="0"/>
+              <a:t>- Can be used for Form submission</a:t>
+            </a:r>
+          </a:p>
+          <a:p>
+            <a:r>
+              <a:rPr lang="en-US" sz="1200" dirty="0" smtClean="0"/>
+              <a:t>- Provided by Spring MVC</a:t>
+            </a:r>
+            <a:endParaRPr lang="en-US" sz="1200" dirty="0"/>
+          </a:p>
+        </p:txBody>
+      </p:sp>
+      <p:sp>
+        <p:nvSpPr>
+          <p:cNvPr id="4" name="TextBox 3"/>
+          <p:cNvSpPr txBox="1"/>
+          <p:nvPr/>
+        </p:nvSpPr>
+        <p:spPr>
+          <a:xfrm>
+            <a:off x="6720574" y="4495800"/>
+            <a:ext cx="1557671" cy="1015663"/>
+          </a:xfrm>
+          <a:prstGeom prst="rect">
+            <a:avLst/>
+          </a:prstGeom>
+          <a:noFill/>
+        </p:spPr>
+        <p:txBody>
+          <a:bodyPr wrap="none" rtlCol="0">
+            <a:spAutoFit/>
+          </a:bodyPr>
+          <a:lstStyle/>
+          <a:p>
+            <a:r>
+              <a:rPr lang="en-US" sz="1200" dirty="0" smtClean="0">
+                <a:solidFill>
+                  <a:srgbClr val="FF0000"/>
+                </a:solidFill>
+              </a:rPr>
+              <a:t>Security for swagger ?</a:t>
+            </a:r>
+          </a:p>
+          <a:p>
+            <a:endParaRPr lang="en-US" sz="1200" dirty="0">
+              <a:solidFill>
+                <a:srgbClr val="FF0000"/>
+              </a:solidFill>
+            </a:endParaRPr>
+          </a:p>
+          <a:p>
+            <a:r>
+              <a:rPr lang="en-US" sz="1200" dirty="0" err="1" smtClean="0">
+                <a:solidFill>
+                  <a:schemeClr val="bg2">
+                    <a:lumMod val="10000"/>
+                  </a:schemeClr>
+                </a:solidFill>
+              </a:rPr>
+              <a:t>Securityscheme</a:t>
+            </a:r>
+            <a:r>
+              <a:rPr lang="en-US" sz="1200" dirty="0" smtClean="0">
+                <a:solidFill>
+                  <a:schemeClr val="bg2">
+                    <a:lumMod val="10000"/>
+                  </a:schemeClr>
+                </a:solidFill>
+              </a:rPr>
+              <a:t> , </a:t>
+            </a:r>
+          </a:p>
+          <a:p>
+            <a:r>
+              <a:rPr lang="en-US" sz="1200" dirty="0" err="1" smtClean="0">
+                <a:solidFill>
+                  <a:schemeClr val="bg2">
+                    <a:lumMod val="10000"/>
+                  </a:schemeClr>
+                </a:solidFill>
+              </a:rPr>
+              <a:t>securityContext</a:t>
+            </a:r>
+            <a:r>
+              <a:rPr lang="en-US" sz="1200" dirty="0" smtClean="0">
+                <a:solidFill>
+                  <a:schemeClr val="bg2">
+                    <a:lumMod val="10000"/>
+                  </a:schemeClr>
+                </a:solidFill>
+              </a:rPr>
+              <a:t>,</a:t>
+            </a:r>
+          </a:p>
+          <a:p>
+            <a:r>
+              <a:rPr lang="en-US" sz="1200" dirty="0" err="1" smtClean="0">
+                <a:solidFill>
+                  <a:schemeClr val="bg2">
+                    <a:lumMod val="10000"/>
+                  </a:schemeClr>
+                </a:solidFill>
+              </a:rPr>
+              <a:t>defaultAuth</a:t>
+            </a:r>
+            <a:endParaRPr lang="en-US" sz="1200" dirty="0">
+              <a:solidFill>
+                <a:schemeClr val="bg2">
+                  <a:lumMod val="10000"/>
+                </a:schemeClr>
+              </a:solidFill>
+            </a:endParaRPr>
           </a:p>
         </p:txBody>
       </p:sp>
@@ -3936,6 +4980,1612 @@
     <p:extLst>
       <p:ext uri="{BB962C8B-B14F-4D97-AF65-F5344CB8AC3E}">
         <p14:creationId xmlns:p14="http://schemas.microsoft.com/office/powerpoint/2010/main" val="1127946232"/>
+      </p:ext>
+    </p:extLst>
+  </p:cSld>
+  <p:clrMapOvr>
+    <a:masterClrMapping/>
+  </p:clrMapOvr>
+</p:sld>
+</file>
+
+<file path=ppt/slides/slide13.xml><?xml version="1.0" encoding="utf-8"?>
+<p:sld xmlns:a="http://schemas.openxmlformats.org/drawingml/2006/main" xmlns:r="http://schemas.openxmlformats.org/officeDocument/2006/relationships" xmlns:p="http://schemas.openxmlformats.org/presentationml/2006/main">
+  <p:cSld>
+    <p:spTree>
+      <p:nvGrpSpPr>
+        <p:cNvPr id="1" name=""/>
+        <p:cNvGrpSpPr/>
+        <p:nvPr/>
+      </p:nvGrpSpPr>
+      <p:grpSpPr>
+        <a:xfrm>
+          <a:off x="0" y="0"/>
+          <a:ext cx="0" cy="0"/>
+          <a:chOff x="0" y="0"/>
+          <a:chExt cx="0" cy="0"/>
+        </a:xfrm>
+      </p:grpSpPr>
+      <p:sp>
+        <p:nvSpPr>
+          <p:cNvPr id="19" name="Rectangle 18"/>
+          <p:cNvSpPr/>
+          <p:nvPr/>
+        </p:nvSpPr>
+        <p:spPr>
+          <a:xfrm>
+            <a:off x="5638800" y="4229100"/>
+            <a:ext cx="2133600" cy="1257300"/>
+          </a:xfrm>
+          <a:prstGeom prst="rect">
+            <a:avLst/>
+          </a:prstGeom>
+        </p:spPr>
+        <p:style>
+          <a:lnRef idx="2">
+            <a:schemeClr val="accent1">
+              <a:shade val="50000"/>
+            </a:schemeClr>
+          </a:lnRef>
+          <a:fillRef idx="1">
+            <a:schemeClr val="accent1"/>
+          </a:fillRef>
+          <a:effectRef idx="0">
+            <a:schemeClr val="accent1"/>
+          </a:effectRef>
+          <a:fontRef idx="minor">
+            <a:schemeClr val="lt1"/>
+          </a:fontRef>
+        </p:style>
+        <p:txBody>
+          <a:bodyPr rtlCol="0" anchor="ctr"/>
+          <a:lstStyle/>
+          <a:p>
+            <a:pPr algn="ctr"/>
+            <a:endParaRPr lang="en-US"/>
+          </a:p>
+        </p:txBody>
+      </p:sp>
+      <p:sp>
+        <p:nvSpPr>
+          <p:cNvPr id="2" name="TextBox 1"/>
+          <p:cNvSpPr txBox="1"/>
+          <p:nvPr/>
+        </p:nvSpPr>
+        <p:spPr>
+          <a:xfrm>
+            <a:off x="457200" y="457200"/>
+            <a:ext cx="3808222" cy="2585323"/>
+          </a:xfrm>
+          <a:prstGeom prst="rect">
+            <a:avLst/>
+          </a:prstGeom>
+          <a:noFill/>
+        </p:spPr>
+        <p:txBody>
+          <a:bodyPr wrap="none" rtlCol="0">
+            <a:spAutoFit/>
+          </a:bodyPr>
+          <a:lstStyle/>
+          <a:p>
+            <a:r>
+              <a:rPr lang="en-US" dirty="0" smtClean="0"/>
+              <a:t>Microservices</a:t>
+            </a:r>
+          </a:p>
+          <a:p>
+            <a:endParaRPr lang="en-US" sz="1200" dirty="0"/>
+          </a:p>
+          <a:p>
+            <a:pPr marL="171450" indent="-171450">
+              <a:buFontTx/>
+              <a:buChar char="-"/>
+            </a:pPr>
+            <a:r>
+              <a:rPr lang="en-US" sz="1200" dirty="0" smtClean="0"/>
+              <a:t>It is just an architecture ( like client-server, SOA)</a:t>
+            </a:r>
+          </a:p>
+          <a:p>
+            <a:pPr marL="171450" indent="-171450">
+              <a:buFontTx/>
+              <a:buChar char="-"/>
+            </a:pPr>
+            <a:r>
+              <a:rPr lang="en-US" sz="1200" dirty="0" smtClean="0"/>
+              <a:t>Distributed architecture, layered architecture</a:t>
+            </a:r>
+          </a:p>
+          <a:p>
+            <a:pPr marL="171450" indent="-171450">
+              <a:buFontTx/>
+              <a:buChar char="-"/>
+            </a:pPr>
+            <a:r>
+              <a:rPr lang="en-US" sz="1200" b="1" dirty="0" smtClean="0"/>
+              <a:t>Complete application</a:t>
+            </a:r>
+          </a:p>
+          <a:p>
+            <a:pPr marL="171450" indent="-171450">
+              <a:buFontTx/>
+              <a:buChar char="-"/>
+            </a:pPr>
+            <a:r>
+              <a:rPr lang="en-US" sz="1200" dirty="0" smtClean="0"/>
+              <a:t>Decompose of single system to small services </a:t>
+            </a:r>
+          </a:p>
+          <a:p>
+            <a:pPr marL="171450" indent="-171450">
+              <a:buFontTx/>
+              <a:buChar char="-"/>
+            </a:pPr>
+            <a:r>
+              <a:rPr lang="en-US" sz="1200" dirty="0" smtClean="0"/>
+              <a:t>Every service can run as a independent process</a:t>
+            </a:r>
+          </a:p>
+          <a:p>
+            <a:pPr marL="171450" indent="-171450">
+              <a:buFontTx/>
+              <a:buChar char="-"/>
+            </a:pPr>
+            <a:r>
+              <a:rPr lang="en-US" sz="1200" dirty="0" smtClean="0"/>
+              <a:t>Intercommunicate via open protocols </a:t>
+            </a:r>
+          </a:p>
+          <a:p>
+            <a:pPr marL="628650" lvl="1" indent="-171450">
+              <a:buFontTx/>
+              <a:buChar char="-"/>
+            </a:pPr>
+            <a:r>
+              <a:rPr lang="en-US" sz="1200" dirty="0" smtClean="0"/>
+              <a:t>( HTTP , JMS … )</a:t>
+            </a:r>
+          </a:p>
+          <a:p>
+            <a:pPr marL="171450" indent="-171450">
+              <a:buFontTx/>
+              <a:buChar char="-"/>
+            </a:pPr>
+            <a:r>
+              <a:rPr lang="en-US" sz="1200" dirty="0" smtClean="0"/>
+              <a:t>Separately, written, deployed, scaled and maintained</a:t>
+            </a:r>
+          </a:p>
+          <a:p>
+            <a:pPr marL="628650" lvl="1" indent="-171450">
+              <a:buFontTx/>
+              <a:buChar char="-"/>
+            </a:pPr>
+            <a:r>
+              <a:rPr lang="en-US" sz="1200" dirty="0" smtClean="0"/>
+              <a:t>Potentially in different languages</a:t>
+            </a:r>
+          </a:p>
+          <a:p>
+            <a:pPr marL="171450" indent="-171450">
+              <a:buFontTx/>
+              <a:buChar char="-"/>
+            </a:pPr>
+            <a:r>
+              <a:rPr lang="en-US" sz="1200" dirty="0" smtClean="0"/>
+              <a:t>Services are independently replaceable and upgradable</a:t>
+            </a:r>
+            <a:endParaRPr lang="en-US" sz="1200" dirty="0"/>
+          </a:p>
+          <a:p>
+            <a:pPr marL="171450" indent="-171450">
+              <a:buFontTx/>
+              <a:buChar char="-"/>
+            </a:pPr>
+            <a:r>
+              <a:rPr lang="en-US" sz="1200" dirty="0" smtClean="0"/>
+              <a:t>Services encapsulate business capability</a:t>
+            </a:r>
+            <a:endParaRPr lang="en-US" sz="1200" dirty="0"/>
+          </a:p>
+        </p:txBody>
+      </p:sp>
+      <p:sp>
+        <p:nvSpPr>
+          <p:cNvPr id="3" name="TextBox 2"/>
+          <p:cNvSpPr txBox="1"/>
+          <p:nvPr/>
+        </p:nvSpPr>
+        <p:spPr>
+          <a:xfrm>
+            <a:off x="6019800" y="533400"/>
+            <a:ext cx="2895600" cy="1292662"/>
+          </a:xfrm>
+          <a:prstGeom prst="rect">
+            <a:avLst/>
+          </a:prstGeom>
+          <a:noFill/>
+        </p:spPr>
+        <p:txBody>
+          <a:bodyPr wrap="square" rtlCol="0">
+            <a:spAutoFit/>
+          </a:bodyPr>
+          <a:lstStyle/>
+          <a:p>
+            <a:r>
+              <a:rPr lang="en-US" dirty="0" smtClean="0"/>
+              <a:t>Martin Flower</a:t>
+            </a:r>
+          </a:p>
+          <a:p>
+            <a:pPr marL="171450" indent="-171450">
+              <a:buFontTx/>
+              <a:buChar char="-"/>
+            </a:pPr>
+            <a:r>
+              <a:rPr lang="en-US" sz="1200" dirty="0" smtClean="0"/>
+              <a:t>A big contributor to spring framework</a:t>
+            </a:r>
+          </a:p>
+          <a:p>
+            <a:r>
+              <a:rPr lang="en-US" sz="1200" dirty="0" smtClean="0"/>
+              <a:t>Describes microservice as suite of small services, Each running its own process and communicating with Lightweight mechanisms often an http resource </a:t>
+            </a:r>
+            <a:r>
+              <a:rPr lang="en-US" sz="1200" dirty="0" err="1" smtClean="0"/>
+              <a:t>api</a:t>
+            </a:r>
+            <a:endParaRPr lang="en-US" sz="1200" dirty="0"/>
+          </a:p>
+        </p:txBody>
+      </p:sp>
+      <p:sp>
+        <p:nvSpPr>
+          <p:cNvPr id="4" name="TextBox 3"/>
+          <p:cNvSpPr txBox="1"/>
+          <p:nvPr/>
+        </p:nvSpPr>
+        <p:spPr>
+          <a:xfrm>
+            <a:off x="685800" y="3925687"/>
+            <a:ext cx="3970639" cy="1846659"/>
+          </a:xfrm>
+          <a:prstGeom prst="rect">
+            <a:avLst/>
+          </a:prstGeom>
+          <a:noFill/>
+        </p:spPr>
+        <p:txBody>
+          <a:bodyPr wrap="none" rtlCol="0">
+            <a:spAutoFit/>
+          </a:bodyPr>
+          <a:lstStyle/>
+          <a:p>
+            <a:r>
+              <a:rPr lang="en-US" dirty="0" smtClean="0"/>
+              <a:t>Consider a monolithic shopping cart app</a:t>
+            </a:r>
+          </a:p>
+          <a:p>
+            <a:pPr marL="171450" indent="-171450">
+              <a:buFontTx/>
+              <a:buChar char="-"/>
+            </a:pPr>
+            <a:r>
+              <a:rPr lang="en-US" sz="1200" dirty="0" smtClean="0"/>
+              <a:t>Web / Mobile</a:t>
+            </a:r>
+          </a:p>
+          <a:p>
+            <a:pPr marL="171450" indent="-171450">
+              <a:buFontTx/>
+              <a:buChar char="-"/>
+            </a:pPr>
+            <a:r>
+              <a:rPr lang="en-US" sz="1200" dirty="0" smtClean="0"/>
+              <a:t>Functions</a:t>
+            </a:r>
+          </a:p>
+          <a:p>
+            <a:pPr marL="628650" lvl="1" indent="-171450">
+              <a:buFontTx/>
+              <a:buChar char="-"/>
+            </a:pPr>
+            <a:r>
+              <a:rPr lang="en-US" sz="1200" dirty="0" smtClean="0"/>
+              <a:t>Search for product</a:t>
+            </a:r>
+          </a:p>
+          <a:p>
+            <a:pPr marL="628650" lvl="1" indent="-171450">
+              <a:buFontTx/>
+              <a:buChar char="-"/>
+            </a:pPr>
+            <a:r>
+              <a:rPr lang="en-US" sz="1200" dirty="0" smtClean="0"/>
+              <a:t>Product catalog</a:t>
+            </a:r>
+          </a:p>
+          <a:p>
+            <a:pPr marL="628650" lvl="1" indent="-171450">
+              <a:buFontTx/>
+              <a:buChar char="-"/>
+            </a:pPr>
+            <a:r>
+              <a:rPr lang="en-US" sz="1200" dirty="0" smtClean="0"/>
+              <a:t>Inventory management</a:t>
+            </a:r>
+          </a:p>
+          <a:p>
+            <a:pPr marL="628650" lvl="1" indent="-171450">
+              <a:buFontTx/>
+              <a:buChar char="-"/>
+            </a:pPr>
+            <a:r>
+              <a:rPr lang="en-US" sz="1200" dirty="0" smtClean="0"/>
+              <a:t>Shopping cart</a:t>
+            </a:r>
+          </a:p>
+          <a:p>
+            <a:pPr marL="628650" lvl="1" indent="-171450">
+              <a:buFontTx/>
+              <a:buChar char="-"/>
+            </a:pPr>
+            <a:r>
+              <a:rPr lang="en-US" sz="1200" dirty="0" smtClean="0"/>
+              <a:t>Check out</a:t>
+            </a:r>
+          </a:p>
+          <a:p>
+            <a:pPr marL="628650" lvl="1" indent="-171450">
+              <a:buFontTx/>
+              <a:buChar char="-"/>
+            </a:pPr>
+            <a:r>
+              <a:rPr lang="en-US" sz="1200" dirty="0" smtClean="0"/>
+              <a:t>fulfillment</a:t>
+            </a:r>
+            <a:endParaRPr lang="en-US" sz="1200" dirty="0"/>
+          </a:p>
+        </p:txBody>
+      </p:sp>
+      <p:sp>
+        <p:nvSpPr>
+          <p:cNvPr id="5" name="Rectangle 4"/>
+          <p:cNvSpPr/>
+          <p:nvPr/>
+        </p:nvSpPr>
+        <p:spPr>
+          <a:xfrm>
+            <a:off x="6248400" y="3200400"/>
+            <a:ext cx="914400" cy="533400"/>
+          </a:xfrm>
+          <a:prstGeom prst="rect">
+            <a:avLst/>
+          </a:prstGeom>
+        </p:spPr>
+        <p:style>
+          <a:lnRef idx="2">
+            <a:schemeClr val="accent1">
+              <a:shade val="50000"/>
+            </a:schemeClr>
+          </a:lnRef>
+          <a:fillRef idx="1">
+            <a:schemeClr val="accent1"/>
+          </a:fillRef>
+          <a:effectRef idx="0">
+            <a:schemeClr val="accent1"/>
+          </a:effectRef>
+          <a:fontRef idx="minor">
+            <a:schemeClr val="lt1"/>
+          </a:fontRef>
+        </p:style>
+        <p:txBody>
+          <a:bodyPr rtlCol="0" anchor="ctr"/>
+          <a:lstStyle/>
+          <a:p>
+            <a:pPr algn="ctr"/>
+            <a:r>
+              <a:rPr lang="en-US" sz="1400" dirty="0" smtClean="0"/>
+              <a:t>Client</a:t>
+            </a:r>
+            <a:endParaRPr lang="en-US" dirty="0"/>
+          </a:p>
+        </p:txBody>
+      </p:sp>
+      <p:sp>
+        <p:nvSpPr>
+          <p:cNvPr id="6" name="Rectangle 5"/>
+          <p:cNvSpPr/>
+          <p:nvPr/>
+        </p:nvSpPr>
+        <p:spPr>
+          <a:xfrm>
+            <a:off x="5791200" y="4343400"/>
+            <a:ext cx="1828800" cy="237529"/>
+          </a:xfrm>
+          <a:prstGeom prst="rect">
+            <a:avLst/>
+          </a:prstGeom>
+        </p:spPr>
+        <p:style>
+          <a:lnRef idx="2">
+            <a:schemeClr val="accent1">
+              <a:shade val="50000"/>
+            </a:schemeClr>
+          </a:lnRef>
+          <a:fillRef idx="1">
+            <a:schemeClr val="accent1"/>
+          </a:fillRef>
+          <a:effectRef idx="0">
+            <a:schemeClr val="accent1"/>
+          </a:effectRef>
+          <a:fontRef idx="minor">
+            <a:schemeClr val="lt1"/>
+          </a:fontRef>
+        </p:style>
+        <p:txBody>
+          <a:bodyPr rtlCol="0" anchor="ctr"/>
+          <a:lstStyle/>
+          <a:p>
+            <a:pPr algn="ctr"/>
+            <a:r>
+              <a:rPr lang="en-US" sz="1400" dirty="0" smtClean="0"/>
+              <a:t>Controller</a:t>
+            </a:r>
+            <a:endParaRPr lang="en-US" dirty="0"/>
+          </a:p>
+        </p:txBody>
+      </p:sp>
+      <p:sp>
+        <p:nvSpPr>
+          <p:cNvPr id="7" name="Rectangle 6"/>
+          <p:cNvSpPr/>
+          <p:nvPr/>
+        </p:nvSpPr>
+        <p:spPr>
+          <a:xfrm>
+            <a:off x="5791200" y="4732831"/>
+            <a:ext cx="1828800" cy="237529"/>
+          </a:xfrm>
+          <a:prstGeom prst="rect">
+            <a:avLst/>
+          </a:prstGeom>
+        </p:spPr>
+        <p:style>
+          <a:lnRef idx="2">
+            <a:schemeClr val="accent1">
+              <a:shade val="50000"/>
+            </a:schemeClr>
+          </a:lnRef>
+          <a:fillRef idx="1">
+            <a:schemeClr val="accent1"/>
+          </a:fillRef>
+          <a:effectRef idx="0">
+            <a:schemeClr val="accent1"/>
+          </a:effectRef>
+          <a:fontRef idx="minor">
+            <a:schemeClr val="lt1"/>
+          </a:fontRef>
+        </p:style>
+        <p:txBody>
+          <a:bodyPr rtlCol="0" anchor="ctr"/>
+          <a:lstStyle/>
+          <a:p>
+            <a:pPr algn="ctr"/>
+            <a:r>
+              <a:rPr lang="en-US" sz="1400" dirty="0" smtClean="0"/>
+              <a:t>Services</a:t>
+            </a:r>
+            <a:endParaRPr lang="en-US" dirty="0"/>
+          </a:p>
+        </p:txBody>
+      </p:sp>
+      <p:sp>
+        <p:nvSpPr>
+          <p:cNvPr id="8" name="Rectangle 7"/>
+          <p:cNvSpPr/>
+          <p:nvPr/>
+        </p:nvSpPr>
+        <p:spPr>
+          <a:xfrm>
+            <a:off x="5793557" y="5105400"/>
+            <a:ext cx="1828800" cy="237529"/>
+          </a:xfrm>
+          <a:prstGeom prst="rect">
+            <a:avLst/>
+          </a:prstGeom>
+        </p:spPr>
+        <p:style>
+          <a:lnRef idx="2">
+            <a:schemeClr val="accent1">
+              <a:shade val="50000"/>
+            </a:schemeClr>
+          </a:lnRef>
+          <a:fillRef idx="1">
+            <a:schemeClr val="accent1"/>
+          </a:fillRef>
+          <a:effectRef idx="0">
+            <a:schemeClr val="accent1"/>
+          </a:effectRef>
+          <a:fontRef idx="minor">
+            <a:schemeClr val="lt1"/>
+          </a:fontRef>
+        </p:style>
+        <p:txBody>
+          <a:bodyPr rtlCol="0" anchor="ctr"/>
+          <a:lstStyle/>
+          <a:p>
+            <a:pPr algn="ctr"/>
+            <a:r>
+              <a:rPr lang="en-US" sz="1400" dirty="0" smtClean="0"/>
+              <a:t>DAO’s</a:t>
+            </a:r>
+            <a:endParaRPr lang="en-US" dirty="0"/>
+          </a:p>
+        </p:txBody>
+      </p:sp>
+      <p:sp>
+        <p:nvSpPr>
+          <p:cNvPr id="9" name="Can 8"/>
+          <p:cNvSpPr/>
+          <p:nvPr/>
+        </p:nvSpPr>
+        <p:spPr>
+          <a:xfrm>
+            <a:off x="6484070" y="5791200"/>
+            <a:ext cx="457200" cy="685800"/>
+          </a:xfrm>
+          <a:prstGeom prst="can">
+            <a:avLst/>
+          </a:prstGeom>
+        </p:spPr>
+        <p:style>
+          <a:lnRef idx="2">
+            <a:schemeClr val="accent1">
+              <a:shade val="50000"/>
+            </a:schemeClr>
+          </a:lnRef>
+          <a:fillRef idx="1">
+            <a:schemeClr val="accent1"/>
+          </a:fillRef>
+          <a:effectRef idx="0">
+            <a:schemeClr val="accent1"/>
+          </a:effectRef>
+          <a:fontRef idx="minor">
+            <a:schemeClr val="lt1"/>
+          </a:fontRef>
+        </p:style>
+        <p:txBody>
+          <a:bodyPr rtlCol="0" anchor="ctr"/>
+          <a:lstStyle/>
+          <a:p>
+            <a:pPr algn="ctr"/>
+            <a:r>
+              <a:rPr lang="en-US" sz="1400" dirty="0" smtClean="0"/>
+              <a:t>DB</a:t>
+            </a:r>
+            <a:endParaRPr lang="en-US" dirty="0"/>
+          </a:p>
+        </p:txBody>
+      </p:sp>
+      <p:cxnSp>
+        <p:nvCxnSpPr>
+          <p:cNvPr id="13" name="Straight Arrow Connector 12"/>
+          <p:cNvCxnSpPr>
+            <a:stCxn id="6" idx="2"/>
+            <a:endCxn id="7" idx="0"/>
+          </p:cNvCxnSpPr>
+          <p:nvPr/>
+        </p:nvCxnSpPr>
+        <p:spPr>
+          <a:xfrm>
+            <a:off x="6705600" y="4580929"/>
+            <a:ext cx="0" cy="151902"/>
+          </a:xfrm>
+          <a:prstGeom prst="straightConnector1">
+            <a:avLst/>
+          </a:prstGeom>
+          <a:ln>
+            <a:tailEnd type="arrow"/>
+          </a:ln>
+        </p:spPr>
+        <p:style>
+          <a:lnRef idx="1">
+            <a:schemeClr val="accent1"/>
+          </a:lnRef>
+          <a:fillRef idx="0">
+            <a:schemeClr val="accent1"/>
+          </a:fillRef>
+          <a:effectRef idx="0">
+            <a:schemeClr val="accent1"/>
+          </a:effectRef>
+          <a:fontRef idx="minor">
+            <a:schemeClr val="tx1"/>
+          </a:fontRef>
+        </p:style>
+      </p:cxnSp>
+      <p:cxnSp>
+        <p:nvCxnSpPr>
+          <p:cNvPr id="15" name="Straight Arrow Connector 14"/>
+          <p:cNvCxnSpPr>
+            <a:stCxn id="7" idx="2"/>
+            <a:endCxn id="8" idx="0"/>
+          </p:cNvCxnSpPr>
+          <p:nvPr/>
+        </p:nvCxnSpPr>
+        <p:spPr>
+          <a:xfrm>
+            <a:off x="6705600" y="4970360"/>
+            <a:ext cx="2357" cy="135040"/>
+          </a:xfrm>
+          <a:prstGeom prst="straightConnector1">
+            <a:avLst/>
+          </a:prstGeom>
+          <a:ln>
+            <a:tailEnd type="arrow"/>
+          </a:ln>
+        </p:spPr>
+        <p:style>
+          <a:lnRef idx="1">
+            <a:schemeClr val="accent1"/>
+          </a:lnRef>
+          <a:fillRef idx="0">
+            <a:schemeClr val="accent1"/>
+          </a:fillRef>
+          <a:effectRef idx="0">
+            <a:schemeClr val="accent1"/>
+          </a:effectRef>
+          <a:fontRef idx="minor">
+            <a:schemeClr val="tx1"/>
+          </a:fontRef>
+        </p:style>
+      </p:cxnSp>
+      <p:cxnSp>
+        <p:nvCxnSpPr>
+          <p:cNvPr id="17" name="Straight Arrow Connector 16"/>
+          <p:cNvCxnSpPr>
+            <a:stCxn id="8" idx="2"/>
+            <a:endCxn id="9" idx="1"/>
+          </p:cNvCxnSpPr>
+          <p:nvPr/>
+        </p:nvCxnSpPr>
+        <p:spPr>
+          <a:xfrm>
+            <a:off x="6707957" y="5342929"/>
+            <a:ext cx="4713" cy="448271"/>
+          </a:xfrm>
+          <a:prstGeom prst="straightConnector1">
+            <a:avLst/>
+          </a:prstGeom>
+          <a:ln>
+            <a:tailEnd type="arrow"/>
+          </a:ln>
+        </p:spPr>
+        <p:style>
+          <a:lnRef idx="1">
+            <a:schemeClr val="accent1"/>
+          </a:lnRef>
+          <a:fillRef idx="0">
+            <a:schemeClr val="accent1"/>
+          </a:fillRef>
+          <a:effectRef idx="0">
+            <a:schemeClr val="accent1"/>
+          </a:effectRef>
+          <a:fontRef idx="minor">
+            <a:schemeClr val="tx1"/>
+          </a:fontRef>
+        </p:style>
+      </p:cxnSp>
+      <p:cxnSp>
+        <p:nvCxnSpPr>
+          <p:cNvPr id="22" name="Straight Arrow Connector 21"/>
+          <p:cNvCxnSpPr>
+            <a:stCxn id="5" idx="2"/>
+            <a:endCxn id="19" idx="0"/>
+          </p:cNvCxnSpPr>
+          <p:nvPr/>
+        </p:nvCxnSpPr>
+        <p:spPr>
+          <a:xfrm>
+            <a:off x="6705600" y="3733800"/>
+            <a:ext cx="0" cy="495300"/>
+          </a:xfrm>
+          <a:prstGeom prst="straightConnector1">
+            <a:avLst/>
+          </a:prstGeom>
+          <a:ln>
+            <a:tailEnd type="arrow"/>
+          </a:ln>
+        </p:spPr>
+        <p:style>
+          <a:lnRef idx="1">
+            <a:schemeClr val="accent1"/>
+          </a:lnRef>
+          <a:fillRef idx="0">
+            <a:schemeClr val="accent1"/>
+          </a:fillRef>
+          <a:effectRef idx="0">
+            <a:schemeClr val="accent1"/>
+          </a:effectRef>
+          <a:fontRef idx="minor">
+            <a:schemeClr val="tx1"/>
+          </a:fontRef>
+        </p:style>
+      </p:cxnSp>
+    </p:spTree>
+    <p:extLst>
+      <p:ext uri="{BB962C8B-B14F-4D97-AF65-F5344CB8AC3E}">
+        <p14:creationId xmlns:p14="http://schemas.microsoft.com/office/powerpoint/2010/main" val="3846045856"/>
+      </p:ext>
+    </p:extLst>
+  </p:cSld>
+  <p:clrMapOvr>
+    <a:masterClrMapping/>
+  </p:clrMapOvr>
+</p:sld>
+</file>
+
+<file path=ppt/slides/slide14.xml><?xml version="1.0" encoding="utf-8"?>
+<p:sld xmlns:a="http://schemas.openxmlformats.org/drawingml/2006/main" xmlns:r="http://schemas.openxmlformats.org/officeDocument/2006/relationships" xmlns:p="http://schemas.openxmlformats.org/presentationml/2006/main">
+  <p:cSld>
+    <p:spTree>
+      <p:nvGrpSpPr>
+        <p:cNvPr id="1" name=""/>
+        <p:cNvGrpSpPr/>
+        <p:nvPr/>
+      </p:nvGrpSpPr>
+      <p:grpSpPr>
+        <a:xfrm>
+          <a:off x="0" y="0"/>
+          <a:ext cx="0" cy="0"/>
+          <a:chOff x="0" y="0"/>
+          <a:chExt cx="0" cy="0"/>
+        </a:xfrm>
+      </p:grpSpPr>
+      <p:sp>
+        <p:nvSpPr>
+          <p:cNvPr id="3" name="Rectangle 2"/>
+          <p:cNvSpPr/>
+          <p:nvPr/>
+        </p:nvSpPr>
+        <p:spPr>
+          <a:xfrm>
+            <a:off x="3581400" y="1921100"/>
+            <a:ext cx="1143000" cy="533400"/>
+          </a:xfrm>
+          <a:prstGeom prst="rect">
+            <a:avLst/>
+          </a:prstGeom>
+        </p:spPr>
+        <p:style>
+          <a:lnRef idx="2">
+            <a:schemeClr val="accent1">
+              <a:shade val="50000"/>
+            </a:schemeClr>
+          </a:lnRef>
+          <a:fillRef idx="1">
+            <a:schemeClr val="accent1"/>
+          </a:fillRef>
+          <a:effectRef idx="0">
+            <a:schemeClr val="accent1"/>
+          </a:effectRef>
+          <a:fontRef idx="minor">
+            <a:schemeClr val="lt1"/>
+          </a:fontRef>
+        </p:style>
+        <p:txBody>
+          <a:bodyPr rtlCol="0" anchor="ctr"/>
+          <a:lstStyle/>
+          <a:p>
+            <a:pPr algn="ctr"/>
+            <a:r>
+              <a:rPr lang="en-US" sz="1200" dirty="0" smtClean="0"/>
+              <a:t>Spring</a:t>
+            </a:r>
+            <a:endParaRPr lang="en-US" sz="1200" dirty="0"/>
+          </a:p>
+        </p:txBody>
+      </p:sp>
+      <p:sp>
+        <p:nvSpPr>
+          <p:cNvPr id="4" name="Rectangle 3"/>
+          <p:cNvSpPr/>
+          <p:nvPr/>
+        </p:nvSpPr>
+        <p:spPr>
+          <a:xfrm>
+            <a:off x="2133600" y="2987900"/>
+            <a:ext cx="1143000" cy="533400"/>
+          </a:xfrm>
+          <a:prstGeom prst="rect">
+            <a:avLst/>
+          </a:prstGeom>
+        </p:spPr>
+        <p:style>
+          <a:lnRef idx="2">
+            <a:schemeClr val="accent1">
+              <a:shade val="50000"/>
+            </a:schemeClr>
+          </a:lnRef>
+          <a:fillRef idx="1">
+            <a:schemeClr val="accent1"/>
+          </a:fillRef>
+          <a:effectRef idx="0">
+            <a:schemeClr val="accent1"/>
+          </a:effectRef>
+          <a:fontRef idx="minor">
+            <a:schemeClr val="lt1"/>
+          </a:fontRef>
+        </p:style>
+        <p:txBody>
+          <a:bodyPr rtlCol="0" anchor="ctr"/>
+          <a:lstStyle/>
+          <a:p>
+            <a:pPr algn="ctr"/>
+            <a:r>
+              <a:rPr lang="en-US" sz="1200" dirty="0" smtClean="0"/>
+              <a:t>Spring Cloud</a:t>
+            </a:r>
+            <a:endParaRPr lang="en-US" sz="1200" dirty="0"/>
+          </a:p>
+        </p:txBody>
+      </p:sp>
+      <p:sp>
+        <p:nvSpPr>
+          <p:cNvPr id="5" name="Rectangle 4"/>
+          <p:cNvSpPr/>
+          <p:nvPr/>
+        </p:nvSpPr>
+        <p:spPr>
+          <a:xfrm>
+            <a:off x="4953000" y="2987900"/>
+            <a:ext cx="1143000" cy="533400"/>
+          </a:xfrm>
+          <a:prstGeom prst="rect">
+            <a:avLst/>
+          </a:prstGeom>
+        </p:spPr>
+        <p:style>
+          <a:lnRef idx="2">
+            <a:schemeClr val="accent1">
+              <a:shade val="50000"/>
+            </a:schemeClr>
+          </a:lnRef>
+          <a:fillRef idx="1">
+            <a:schemeClr val="accent1"/>
+          </a:fillRef>
+          <a:effectRef idx="0">
+            <a:schemeClr val="accent1"/>
+          </a:effectRef>
+          <a:fontRef idx="minor">
+            <a:schemeClr val="lt1"/>
+          </a:fontRef>
+        </p:style>
+        <p:txBody>
+          <a:bodyPr rtlCol="0" anchor="ctr"/>
+          <a:lstStyle/>
+          <a:p>
+            <a:pPr algn="ctr"/>
+            <a:r>
+              <a:rPr lang="en-US" sz="1200" dirty="0" smtClean="0"/>
+              <a:t>Spring Pivotal Cloud</a:t>
+            </a:r>
+            <a:endParaRPr lang="en-US" sz="1200" dirty="0"/>
+          </a:p>
+        </p:txBody>
+      </p:sp>
+      <p:sp>
+        <p:nvSpPr>
+          <p:cNvPr id="6" name="TextBox 5"/>
+          <p:cNvSpPr txBox="1"/>
+          <p:nvPr/>
+        </p:nvSpPr>
+        <p:spPr>
+          <a:xfrm>
+            <a:off x="1984168" y="3826100"/>
+            <a:ext cx="1597232" cy="830997"/>
+          </a:xfrm>
+          <a:prstGeom prst="rect">
+            <a:avLst/>
+          </a:prstGeom>
+          <a:noFill/>
+        </p:spPr>
+        <p:txBody>
+          <a:bodyPr wrap="none" rtlCol="0">
+            <a:spAutoFit/>
+          </a:bodyPr>
+          <a:lstStyle/>
+          <a:p>
+            <a:pPr marL="171450" indent="-171450">
+              <a:buFontTx/>
+              <a:buChar char="-"/>
+            </a:pPr>
+            <a:r>
+              <a:rPr lang="en-US" sz="1200" dirty="0" smtClean="0"/>
+              <a:t>Spring cloud </a:t>
+            </a:r>
+            <a:r>
+              <a:rPr lang="en-US" sz="1200" dirty="0" err="1" smtClean="0"/>
+              <a:t>config</a:t>
+            </a:r>
+            <a:endParaRPr lang="en-US" sz="1200" dirty="0" smtClean="0"/>
+          </a:p>
+          <a:p>
+            <a:pPr marL="171450" indent="-171450">
+              <a:buFontTx/>
+              <a:buChar char="-"/>
+            </a:pPr>
+            <a:r>
+              <a:rPr lang="en-US" sz="1200" dirty="0" smtClean="0"/>
+              <a:t>Ribbon ( for scaling)</a:t>
+            </a:r>
+          </a:p>
+          <a:p>
+            <a:pPr marL="171450" indent="-171450">
+              <a:buFontTx/>
+              <a:buChar char="-"/>
+            </a:pPr>
+            <a:r>
+              <a:rPr lang="en-US" sz="1200" dirty="0" err="1" smtClean="0"/>
+              <a:t>Zuul</a:t>
+            </a:r>
+            <a:endParaRPr lang="en-US" sz="1200" dirty="0" smtClean="0"/>
+          </a:p>
+          <a:p>
+            <a:pPr marL="171450" indent="-171450">
+              <a:buFontTx/>
+              <a:buChar char="-"/>
+            </a:pPr>
+            <a:r>
+              <a:rPr lang="en-US" sz="1200" dirty="0" smtClean="0"/>
+              <a:t>Eureka</a:t>
+            </a:r>
+            <a:endParaRPr lang="en-US" sz="1200" dirty="0"/>
+          </a:p>
+        </p:txBody>
+      </p:sp>
+      <p:cxnSp>
+        <p:nvCxnSpPr>
+          <p:cNvPr id="8" name="Straight Arrow Connector 7"/>
+          <p:cNvCxnSpPr>
+            <a:endCxn id="4" idx="0"/>
+          </p:cNvCxnSpPr>
+          <p:nvPr/>
+        </p:nvCxnSpPr>
+        <p:spPr>
+          <a:xfrm flipH="1">
+            <a:off x="2705100" y="2454500"/>
+            <a:ext cx="876300" cy="533400"/>
+          </a:xfrm>
+          <a:prstGeom prst="straightConnector1">
+            <a:avLst/>
+          </a:prstGeom>
+          <a:ln>
+            <a:tailEnd type="arrow"/>
+          </a:ln>
+        </p:spPr>
+        <p:style>
+          <a:lnRef idx="1">
+            <a:schemeClr val="accent1"/>
+          </a:lnRef>
+          <a:fillRef idx="0">
+            <a:schemeClr val="accent1"/>
+          </a:fillRef>
+          <a:effectRef idx="0">
+            <a:schemeClr val="accent1"/>
+          </a:effectRef>
+          <a:fontRef idx="minor">
+            <a:schemeClr val="tx1"/>
+          </a:fontRef>
+        </p:style>
+      </p:cxnSp>
+      <p:cxnSp>
+        <p:nvCxnSpPr>
+          <p:cNvPr id="10" name="Straight Arrow Connector 9"/>
+          <p:cNvCxnSpPr/>
+          <p:nvPr/>
+        </p:nvCxnSpPr>
+        <p:spPr>
+          <a:xfrm>
+            <a:off x="4724400" y="2454500"/>
+            <a:ext cx="838200" cy="533400"/>
+          </a:xfrm>
+          <a:prstGeom prst="straightConnector1">
+            <a:avLst/>
+          </a:prstGeom>
+          <a:ln>
+            <a:tailEnd type="arrow"/>
+          </a:ln>
+        </p:spPr>
+        <p:style>
+          <a:lnRef idx="1">
+            <a:schemeClr val="accent1"/>
+          </a:lnRef>
+          <a:fillRef idx="0">
+            <a:schemeClr val="accent1"/>
+          </a:fillRef>
+          <a:effectRef idx="0">
+            <a:schemeClr val="accent1"/>
+          </a:effectRef>
+          <a:fontRef idx="minor">
+            <a:schemeClr val="tx1"/>
+          </a:fontRef>
+        </p:style>
+      </p:cxnSp>
+    </p:spTree>
+    <p:extLst>
+      <p:ext uri="{BB962C8B-B14F-4D97-AF65-F5344CB8AC3E}">
+        <p14:creationId xmlns:p14="http://schemas.microsoft.com/office/powerpoint/2010/main" val="284839196"/>
+      </p:ext>
+    </p:extLst>
+  </p:cSld>
+  <p:clrMapOvr>
+    <a:masterClrMapping/>
+  </p:clrMapOvr>
+</p:sld>
+</file>
+
+<file path=ppt/slides/slide15.xml><?xml version="1.0" encoding="utf-8"?>
+<p:sld xmlns:a="http://schemas.openxmlformats.org/drawingml/2006/main" xmlns:r="http://schemas.openxmlformats.org/officeDocument/2006/relationships" xmlns:p="http://schemas.openxmlformats.org/presentationml/2006/main">
+  <p:cSld>
+    <p:spTree>
+      <p:nvGrpSpPr>
+        <p:cNvPr id="1" name=""/>
+        <p:cNvGrpSpPr/>
+        <p:nvPr/>
+      </p:nvGrpSpPr>
+      <p:grpSpPr>
+        <a:xfrm>
+          <a:off x="0" y="0"/>
+          <a:ext cx="0" cy="0"/>
+          <a:chOff x="0" y="0"/>
+          <a:chExt cx="0" cy="0"/>
+        </a:xfrm>
+      </p:grpSpPr>
+      <p:pic>
+        <p:nvPicPr>
+          <p:cNvPr id="2" name="Picture 2"/>
+          <p:cNvPicPr>
+            <a:picLocks noChangeAspect="1" noChangeArrowheads="1"/>
+          </p:cNvPicPr>
+          <p:nvPr/>
+        </p:nvPicPr>
+        <p:blipFill>
+          <a:blip r:embed="rId2">
+            <a:extLst>
+              <a:ext uri="{28A0092B-C50C-407E-A947-70E740481C1C}">
+                <a14:useLocalDpi xmlns:a14="http://schemas.microsoft.com/office/drawing/2010/main" val="0"/>
+              </a:ext>
+            </a:extLst>
+          </a:blip>
+          <a:srcRect/>
+          <a:stretch>
+            <a:fillRect/>
+          </a:stretch>
+        </p:blipFill>
+        <p:spPr bwMode="auto">
+          <a:xfrm>
+            <a:off x="381000" y="1295400"/>
+            <a:ext cx="8039100" cy="4119562"/>
+          </a:xfrm>
+          <a:prstGeom prst="rect">
+            <a:avLst/>
+          </a:prstGeom>
+          <a:noFill/>
+          <a:ln>
+            <a:noFill/>
+          </a:ln>
+          <a:extLst>
+            <a:ext uri="{909E8E84-426E-40DD-AFC4-6F175D3DCCD1}">
+              <a14:hiddenFill xmlns:a14="http://schemas.microsoft.com/office/drawing/2010/main">
+                <a:solidFill>
+                  <a:schemeClr val="accent1"/>
+                </a:solidFill>
+              </a14:hiddenFill>
+            </a:ext>
+            <a:ext uri="{91240B29-F687-4F45-9708-019B960494DF}">
+              <a14:hiddenLine xmlns:a14="http://schemas.microsoft.com/office/drawing/2010/main" w="9525">
+                <a:solidFill>
+                  <a:schemeClr val="tx1"/>
+                </a:solidFill>
+                <a:miter lim="800000"/>
+                <a:headEnd/>
+                <a:tailEnd/>
+              </a14:hiddenLine>
+            </a:ext>
+          </a:extLst>
+        </p:spPr>
+      </p:pic>
+      <p:sp>
+        <p:nvSpPr>
+          <p:cNvPr id="3" name="TextBox 2"/>
+          <p:cNvSpPr txBox="1"/>
+          <p:nvPr/>
+        </p:nvSpPr>
+        <p:spPr>
+          <a:xfrm>
+            <a:off x="838200" y="609600"/>
+            <a:ext cx="2266646" cy="369332"/>
+          </a:xfrm>
+          <a:prstGeom prst="rect">
+            <a:avLst/>
+          </a:prstGeom>
+          <a:noFill/>
+        </p:spPr>
+        <p:txBody>
+          <a:bodyPr wrap="none" rtlCol="0">
+            <a:spAutoFit/>
+          </a:bodyPr>
+          <a:lstStyle/>
+          <a:p>
+            <a:r>
+              <a:rPr lang="en-US" dirty="0"/>
+              <a:t>Monolithic Challenges</a:t>
+            </a:r>
+          </a:p>
+        </p:txBody>
+      </p:sp>
+    </p:spTree>
+    <p:extLst>
+      <p:ext uri="{BB962C8B-B14F-4D97-AF65-F5344CB8AC3E}">
+        <p14:creationId xmlns:p14="http://schemas.microsoft.com/office/powerpoint/2010/main" val="2915456168"/>
+      </p:ext>
+    </p:extLst>
+  </p:cSld>
+  <p:clrMapOvr>
+    <a:masterClrMapping/>
+  </p:clrMapOvr>
+</p:sld>
+</file>
+
+<file path=ppt/slides/slide16.xml><?xml version="1.0" encoding="utf-8"?>
+<p:sld xmlns:a="http://schemas.openxmlformats.org/drawingml/2006/main" xmlns:r="http://schemas.openxmlformats.org/officeDocument/2006/relationships" xmlns:p="http://schemas.openxmlformats.org/presentationml/2006/main">
+  <p:cSld>
+    <p:spTree>
+      <p:nvGrpSpPr>
+        <p:cNvPr id="1" name=""/>
+        <p:cNvGrpSpPr/>
+        <p:nvPr/>
+      </p:nvGrpSpPr>
+      <p:grpSpPr>
+        <a:xfrm>
+          <a:off x="0" y="0"/>
+          <a:ext cx="0" cy="0"/>
+          <a:chOff x="0" y="0"/>
+          <a:chExt cx="0" cy="0"/>
+        </a:xfrm>
+      </p:grpSpPr>
+      <p:pic>
+        <p:nvPicPr>
+          <p:cNvPr id="2" name="Picture 2"/>
+          <p:cNvPicPr>
+            <a:picLocks noChangeAspect="1" noChangeArrowheads="1"/>
+          </p:cNvPicPr>
+          <p:nvPr/>
+        </p:nvPicPr>
+        <p:blipFill>
+          <a:blip r:embed="rId2">
+            <a:extLst>
+              <a:ext uri="{28A0092B-C50C-407E-A947-70E740481C1C}">
+                <a14:useLocalDpi xmlns:a14="http://schemas.microsoft.com/office/drawing/2010/main" val="0"/>
+              </a:ext>
+            </a:extLst>
+          </a:blip>
+          <a:srcRect/>
+          <a:stretch>
+            <a:fillRect/>
+          </a:stretch>
+        </p:blipFill>
+        <p:spPr bwMode="auto">
+          <a:xfrm>
+            <a:off x="546305" y="1476375"/>
+            <a:ext cx="8115300" cy="3905250"/>
+          </a:xfrm>
+          <a:prstGeom prst="rect">
+            <a:avLst/>
+          </a:prstGeom>
+          <a:noFill/>
+          <a:ln>
+            <a:noFill/>
+          </a:ln>
+          <a:extLst>
+            <a:ext uri="{909E8E84-426E-40DD-AFC4-6F175D3DCCD1}">
+              <a14:hiddenFill xmlns:a14="http://schemas.microsoft.com/office/drawing/2010/main">
+                <a:solidFill>
+                  <a:schemeClr val="accent1"/>
+                </a:solidFill>
+              </a14:hiddenFill>
+            </a:ext>
+            <a:ext uri="{91240B29-F687-4F45-9708-019B960494DF}">
+              <a14:hiddenLine xmlns:a14="http://schemas.microsoft.com/office/drawing/2010/main" w="9525">
+                <a:solidFill>
+                  <a:schemeClr val="tx1"/>
+                </a:solidFill>
+                <a:miter lim="800000"/>
+                <a:headEnd/>
+                <a:tailEnd/>
+              </a14:hiddenLine>
+            </a:ext>
+          </a:extLst>
+        </p:spPr>
+      </p:pic>
+      <p:sp>
+        <p:nvSpPr>
+          <p:cNvPr id="3" name="TextBox 2"/>
+          <p:cNvSpPr txBox="1"/>
+          <p:nvPr/>
+        </p:nvSpPr>
+        <p:spPr>
+          <a:xfrm>
+            <a:off x="838200" y="609600"/>
+            <a:ext cx="2266646" cy="369332"/>
+          </a:xfrm>
+          <a:prstGeom prst="rect">
+            <a:avLst/>
+          </a:prstGeom>
+          <a:noFill/>
+        </p:spPr>
+        <p:txBody>
+          <a:bodyPr wrap="none" rtlCol="0">
+            <a:spAutoFit/>
+          </a:bodyPr>
+          <a:lstStyle/>
+          <a:p>
+            <a:r>
+              <a:rPr lang="en-US" dirty="0"/>
+              <a:t>Monolithic Challenges</a:t>
+            </a:r>
+          </a:p>
+        </p:txBody>
+      </p:sp>
+    </p:spTree>
+    <p:extLst>
+      <p:ext uri="{BB962C8B-B14F-4D97-AF65-F5344CB8AC3E}">
+        <p14:creationId xmlns:p14="http://schemas.microsoft.com/office/powerpoint/2010/main" val="204806944"/>
+      </p:ext>
+    </p:extLst>
+  </p:cSld>
+  <p:clrMapOvr>
+    <a:masterClrMapping/>
+  </p:clrMapOvr>
+</p:sld>
+</file>
+
+<file path=ppt/slides/slide17.xml><?xml version="1.0" encoding="utf-8"?>
+<p:sld xmlns:a="http://schemas.openxmlformats.org/drawingml/2006/main" xmlns:r="http://schemas.openxmlformats.org/officeDocument/2006/relationships" xmlns:p="http://schemas.openxmlformats.org/presentationml/2006/main">
+  <p:cSld>
+    <p:spTree>
+      <p:nvGrpSpPr>
+        <p:cNvPr id="1" name=""/>
+        <p:cNvGrpSpPr/>
+        <p:nvPr/>
+      </p:nvGrpSpPr>
+      <p:grpSpPr>
+        <a:xfrm>
+          <a:off x="0" y="0"/>
+          <a:ext cx="0" cy="0"/>
+          <a:chOff x="0" y="0"/>
+          <a:chExt cx="0" cy="0"/>
+        </a:xfrm>
+      </p:grpSpPr>
+      <p:pic>
+        <p:nvPicPr>
+          <p:cNvPr id="2" name="Picture 2"/>
+          <p:cNvPicPr>
+            <a:picLocks noChangeAspect="1" noChangeArrowheads="1"/>
+          </p:cNvPicPr>
+          <p:nvPr/>
+        </p:nvPicPr>
+        <p:blipFill>
+          <a:blip r:embed="rId2">
+            <a:extLst>
+              <a:ext uri="{28A0092B-C50C-407E-A947-70E740481C1C}">
+                <a14:useLocalDpi xmlns:a14="http://schemas.microsoft.com/office/drawing/2010/main" val="0"/>
+              </a:ext>
+            </a:extLst>
+          </a:blip>
+          <a:srcRect/>
+          <a:stretch>
+            <a:fillRect/>
+          </a:stretch>
+        </p:blipFill>
+        <p:spPr bwMode="auto">
+          <a:xfrm>
+            <a:off x="609600" y="1295400"/>
+            <a:ext cx="7419975" cy="3752850"/>
+          </a:xfrm>
+          <a:prstGeom prst="rect">
+            <a:avLst/>
+          </a:prstGeom>
+          <a:noFill/>
+          <a:ln>
+            <a:noFill/>
+          </a:ln>
+          <a:extLst>
+            <a:ext uri="{909E8E84-426E-40DD-AFC4-6F175D3DCCD1}">
+              <a14:hiddenFill xmlns:a14="http://schemas.microsoft.com/office/drawing/2010/main">
+                <a:solidFill>
+                  <a:schemeClr val="accent1"/>
+                </a:solidFill>
+              </a14:hiddenFill>
+            </a:ext>
+            <a:ext uri="{91240B29-F687-4F45-9708-019B960494DF}">
+              <a14:hiddenLine xmlns:a14="http://schemas.microsoft.com/office/drawing/2010/main" w="9525">
+                <a:solidFill>
+                  <a:schemeClr val="tx1"/>
+                </a:solidFill>
+                <a:miter lim="800000"/>
+                <a:headEnd/>
+                <a:tailEnd/>
+              </a14:hiddenLine>
+            </a:ext>
+          </a:extLst>
+        </p:spPr>
+      </p:pic>
+      <p:sp>
+        <p:nvSpPr>
+          <p:cNvPr id="3" name="TextBox 2"/>
+          <p:cNvSpPr txBox="1"/>
+          <p:nvPr/>
+        </p:nvSpPr>
+        <p:spPr>
+          <a:xfrm>
+            <a:off x="838200" y="609600"/>
+            <a:ext cx="2266646" cy="369332"/>
+          </a:xfrm>
+          <a:prstGeom prst="rect">
+            <a:avLst/>
+          </a:prstGeom>
+          <a:noFill/>
+        </p:spPr>
+        <p:txBody>
+          <a:bodyPr wrap="none" rtlCol="0">
+            <a:spAutoFit/>
+          </a:bodyPr>
+          <a:lstStyle/>
+          <a:p>
+            <a:r>
+              <a:rPr lang="en-US" dirty="0"/>
+              <a:t>Monolithic Challenges</a:t>
+            </a:r>
+          </a:p>
+        </p:txBody>
+      </p:sp>
+    </p:spTree>
+    <p:extLst>
+      <p:ext uri="{BB962C8B-B14F-4D97-AF65-F5344CB8AC3E}">
+        <p14:creationId xmlns:p14="http://schemas.microsoft.com/office/powerpoint/2010/main" val="3526104936"/>
+      </p:ext>
+    </p:extLst>
+  </p:cSld>
+  <p:clrMapOvr>
+    <a:masterClrMapping/>
+  </p:clrMapOvr>
+</p:sld>
+</file>
+
+<file path=ppt/slides/slide18.xml><?xml version="1.0" encoding="utf-8"?>
+<p:sld xmlns:a="http://schemas.openxmlformats.org/drawingml/2006/main" xmlns:r="http://schemas.openxmlformats.org/officeDocument/2006/relationships" xmlns:p="http://schemas.openxmlformats.org/presentationml/2006/main">
+  <p:cSld>
+    <p:spTree>
+      <p:nvGrpSpPr>
+        <p:cNvPr id="1" name=""/>
+        <p:cNvGrpSpPr/>
+        <p:nvPr/>
+      </p:nvGrpSpPr>
+      <p:grpSpPr>
+        <a:xfrm>
+          <a:off x="0" y="0"/>
+          <a:ext cx="0" cy="0"/>
+          <a:chOff x="0" y="0"/>
+          <a:chExt cx="0" cy="0"/>
+        </a:xfrm>
+      </p:grpSpPr>
+      <p:pic>
+        <p:nvPicPr>
+          <p:cNvPr id="3" name="Picture 2"/>
+          <p:cNvPicPr>
+            <a:picLocks noChangeAspect="1" noChangeArrowheads="1"/>
+          </p:cNvPicPr>
+          <p:nvPr/>
+        </p:nvPicPr>
+        <p:blipFill>
+          <a:blip r:embed="rId2">
+            <a:extLst>
+              <a:ext uri="{28A0092B-C50C-407E-A947-70E740481C1C}">
+                <a14:useLocalDpi xmlns:a14="http://schemas.microsoft.com/office/drawing/2010/main" val="0"/>
+              </a:ext>
+            </a:extLst>
+          </a:blip>
+          <a:srcRect/>
+          <a:stretch>
+            <a:fillRect/>
+          </a:stretch>
+        </p:blipFill>
+        <p:spPr bwMode="auto">
+          <a:xfrm>
+            <a:off x="304800" y="1524000"/>
+            <a:ext cx="8057207" cy="4038600"/>
+          </a:xfrm>
+          <a:prstGeom prst="rect">
+            <a:avLst/>
+          </a:prstGeom>
+          <a:noFill/>
+          <a:ln>
+            <a:noFill/>
+          </a:ln>
+          <a:extLst>
+            <a:ext uri="{909E8E84-426E-40DD-AFC4-6F175D3DCCD1}">
+              <a14:hiddenFill xmlns:a14="http://schemas.microsoft.com/office/drawing/2010/main">
+                <a:solidFill>
+                  <a:schemeClr val="accent1"/>
+                </a:solidFill>
+              </a14:hiddenFill>
+            </a:ext>
+            <a:ext uri="{91240B29-F687-4F45-9708-019B960494DF}">
+              <a14:hiddenLine xmlns:a14="http://schemas.microsoft.com/office/drawing/2010/main" w="9525">
+                <a:solidFill>
+                  <a:schemeClr val="tx1"/>
+                </a:solidFill>
+                <a:miter lim="800000"/>
+                <a:headEnd/>
+                <a:tailEnd/>
+              </a14:hiddenLine>
+            </a:ext>
+          </a:extLst>
+        </p:spPr>
+      </p:pic>
+      <p:sp>
+        <p:nvSpPr>
+          <p:cNvPr id="4" name="TextBox 3"/>
+          <p:cNvSpPr txBox="1"/>
+          <p:nvPr/>
+        </p:nvSpPr>
+        <p:spPr>
+          <a:xfrm>
+            <a:off x="609600" y="685800"/>
+            <a:ext cx="2692468" cy="369332"/>
+          </a:xfrm>
+          <a:prstGeom prst="rect">
+            <a:avLst/>
+          </a:prstGeom>
+          <a:noFill/>
+        </p:spPr>
+        <p:txBody>
+          <a:bodyPr wrap="none" rtlCol="0">
+            <a:spAutoFit/>
+          </a:bodyPr>
+          <a:lstStyle/>
+          <a:p>
+            <a:r>
+              <a:rPr lang="en-US" dirty="0"/>
+              <a:t>Microservices Architecture</a:t>
+            </a:r>
+          </a:p>
+        </p:txBody>
+      </p:sp>
+    </p:spTree>
+    <p:extLst>
+      <p:ext uri="{BB962C8B-B14F-4D97-AF65-F5344CB8AC3E}">
+        <p14:creationId xmlns:p14="http://schemas.microsoft.com/office/powerpoint/2010/main" val="1690072122"/>
+      </p:ext>
+    </p:extLst>
+  </p:cSld>
+  <p:clrMapOvr>
+    <a:masterClrMapping/>
+  </p:clrMapOvr>
+</p:sld>
+</file>
+
+<file path=ppt/slides/slide19.xml><?xml version="1.0" encoding="utf-8"?>
+<p:sld xmlns:a="http://schemas.openxmlformats.org/drawingml/2006/main" xmlns:r="http://schemas.openxmlformats.org/officeDocument/2006/relationships" xmlns:p="http://schemas.openxmlformats.org/presentationml/2006/main">
+  <p:cSld>
+    <p:spTree>
+      <p:nvGrpSpPr>
+        <p:cNvPr id="1" name=""/>
+        <p:cNvGrpSpPr/>
+        <p:nvPr/>
+      </p:nvGrpSpPr>
+      <p:grpSpPr>
+        <a:xfrm>
+          <a:off x="0" y="0"/>
+          <a:ext cx="0" cy="0"/>
+          <a:chOff x="0" y="0"/>
+          <a:chExt cx="0" cy="0"/>
+        </a:xfrm>
+      </p:grpSpPr>
+      <p:pic>
+        <p:nvPicPr>
+          <p:cNvPr id="2" name="Picture 2"/>
+          <p:cNvPicPr>
+            <a:picLocks noChangeAspect="1" noChangeArrowheads="1"/>
+          </p:cNvPicPr>
+          <p:nvPr/>
+        </p:nvPicPr>
+        <p:blipFill>
+          <a:blip r:embed="rId2">
+            <a:extLst>
+              <a:ext uri="{28A0092B-C50C-407E-A947-70E740481C1C}">
+                <a14:useLocalDpi xmlns:a14="http://schemas.microsoft.com/office/drawing/2010/main" val="0"/>
+              </a:ext>
+            </a:extLst>
+          </a:blip>
+          <a:srcRect/>
+          <a:stretch>
+            <a:fillRect/>
+          </a:stretch>
+        </p:blipFill>
+        <p:spPr bwMode="auto">
+          <a:xfrm>
+            <a:off x="609600" y="1752600"/>
+            <a:ext cx="7686675" cy="3571875"/>
+          </a:xfrm>
+          <a:prstGeom prst="rect">
+            <a:avLst/>
+          </a:prstGeom>
+          <a:noFill/>
+          <a:ln>
+            <a:noFill/>
+          </a:ln>
+          <a:extLst>
+            <a:ext uri="{909E8E84-426E-40DD-AFC4-6F175D3DCCD1}">
+              <a14:hiddenFill xmlns:a14="http://schemas.microsoft.com/office/drawing/2010/main">
+                <a:solidFill>
+                  <a:schemeClr val="accent1"/>
+                </a:solidFill>
+              </a14:hiddenFill>
+            </a:ext>
+            <a:ext uri="{91240B29-F687-4F45-9708-019B960494DF}">
+              <a14:hiddenLine xmlns:a14="http://schemas.microsoft.com/office/drawing/2010/main" w="9525">
+                <a:solidFill>
+                  <a:schemeClr val="tx1"/>
+                </a:solidFill>
+                <a:miter lim="800000"/>
+                <a:headEnd/>
+                <a:tailEnd/>
+              </a14:hiddenLine>
+            </a:ext>
+          </a:extLst>
+        </p:spPr>
+      </p:pic>
+      <p:sp>
+        <p:nvSpPr>
+          <p:cNvPr id="3" name="TextBox 2"/>
+          <p:cNvSpPr txBox="1"/>
+          <p:nvPr/>
+        </p:nvSpPr>
+        <p:spPr>
+          <a:xfrm>
+            <a:off x="762000" y="838200"/>
+            <a:ext cx="2451505" cy="646331"/>
+          </a:xfrm>
+          <a:prstGeom prst="rect">
+            <a:avLst/>
+          </a:prstGeom>
+          <a:noFill/>
+        </p:spPr>
+        <p:txBody>
+          <a:bodyPr wrap="none" rtlCol="0">
+            <a:spAutoFit/>
+          </a:bodyPr>
+          <a:lstStyle/>
+          <a:p>
+            <a:r>
+              <a:rPr lang="en-US" dirty="0"/>
+              <a:t>Services easily managed</a:t>
+            </a:r>
+          </a:p>
+          <a:p>
+            <a:endParaRPr lang="en-US" dirty="0"/>
+          </a:p>
+        </p:txBody>
+      </p:sp>
+    </p:spTree>
+    <p:extLst>
+      <p:ext uri="{BB962C8B-B14F-4D97-AF65-F5344CB8AC3E}">
+        <p14:creationId xmlns:p14="http://schemas.microsoft.com/office/powerpoint/2010/main" val="2110358375"/>
       </p:ext>
     </p:extLst>
   </p:cSld>
@@ -4147,6 +6797,150 @@
     <p:extLst>
       <p:ext uri="{BB962C8B-B14F-4D97-AF65-F5344CB8AC3E}">
         <p14:creationId xmlns:p14="http://schemas.microsoft.com/office/powerpoint/2010/main" val="3325614425"/>
+      </p:ext>
+    </p:extLst>
+  </p:cSld>
+  <p:clrMapOvr>
+    <a:masterClrMapping/>
+  </p:clrMapOvr>
+</p:sld>
+</file>
+
+<file path=ppt/slides/slide20.xml><?xml version="1.0" encoding="utf-8"?>
+<p:sld xmlns:a="http://schemas.openxmlformats.org/drawingml/2006/main" xmlns:r="http://schemas.openxmlformats.org/officeDocument/2006/relationships" xmlns:p="http://schemas.openxmlformats.org/presentationml/2006/main">
+  <p:cSld>
+    <p:spTree>
+      <p:nvGrpSpPr>
+        <p:cNvPr id="1" name=""/>
+        <p:cNvGrpSpPr/>
+        <p:nvPr/>
+      </p:nvGrpSpPr>
+      <p:grpSpPr>
+        <a:xfrm>
+          <a:off x="0" y="0"/>
+          <a:ext cx="0" cy="0"/>
+          <a:chOff x="0" y="0"/>
+          <a:chExt cx="0" cy="0"/>
+        </a:xfrm>
+      </p:grpSpPr>
+      <p:pic>
+        <p:nvPicPr>
+          <p:cNvPr id="2" name="Picture 2"/>
+          <p:cNvPicPr>
+            <a:picLocks noChangeAspect="1" noChangeArrowheads="1"/>
+          </p:cNvPicPr>
+          <p:nvPr/>
+        </p:nvPicPr>
+        <p:blipFill>
+          <a:blip r:embed="rId2">
+            <a:extLst>
+              <a:ext uri="{28A0092B-C50C-407E-A947-70E740481C1C}">
+                <a14:useLocalDpi xmlns:a14="http://schemas.microsoft.com/office/drawing/2010/main" val="0"/>
+              </a:ext>
+            </a:extLst>
+          </a:blip>
+          <a:srcRect/>
+          <a:stretch>
+            <a:fillRect/>
+          </a:stretch>
+        </p:blipFill>
+        <p:spPr bwMode="auto">
+          <a:xfrm>
+            <a:off x="722021" y="1143000"/>
+            <a:ext cx="6577013" cy="1862806"/>
+          </a:xfrm>
+          <a:prstGeom prst="rect">
+            <a:avLst/>
+          </a:prstGeom>
+          <a:noFill/>
+          <a:ln>
+            <a:noFill/>
+          </a:ln>
+          <a:extLst>
+            <a:ext uri="{909E8E84-426E-40DD-AFC4-6F175D3DCCD1}">
+              <a14:hiddenFill xmlns:a14="http://schemas.microsoft.com/office/drawing/2010/main">
+                <a:solidFill>
+                  <a:schemeClr val="accent1"/>
+                </a:solidFill>
+              </a14:hiddenFill>
+            </a:ext>
+            <a:ext uri="{91240B29-F687-4F45-9708-019B960494DF}">
+              <a14:hiddenLine xmlns:a14="http://schemas.microsoft.com/office/drawing/2010/main" w="9525">
+                <a:solidFill>
+                  <a:schemeClr val="tx1"/>
+                </a:solidFill>
+                <a:miter lim="800000"/>
+                <a:headEnd/>
+                <a:tailEnd/>
+              </a14:hiddenLine>
+            </a:ext>
+          </a:extLst>
+        </p:spPr>
+      </p:pic>
+      <p:sp>
+        <p:nvSpPr>
+          <p:cNvPr id="3" name="TextBox 2"/>
+          <p:cNvSpPr txBox="1"/>
+          <p:nvPr/>
+        </p:nvSpPr>
+        <p:spPr>
+          <a:xfrm>
+            <a:off x="609600" y="621268"/>
+            <a:ext cx="2348720" cy="369332"/>
+          </a:xfrm>
+          <a:prstGeom prst="rect">
+            <a:avLst/>
+          </a:prstGeom>
+          <a:noFill/>
+        </p:spPr>
+        <p:txBody>
+          <a:bodyPr wrap="none" rtlCol="0">
+            <a:spAutoFit/>
+          </a:bodyPr>
+          <a:lstStyle/>
+          <a:p>
+            <a:r>
+              <a:rPr lang="en-US" dirty="0" smtClean="0"/>
+              <a:t>Microservice principles</a:t>
+            </a:r>
+            <a:endParaRPr lang="en-US" dirty="0"/>
+          </a:p>
+        </p:txBody>
+      </p:sp>
+      <p:sp>
+        <p:nvSpPr>
+          <p:cNvPr id="4" name="TextBox 3"/>
+          <p:cNvSpPr txBox="1"/>
+          <p:nvPr/>
+        </p:nvSpPr>
+        <p:spPr>
+          <a:xfrm>
+            <a:off x="153985" y="6368534"/>
+            <a:ext cx="3032625" cy="369332"/>
+          </a:xfrm>
+          <a:prstGeom prst="rect">
+            <a:avLst/>
+          </a:prstGeom>
+          <a:noFill/>
+        </p:spPr>
+        <p:txBody>
+          <a:bodyPr wrap="none" rtlCol="0">
+            <a:spAutoFit/>
+          </a:bodyPr>
+          <a:lstStyle/>
+          <a:p>
+            <a:r>
+              <a:rPr lang="en-US" dirty="0" smtClean="0"/>
+              <a:t>Trainer - pgawada@gmail.com</a:t>
+            </a:r>
+            <a:endParaRPr lang="en-US" dirty="0"/>
+          </a:p>
+        </p:txBody>
+      </p:sp>
+    </p:spTree>
+    <p:extLst>
+      <p:ext uri="{BB962C8B-B14F-4D97-AF65-F5344CB8AC3E}">
+        <p14:creationId xmlns:p14="http://schemas.microsoft.com/office/powerpoint/2010/main" val="2697423117"/>
       </p:ext>
     </p:extLst>
   </p:cSld>
@@ -8451,4 +11245,289 @@
   <a:objectDefaults/>
   <a:extraClrSchemeLst/>
 </a:theme>
+</file>
+
+<file path=ppt/theme/theme2.xml><?xml version="1.0" encoding="utf-8"?>
+<a:theme xmlns:a="http://schemas.openxmlformats.org/drawingml/2006/main" name="Office Theme">
+  <a:themeElements>
+    <a:clrScheme name="Office">
+      <a:dk1>
+        <a:sysClr val="windowText" lastClr="000000"/>
+      </a:dk1>
+      <a:lt1>
+        <a:sysClr val="window" lastClr="FFFFFF"/>
+      </a:lt1>
+      <a:dk2>
+        <a:srgbClr val="1F497D"/>
+      </a:dk2>
+      <a:lt2>
+        <a:srgbClr val="EEECE1"/>
+      </a:lt2>
+      <a:accent1>
+        <a:srgbClr val="4F81BD"/>
+      </a:accent1>
+      <a:accent2>
+        <a:srgbClr val="C0504D"/>
+      </a:accent2>
+      <a:accent3>
+        <a:srgbClr val="9BBB59"/>
+      </a:accent3>
+      <a:accent4>
+        <a:srgbClr val="8064A2"/>
+      </a:accent4>
+      <a:accent5>
+        <a:srgbClr val="4BACC6"/>
+      </a:accent5>
+      <a:accent6>
+        <a:srgbClr val="F79646"/>
+      </a:accent6>
+      <a:hlink>
+        <a:srgbClr val="0000FF"/>
+      </a:hlink>
+      <a:folHlink>
+        <a:srgbClr val="800080"/>
+      </a:folHlink>
+    </a:clrScheme>
+    <a:fontScheme name="Office">
+      <a:majorFont>
+        <a:latin typeface="Calibri"/>
+        <a:ea typeface=""/>
+        <a:cs typeface=""/>
+        <a:font script="Jpan" typeface="ＭＳ Ｐゴシック"/>
+        <a:font script="Hang" typeface="맑은 고딕"/>
+        <a:font script="Hans" typeface="宋体"/>
+        <a:font script="Hant" typeface="新細明體"/>
+        <a:font script="Arab" typeface="Times New Roman"/>
+        <a:font script="Hebr" typeface="Times New Roman"/>
+        <a:font script="Thai" typeface="Angsana New"/>
+        <a:font script="Ethi" typeface="Nyala"/>
+        <a:font script="Beng" typeface="Vrinda"/>
+        <a:font script="Gujr" typeface="Shruti"/>
+        <a:font script="Khmr" typeface="MoolBoran"/>
+        <a:font script="Knda" typeface="Tunga"/>
+        <a:font script="Guru" typeface="Raavi"/>
+        <a:font script="Cans" typeface="Euphemia"/>
+        <a:font script="Cher" typeface="Plantagenet Cherokee"/>
+        <a:font script="Yiii" typeface="Microsoft Yi Baiti"/>
+        <a:font script="Tibt" typeface="Microsoft Himalaya"/>
+        <a:font script="Thaa" typeface="MV Boli"/>
+        <a:font script="Deva" typeface="Mangal"/>
+        <a:font script="Telu" typeface="Gautami"/>
+        <a:font script="Taml" typeface="Latha"/>
+        <a:font script="Syrc" typeface="Estrangelo Edessa"/>
+        <a:font script="Orya" typeface="Kalinga"/>
+        <a:font script="Mlym" typeface="Kartika"/>
+        <a:font script="Laoo" typeface="DokChampa"/>
+        <a:font script="Sinh" typeface="Iskoola Pota"/>
+        <a:font script="Mong" typeface="Mongolian Baiti"/>
+        <a:font script="Viet" typeface="Times New Roman"/>
+        <a:font script="Uigh" typeface="Microsoft Uighur"/>
+        <a:font script="Geor" typeface="Sylfaen"/>
+      </a:majorFont>
+      <a:minorFont>
+        <a:latin typeface="Calibri"/>
+        <a:ea typeface=""/>
+        <a:cs typeface=""/>
+        <a:font script="Jpan" typeface="ＭＳ Ｐゴシック"/>
+        <a:font script="Hang" typeface="맑은 고딕"/>
+        <a:font script="Hans" typeface="宋体"/>
+        <a:font script="Hant" typeface="新細明體"/>
+        <a:font script="Arab" typeface="Arial"/>
+        <a:font script="Hebr" typeface="Arial"/>
+        <a:font script="Thai" typeface="Cordia New"/>
+        <a:font script="Ethi" typeface="Nyala"/>
+        <a:font script="Beng" typeface="Vrinda"/>
+        <a:font script="Gujr" typeface="Shruti"/>
+        <a:font script="Khmr" typeface="DaunPenh"/>
+        <a:font script="Knda" typeface="Tunga"/>
+        <a:font script="Guru" typeface="Raavi"/>
+        <a:font script="Cans" typeface="Euphemia"/>
+        <a:font script="Cher" typeface="Plantagenet Cherokee"/>
+        <a:font script="Yiii" typeface="Microsoft Yi Baiti"/>
+        <a:font script="Tibt" typeface="Microsoft Himalaya"/>
+        <a:font script="Thaa" typeface="MV Boli"/>
+        <a:font script="Deva" typeface="Mangal"/>
+        <a:font script="Telu" typeface="Gautami"/>
+        <a:font script="Taml" typeface="Latha"/>
+        <a:font script="Syrc" typeface="Estrangelo Edessa"/>
+        <a:font script="Orya" typeface="Kalinga"/>
+        <a:font script="Mlym" typeface="Kartika"/>
+        <a:font script="Laoo" typeface="DokChampa"/>
+        <a:font script="Sinh" typeface="Iskoola Pota"/>
+        <a:font script="Mong" typeface="Mongolian Baiti"/>
+        <a:font script="Viet" typeface="Arial"/>
+        <a:font script="Uigh" typeface="Microsoft Uighur"/>
+        <a:font script="Geor" typeface="Sylfaen"/>
+      </a:minorFont>
+    </a:fontScheme>
+    <a:fmtScheme name="Office">
+      <a:fillStyleLst>
+        <a:solidFill>
+          <a:schemeClr val="phClr"/>
+        </a:solidFill>
+        <a:gradFill rotWithShape="1">
+          <a:gsLst>
+            <a:gs pos="0">
+              <a:schemeClr val="phClr">
+                <a:tint val="50000"/>
+                <a:satMod val="300000"/>
+              </a:schemeClr>
+            </a:gs>
+            <a:gs pos="35000">
+              <a:schemeClr val="phClr">
+                <a:tint val="37000"/>
+                <a:satMod val="300000"/>
+              </a:schemeClr>
+            </a:gs>
+            <a:gs pos="100000">
+              <a:schemeClr val="phClr">
+                <a:tint val="15000"/>
+                <a:satMod val="350000"/>
+              </a:schemeClr>
+            </a:gs>
+          </a:gsLst>
+          <a:lin ang="16200000" scaled="1"/>
+        </a:gradFill>
+        <a:gradFill rotWithShape="1">
+          <a:gsLst>
+            <a:gs pos="0">
+              <a:schemeClr val="phClr">
+                <a:shade val="51000"/>
+                <a:satMod val="130000"/>
+              </a:schemeClr>
+            </a:gs>
+            <a:gs pos="80000">
+              <a:schemeClr val="phClr">
+                <a:shade val="93000"/>
+                <a:satMod val="130000"/>
+              </a:schemeClr>
+            </a:gs>
+            <a:gs pos="100000">
+              <a:schemeClr val="phClr">
+                <a:shade val="94000"/>
+                <a:satMod val="135000"/>
+              </a:schemeClr>
+            </a:gs>
+          </a:gsLst>
+          <a:lin ang="16200000" scaled="0"/>
+        </a:gradFill>
+      </a:fillStyleLst>
+      <a:lnStyleLst>
+        <a:ln w="9525" cap="flat" cmpd="sng" algn="ctr">
+          <a:solidFill>
+            <a:schemeClr val="phClr">
+              <a:shade val="95000"/>
+              <a:satMod val="105000"/>
+            </a:schemeClr>
+          </a:solidFill>
+          <a:prstDash val="solid"/>
+        </a:ln>
+        <a:ln w="25400" cap="flat" cmpd="sng" algn="ctr">
+          <a:solidFill>
+            <a:schemeClr val="phClr"/>
+          </a:solidFill>
+          <a:prstDash val="solid"/>
+        </a:ln>
+        <a:ln w="38100" cap="flat" cmpd="sng" algn="ctr">
+          <a:solidFill>
+            <a:schemeClr val="phClr"/>
+          </a:solidFill>
+          <a:prstDash val="solid"/>
+        </a:ln>
+      </a:lnStyleLst>
+      <a:effectStyleLst>
+        <a:effectStyle>
+          <a:effectLst>
+            <a:outerShdw blurRad="40000" dist="20000" dir="5400000" rotWithShape="0">
+              <a:srgbClr val="000000">
+                <a:alpha val="38000"/>
+              </a:srgbClr>
+            </a:outerShdw>
+          </a:effectLst>
+        </a:effectStyle>
+        <a:effectStyle>
+          <a:effectLst>
+            <a:outerShdw blurRad="40000" dist="23000" dir="5400000" rotWithShape="0">
+              <a:srgbClr val="000000">
+                <a:alpha val="35000"/>
+              </a:srgbClr>
+            </a:outerShdw>
+          </a:effectLst>
+        </a:effectStyle>
+        <a:effectStyle>
+          <a:effectLst>
+            <a:outerShdw blurRad="40000" dist="23000" dir="5400000" rotWithShape="0">
+              <a:srgbClr val="000000">
+                <a:alpha val="35000"/>
+              </a:srgbClr>
+            </a:outerShdw>
+          </a:effectLst>
+          <a:scene3d>
+            <a:camera prst="orthographicFront">
+              <a:rot lat="0" lon="0" rev="0"/>
+            </a:camera>
+            <a:lightRig rig="threePt" dir="t">
+              <a:rot lat="0" lon="0" rev="1200000"/>
+            </a:lightRig>
+          </a:scene3d>
+          <a:sp3d>
+            <a:bevelT w="63500" h="25400"/>
+          </a:sp3d>
+        </a:effectStyle>
+      </a:effectStyleLst>
+      <a:bgFillStyleLst>
+        <a:solidFill>
+          <a:schemeClr val="phClr"/>
+        </a:solidFill>
+        <a:gradFill rotWithShape="1">
+          <a:gsLst>
+            <a:gs pos="0">
+              <a:schemeClr val="phClr">
+                <a:tint val="40000"/>
+                <a:satMod val="350000"/>
+              </a:schemeClr>
+            </a:gs>
+            <a:gs pos="40000">
+              <a:schemeClr val="phClr">
+                <a:tint val="45000"/>
+                <a:shade val="99000"/>
+                <a:satMod val="350000"/>
+              </a:schemeClr>
+            </a:gs>
+            <a:gs pos="100000">
+              <a:schemeClr val="phClr">
+                <a:shade val="20000"/>
+                <a:satMod val="255000"/>
+              </a:schemeClr>
+            </a:gs>
+          </a:gsLst>
+          <a:path path="circle">
+            <a:fillToRect l="50000" t="-80000" r="50000" b="180000"/>
+          </a:path>
+        </a:gradFill>
+        <a:gradFill rotWithShape="1">
+          <a:gsLst>
+            <a:gs pos="0">
+              <a:schemeClr val="phClr">
+                <a:tint val="80000"/>
+                <a:satMod val="300000"/>
+              </a:schemeClr>
+            </a:gs>
+            <a:gs pos="100000">
+              <a:schemeClr val="phClr">
+                <a:shade val="30000"/>
+                <a:satMod val="200000"/>
+              </a:schemeClr>
+            </a:gs>
+          </a:gsLst>
+          <a:path path="circle">
+            <a:fillToRect l="50000" t="50000" r="50000" b="50000"/>
+          </a:path>
+        </a:gradFill>
+      </a:bgFillStyleLst>
+    </a:fmtScheme>
+  </a:themeElements>
+  <a:objectDefaults/>
+  <a:extraClrSchemeLst/>
+</a:theme>
 </file>
--- a/info/SpringBootDocumentation.pptx
+++ b/info/SpringBootDocumentation.pptx
@@ -5,7 +5,7 @@
     <p:sldMasterId id="2147483672" r:id="rId1"/>
   </p:sldMasterIdLst>
   <p:notesMasterIdLst>
-    <p:notesMasterId r:id="rId22"/>
+    <p:notesMasterId r:id="rId23"/>
   </p:notesMasterIdLst>
   <p:sldIdLst>
     <p:sldId id="260" r:id="rId2"/>
@@ -28,6 +28,7 @@
     <p:sldId id="272" r:id="rId19"/>
     <p:sldId id="274" r:id="rId20"/>
     <p:sldId id="275" r:id="rId21"/>
+    <p:sldId id="276" r:id="rId22"/>
   </p:sldIdLst>
   <p:sldSz cx="9144000" cy="6858000" type="screen4x3"/>
   <p:notesSz cx="6858000" cy="9144000"/>
@@ -4358,7 +4359,6 @@
               <a:rPr lang="en-US" sz="1200" dirty="0" smtClean="0"/>
               <a:t> </a:t>
             </a:r>
-            <a:endParaRPr lang="en-US" sz="1200" dirty="0" smtClean="0"/>
           </a:p>
           <a:p>
             <a:r>
@@ -4396,7 +4396,6 @@
               <a:rPr lang="en-US" sz="1200" dirty="0" smtClean="0"/>
               <a:t> </a:t>
             </a:r>
-            <a:endParaRPr lang="en-US" sz="1200" dirty="0" smtClean="0"/>
           </a:p>
           <a:p>
             <a:r>
@@ -6937,10 +6936,557 @@
           </a:p>
         </p:txBody>
       </p:sp>
+      <p:sp>
+        <p:nvSpPr>
+          <p:cNvPr id="5" name="TextBox 4"/>
+          <p:cNvSpPr txBox="1"/>
+          <p:nvPr/>
+        </p:nvSpPr>
+        <p:spPr>
+          <a:xfrm>
+            <a:off x="533400" y="3810000"/>
+            <a:ext cx="5923866" cy="369332"/>
+          </a:xfrm>
+          <a:prstGeom prst="rect">
+            <a:avLst/>
+          </a:prstGeom>
+          <a:noFill/>
+        </p:spPr>
+        <p:txBody>
+          <a:bodyPr wrap="none" rtlCol="0">
+            <a:spAutoFit/>
+          </a:bodyPr>
+          <a:lstStyle/>
+          <a:p>
+            <a:r>
+              <a:rPr lang="en-US" dirty="0">
+                <a:hlinkClick r:id="rId3"/>
+              </a:rPr>
+              <a:t>https://</a:t>
+            </a:r>
+            <a:r>
+              <a:rPr lang="en-US" dirty="0" smtClean="0">
+                <a:hlinkClick r:id="rId3"/>
+              </a:rPr>
+              <a:t>spring.io/blog/2015/07/14/microservices-with-spring</a:t>
+            </a:r>
+            <a:r>
+              <a:rPr lang="en-US" dirty="0" smtClean="0"/>
+              <a:t> </a:t>
+            </a:r>
+            <a:endParaRPr lang="en-US" dirty="0"/>
+          </a:p>
+        </p:txBody>
+      </p:sp>
     </p:spTree>
     <p:extLst>
       <p:ext uri="{BB962C8B-B14F-4D97-AF65-F5344CB8AC3E}">
         <p14:creationId xmlns:p14="http://schemas.microsoft.com/office/powerpoint/2010/main" val="2697423117"/>
+      </p:ext>
+    </p:extLst>
+  </p:cSld>
+  <p:clrMapOvr>
+    <a:masterClrMapping/>
+  </p:clrMapOvr>
+</p:sld>
+</file>
+
+<file path=ppt/slides/slide21.xml><?xml version="1.0" encoding="utf-8"?>
+<p:sld xmlns:a="http://schemas.openxmlformats.org/drawingml/2006/main" xmlns:r="http://schemas.openxmlformats.org/officeDocument/2006/relationships" xmlns:p="http://schemas.openxmlformats.org/presentationml/2006/main">
+  <p:cSld>
+    <p:spTree>
+      <p:nvGrpSpPr>
+        <p:cNvPr id="1" name=""/>
+        <p:cNvGrpSpPr/>
+        <p:nvPr/>
+      </p:nvGrpSpPr>
+      <p:grpSpPr>
+        <a:xfrm>
+          <a:off x="0" y="0"/>
+          <a:ext cx="0" cy="0"/>
+          <a:chOff x="0" y="0"/>
+          <a:chExt cx="0" cy="0"/>
+        </a:xfrm>
+      </p:grpSpPr>
+      <p:sp>
+        <p:nvSpPr>
+          <p:cNvPr id="3" name="TextBox 2"/>
+          <p:cNvSpPr txBox="1"/>
+          <p:nvPr/>
+        </p:nvSpPr>
+        <p:spPr>
+          <a:xfrm>
+            <a:off x="533400" y="685800"/>
+            <a:ext cx="4192173" cy="2262158"/>
+          </a:xfrm>
+          <a:prstGeom prst="rect">
+            <a:avLst/>
+          </a:prstGeom>
+          <a:noFill/>
+        </p:spPr>
+        <p:txBody>
+          <a:bodyPr wrap="none" rtlCol="0">
+            <a:spAutoFit/>
+          </a:bodyPr>
+          <a:lstStyle/>
+          <a:p>
+            <a:r>
+              <a:rPr lang="en-US" dirty="0" err="1" smtClean="0"/>
+              <a:t>Microservice</a:t>
+            </a:r>
+            <a:r>
+              <a:rPr lang="en-US" dirty="0" smtClean="0"/>
+              <a:t> example</a:t>
+            </a:r>
+          </a:p>
+          <a:p>
+            <a:pPr marL="285750" indent="-285750">
+              <a:buFontTx/>
+              <a:buChar char="-"/>
+            </a:pPr>
+            <a:r>
+              <a:rPr lang="en-US" sz="1200" dirty="0" smtClean="0"/>
+              <a:t>Customer-backend</a:t>
+            </a:r>
+          </a:p>
+          <a:p>
+            <a:pPr marL="285750" indent="-285750">
+              <a:buFontTx/>
+              <a:buChar char="-"/>
+            </a:pPr>
+            <a:r>
+              <a:rPr lang="en-US" sz="1200" dirty="0" smtClean="0"/>
+              <a:t>Order-backend</a:t>
+            </a:r>
+          </a:p>
+          <a:p>
+            <a:pPr marL="285750" indent="-285750">
+              <a:buFontTx/>
+              <a:buChar char="-"/>
+            </a:pPr>
+            <a:r>
+              <a:rPr lang="en-US" sz="1200" dirty="0" smtClean="0"/>
+              <a:t>Product-backend</a:t>
+            </a:r>
+          </a:p>
+          <a:p>
+            <a:pPr marL="285750" indent="-285750">
+              <a:buFontTx/>
+              <a:buChar char="-"/>
+            </a:pPr>
+            <a:endParaRPr lang="en-US" sz="1200" dirty="0"/>
+          </a:p>
+          <a:p>
+            <a:pPr marL="285750" indent="-285750">
+              <a:buFontTx/>
+              <a:buChar char="-"/>
+            </a:pPr>
+            <a:r>
+              <a:rPr lang="en-US" sz="1200" dirty="0" smtClean="0"/>
+              <a:t>Using Jersey library </a:t>
+            </a:r>
+          </a:p>
+          <a:p>
+            <a:r>
+              <a:rPr lang="en-US" sz="1000" dirty="0">
+                <a:solidFill>
+                  <a:srgbClr val="646464"/>
+                </a:solidFill>
+                <a:latin typeface="Courier New"/>
+              </a:rPr>
+              <a:t>@Named</a:t>
+            </a:r>
+            <a:r>
+              <a:rPr lang="en-US" sz="1000" dirty="0">
+                <a:solidFill>
+                  <a:srgbClr val="000000"/>
+                </a:solidFill>
+                <a:latin typeface="Courier New"/>
+              </a:rPr>
+              <a:t> </a:t>
+            </a:r>
+            <a:r>
+              <a:rPr lang="en-US" sz="1000" dirty="0">
+                <a:solidFill>
+                  <a:srgbClr val="3F7F5F"/>
+                </a:solidFill>
+                <a:latin typeface="Courier New"/>
+              </a:rPr>
+              <a:t>// Similar to @Bean</a:t>
+            </a:r>
+          </a:p>
+          <a:p>
+            <a:r>
+              <a:rPr lang="en-US" sz="1000" dirty="0">
+                <a:solidFill>
+                  <a:srgbClr val="7F0055"/>
+                </a:solidFill>
+                <a:latin typeface="Courier New"/>
+              </a:rPr>
+              <a:t>static</a:t>
+            </a:r>
+            <a:r>
+              <a:rPr lang="en-US" sz="1000" dirty="0">
+                <a:solidFill>
+                  <a:srgbClr val="000000"/>
+                </a:solidFill>
+                <a:latin typeface="Courier New"/>
+              </a:rPr>
+              <a:t> </a:t>
+            </a:r>
+            <a:r>
+              <a:rPr lang="en-US" sz="1000" dirty="0">
+                <a:solidFill>
+                  <a:srgbClr val="7F0055"/>
+                </a:solidFill>
+                <a:latin typeface="Courier New"/>
+              </a:rPr>
+              <a:t>class</a:t>
+            </a:r>
+            <a:r>
+              <a:rPr lang="en-US" sz="1000" dirty="0">
+                <a:solidFill>
+                  <a:srgbClr val="000000"/>
+                </a:solidFill>
+                <a:latin typeface="Courier New"/>
+              </a:rPr>
+              <a:t> </a:t>
+            </a:r>
+            <a:r>
+              <a:rPr lang="en-US" sz="1000" dirty="0" err="1">
+                <a:solidFill>
+                  <a:srgbClr val="000000"/>
+                </a:solidFill>
+                <a:latin typeface="Courier New"/>
+              </a:rPr>
+              <a:t>JerseyConfig</a:t>
+            </a:r>
+            <a:r>
+              <a:rPr lang="en-US" sz="1000" dirty="0">
+                <a:solidFill>
+                  <a:srgbClr val="000000"/>
+                </a:solidFill>
+                <a:latin typeface="Courier New"/>
+              </a:rPr>
+              <a:t> </a:t>
+            </a:r>
+            <a:r>
+              <a:rPr lang="en-US" sz="1000" dirty="0">
+                <a:solidFill>
+                  <a:srgbClr val="7F0055"/>
+                </a:solidFill>
+                <a:latin typeface="Courier New"/>
+              </a:rPr>
+              <a:t>extends</a:t>
+            </a:r>
+            <a:r>
+              <a:rPr lang="en-US" sz="1000" dirty="0">
+                <a:solidFill>
+                  <a:srgbClr val="000000"/>
+                </a:solidFill>
+                <a:latin typeface="Courier New"/>
+              </a:rPr>
+              <a:t> </a:t>
+            </a:r>
+            <a:r>
+              <a:rPr lang="en-US" sz="1000" dirty="0" err="1">
+                <a:solidFill>
+                  <a:srgbClr val="000000"/>
+                </a:solidFill>
+                <a:latin typeface="Courier New"/>
+              </a:rPr>
+              <a:t>ResourceConfig</a:t>
+            </a:r>
+            <a:r>
+              <a:rPr lang="en-US" sz="1000" dirty="0">
+                <a:solidFill>
+                  <a:srgbClr val="000000"/>
+                </a:solidFill>
+                <a:latin typeface="Courier New"/>
+              </a:rPr>
+              <a:t> {</a:t>
+            </a:r>
+          </a:p>
+          <a:p>
+            <a:r>
+              <a:rPr lang="en-US" sz="1000" dirty="0" smtClean="0">
+                <a:solidFill>
+                  <a:srgbClr val="7F0055"/>
+                </a:solidFill>
+                <a:latin typeface="Courier New"/>
+              </a:rPr>
+              <a:t>   public</a:t>
+            </a:r>
+            <a:r>
+              <a:rPr lang="en-US" sz="1000" dirty="0" smtClean="0">
+                <a:solidFill>
+                  <a:srgbClr val="000000"/>
+                </a:solidFill>
+                <a:latin typeface="Courier New"/>
+              </a:rPr>
+              <a:t> </a:t>
+            </a:r>
+            <a:r>
+              <a:rPr lang="en-US" sz="1000" dirty="0" err="1">
+                <a:solidFill>
+                  <a:srgbClr val="000000"/>
+                </a:solidFill>
+                <a:latin typeface="Courier New"/>
+              </a:rPr>
+              <a:t>JerseyConfig</a:t>
+            </a:r>
+            <a:r>
+              <a:rPr lang="en-US" sz="1000" dirty="0">
+                <a:solidFill>
+                  <a:srgbClr val="000000"/>
+                </a:solidFill>
+                <a:latin typeface="Courier New"/>
+              </a:rPr>
+              <a:t>() {</a:t>
+            </a:r>
+          </a:p>
+          <a:p>
+            <a:r>
+              <a:rPr lang="en-US" sz="1000" dirty="0" smtClean="0">
+                <a:solidFill>
+                  <a:srgbClr val="7F0055"/>
+                </a:solidFill>
+                <a:latin typeface="Courier New"/>
+              </a:rPr>
+              <a:t>    </a:t>
+            </a:r>
+            <a:r>
+              <a:rPr lang="en-US" sz="1000" dirty="0" err="1" smtClean="0">
+                <a:solidFill>
+                  <a:srgbClr val="7F0055"/>
+                </a:solidFill>
+                <a:latin typeface="Courier New"/>
+              </a:rPr>
+              <a:t>this</a:t>
+            </a:r>
+            <a:r>
+              <a:rPr lang="en-US" sz="1000" dirty="0" err="1" smtClean="0">
+                <a:solidFill>
+                  <a:srgbClr val="000000"/>
+                </a:solidFill>
+                <a:latin typeface="Courier New"/>
+              </a:rPr>
+              <a:t>.packages</a:t>
+            </a:r>
+            <a:r>
+              <a:rPr lang="en-US" sz="1000" dirty="0">
+                <a:solidFill>
+                  <a:srgbClr val="000000"/>
+                </a:solidFill>
+                <a:latin typeface="Courier New"/>
+              </a:rPr>
+              <a:t>(</a:t>
+            </a:r>
+            <a:r>
+              <a:rPr lang="en-US" sz="1000" dirty="0">
+                <a:solidFill>
+                  <a:srgbClr val="2A00FF"/>
+                </a:solidFill>
+                <a:latin typeface="Courier New"/>
+              </a:rPr>
+              <a:t>"</a:t>
+            </a:r>
+            <a:r>
+              <a:rPr lang="en-US" sz="1000" dirty="0" err="1">
+                <a:solidFill>
+                  <a:srgbClr val="2A00FF"/>
+                </a:solidFill>
+                <a:latin typeface="Courier New"/>
+              </a:rPr>
+              <a:t>com.citi.rest</a:t>
+            </a:r>
+            <a:r>
+              <a:rPr lang="en-US" sz="1000" dirty="0">
+                <a:solidFill>
+                  <a:srgbClr val="2A00FF"/>
+                </a:solidFill>
+                <a:latin typeface="Courier New"/>
+              </a:rPr>
+              <a:t>"</a:t>
+            </a:r>
+            <a:r>
+              <a:rPr lang="en-US" sz="1000" dirty="0">
+                <a:solidFill>
+                  <a:srgbClr val="000000"/>
+                </a:solidFill>
+                <a:latin typeface="Courier New"/>
+              </a:rPr>
+              <a:t>);</a:t>
+            </a:r>
+          </a:p>
+          <a:p>
+            <a:r>
+              <a:rPr lang="en-US" sz="1000" dirty="0" smtClean="0">
+                <a:solidFill>
+                  <a:srgbClr val="000000"/>
+                </a:solidFill>
+                <a:latin typeface="Courier New"/>
+              </a:rPr>
+              <a:t>   }</a:t>
+            </a:r>
+            <a:endParaRPr lang="en-US" sz="1000" dirty="0">
+              <a:solidFill>
+                <a:srgbClr val="000000"/>
+              </a:solidFill>
+              <a:latin typeface="Courier New"/>
+            </a:endParaRPr>
+          </a:p>
+          <a:p>
+            <a:r>
+              <a:rPr lang="en-US" sz="1000" dirty="0">
+                <a:solidFill>
+                  <a:srgbClr val="000000"/>
+                </a:solidFill>
+                <a:latin typeface="Courier New"/>
+              </a:rPr>
+              <a:t>}</a:t>
+            </a:r>
+            <a:endParaRPr lang="en-US" sz="1000" dirty="0"/>
+          </a:p>
+        </p:txBody>
+      </p:sp>
+      <p:sp>
+        <p:nvSpPr>
+          <p:cNvPr id="4" name="TextBox 3"/>
+          <p:cNvSpPr txBox="1"/>
+          <p:nvPr/>
+        </p:nvSpPr>
+        <p:spPr>
+          <a:xfrm>
+            <a:off x="6400800" y="762000"/>
+            <a:ext cx="2422779" cy="307777"/>
+          </a:xfrm>
+          <a:prstGeom prst="rect">
+            <a:avLst/>
+          </a:prstGeom>
+          <a:noFill/>
+        </p:spPr>
+        <p:txBody>
+          <a:bodyPr wrap="none" rtlCol="0">
+            <a:spAutoFit/>
+          </a:bodyPr>
+          <a:lstStyle/>
+          <a:p>
+            <a:r>
+              <a:rPr lang="en-US" sz="1400" dirty="0">
+                <a:hlinkClick r:id="rId2"/>
+              </a:rPr>
+              <a:t>http://www.java2novice.com</a:t>
+            </a:r>
+            <a:r>
+              <a:rPr lang="en-US" sz="1400" dirty="0" smtClean="0">
+                <a:hlinkClick r:id="rId2"/>
+              </a:rPr>
+              <a:t>/</a:t>
+            </a:r>
+            <a:r>
+              <a:rPr lang="en-US" sz="1400" dirty="0" smtClean="0"/>
+              <a:t> </a:t>
+            </a:r>
+            <a:endParaRPr lang="en-US" sz="1400" dirty="0"/>
+          </a:p>
+        </p:txBody>
+      </p:sp>
+      <p:sp>
+        <p:nvSpPr>
+          <p:cNvPr id="5" name="TextBox 4"/>
+          <p:cNvSpPr txBox="1"/>
+          <p:nvPr/>
+        </p:nvSpPr>
+        <p:spPr>
+          <a:xfrm>
+            <a:off x="582579" y="3352800"/>
+            <a:ext cx="5448607" cy="738664"/>
+          </a:xfrm>
+          <a:prstGeom prst="rect">
+            <a:avLst/>
+          </a:prstGeom>
+          <a:noFill/>
+        </p:spPr>
+        <p:txBody>
+          <a:bodyPr wrap="none" rtlCol="0">
+            <a:spAutoFit/>
+          </a:bodyPr>
+          <a:lstStyle/>
+          <a:p>
+            <a:r>
+              <a:rPr lang="en-US" dirty="0"/>
+              <a:t>Deploy spring boot </a:t>
+            </a:r>
+            <a:r>
+              <a:rPr lang="en-US" dirty="0" err="1"/>
+              <a:t>microservice</a:t>
+            </a:r>
+            <a:r>
+              <a:rPr lang="en-US" dirty="0"/>
+              <a:t> to Pivotal Web Services</a:t>
+            </a:r>
+            <a:endParaRPr lang="en-US" dirty="0">
+              <a:hlinkClick r:id="rId3"/>
+            </a:endParaRPr>
+          </a:p>
+          <a:p>
+            <a:pPr marL="171450" indent="-171450">
+              <a:buFontTx/>
+              <a:buChar char="-"/>
+            </a:pPr>
+            <a:r>
+              <a:rPr lang="en-US" sz="1200" dirty="0" smtClean="0">
+                <a:hlinkClick r:id="rId3"/>
+              </a:rPr>
+              <a:t>https</a:t>
+            </a:r>
+            <a:r>
+              <a:rPr lang="en-US" sz="1200" dirty="0">
+                <a:hlinkClick r:id="rId3"/>
+              </a:rPr>
+              <a:t>://</a:t>
+            </a:r>
+            <a:r>
+              <a:rPr lang="en-US" sz="1200" smtClean="0">
+                <a:hlinkClick r:id="rId3"/>
+              </a:rPr>
+              <a:t>console.run.pivotal.io</a:t>
+            </a:r>
+            <a:r>
+              <a:rPr lang="en-US" sz="1200" smtClean="0"/>
+              <a:t> </a:t>
+            </a:r>
+          </a:p>
+          <a:p>
+            <a:pPr marL="171450" indent="-171450">
+              <a:buFontTx/>
+              <a:buChar char="-"/>
+            </a:pPr>
+            <a:r>
+              <a:rPr lang="en-US" sz="1200" smtClean="0">
+                <a:hlinkClick r:id="rId4"/>
+              </a:rPr>
+              <a:t>https</a:t>
+            </a:r>
+            <a:r>
+              <a:rPr lang="en-US" sz="1200" dirty="0" smtClean="0">
+                <a:hlinkClick r:id="rId4"/>
+              </a:rPr>
+              <a:t>://spring.io/guides/gs/sts-cloud-foundry-deployment/</a:t>
+            </a:r>
+            <a:r>
+              <a:rPr lang="en-US" sz="1200" dirty="0" smtClean="0"/>
+              <a:t> </a:t>
+            </a:r>
+            <a:endParaRPr lang="en-US" sz="1200" dirty="0"/>
+          </a:p>
+        </p:txBody>
+      </p:sp>
+    </p:spTree>
+    <p:extLst>
+      <p:ext uri="{BB962C8B-B14F-4D97-AF65-F5344CB8AC3E}">
+        <p14:creationId xmlns:p14="http://schemas.microsoft.com/office/powerpoint/2010/main" val="1899260702"/>
       </p:ext>
     </p:extLst>
   </p:cSld>

--- a/info/SpringBootDocumentation.pptx
+++ b/info/SpringBootDocumentation.pptx
@@ -5,7 +5,7 @@
     <p:sldMasterId id="2147483672" r:id="rId1"/>
   </p:sldMasterIdLst>
   <p:notesMasterIdLst>
-    <p:notesMasterId r:id="rId23"/>
+    <p:notesMasterId r:id="rId24"/>
   </p:notesMasterIdLst>
   <p:sldIdLst>
     <p:sldId id="260" r:id="rId2"/>
@@ -29,6 +29,7 @@
     <p:sldId id="274" r:id="rId20"/>
     <p:sldId id="275" r:id="rId21"/>
     <p:sldId id="276" r:id="rId22"/>
+    <p:sldId id="277" r:id="rId23"/>
   </p:sldIdLst>
   <p:sldSz cx="9144000" cy="6858000" type="screen4x3"/>
   <p:notesSz cx="6858000" cy="9144000"/>
@@ -7487,6 +7488,503 @@
     <p:extLst>
       <p:ext uri="{BB962C8B-B14F-4D97-AF65-F5344CB8AC3E}">
         <p14:creationId xmlns:p14="http://schemas.microsoft.com/office/powerpoint/2010/main" val="1899260702"/>
+      </p:ext>
+    </p:extLst>
+  </p:cSld>
+  <p:clrMapOvr>
+    <a:masterClrMapping/>
+  </p:clrMapOvr>
+</p:sld>
+</file>
+
+<file path=ppt/slides/slide22.xml><?xml version="1.0" encoding="utf-8"?>
+<p:sld xmlns:a="http://schemas.openxmlformats.org/drawingml/2006/main" xmlns:r="http://schemas.openxmlformats.org/officeDocument/2006/relationships" xmlns:p="http://schemas.openxmlformats.org/presentationml/2006/main">
+  <p:cSld>
+    <p:spTree>
+      <p:nvGrpSpPr>
+        <p:cNvPr id="1" name=""/>
+        <p:cNvGrpSpPr/>
+        <p:nvPr/>
+      </p:nvGrpSpPr>
+      <p:grpSpPr>
+        <a:xfrm>
+          <a:off x="0" y="0"/>
+          <a:ext cx="0" cy="0"/>
+          <a:chOff x="0" y="0"/>
+          <a:chExt cx="0" cy="0"/>
+        </a:xfrm>
+      </p:grpSpPr>
+      <p:sp>
+        <p:nvSpPr>
+          <p:cNvPr id="2" name="TextBox 1"/>
+          <p:cNvSpPr txBox="1"/>
+          <p:nvPr/>
+        </p:nvSpPr>
+        <p:spPr>
+          <a:xfrm>
+            <a:off x="533400" y="685800"/>
+            <a:ext cx="3077958" cy="1107996"/>
+          </a:xfrm>
+          <a:prstGeom prst="rect">
+            <a:avLst/>
+          </a:prstGeom>
+          <a:noFill/>
+        </p:spPr>
+        <p:txBody>
+          <a:bodyPr wrap="none" rtlCol="0">
+            <a:spAutoFit/>
+          </a:bodyPr>
+          <a:lstStyle/>
+          <a:p>
+            <a:r>
+              <a:rPr lang="en-US" dirty="0" smtClean="0"/>
+              <a:t>Security</a:t>
+            </a:r>
+          </a:p>
+          <a:p>
+            <a:pPr marL="171450" indent="-171450">
+              <a:buFontTx/>
+              <a:buChar char="-"/>
+            </a:pPr>
+            <a:r>
+              <a:rPr lang="en-US" sz="1200" dirty="0" smtClean="0"/>
+              <a:t>Authentication</a:t>
+            </a:r>
+          </a:p>
+          <a:p>
+            <a:pPr marL="628650" lvl="1" indent="-171450">
+              <a:buFontTx/>
+              <a:buChar char="-"/>
+            </a:pPr>
+            <a:r>
+              <a:rPr lang="en-US" sz="1200" dirty="0" smtClean="0"/>
+              <a:t>Who are you ( username, password)</a:t>
+            </a:r>
+          </a:p>
+          <a:p>
+            <a:pPr marL="171450" indent="-171450">
+              <a:buFontTx/>
+              <a:buChar char="-"/>
+            </a:pPr>
+            <a:r>
+              <a:rPr lang="en-US" sz="1200" dirty="0" smtClean="0"/>
+              <a:t>Authorization</a:t>
+            </a:r>
+          </a:p>
+          <a:p>
+            <a:pPr marL="628650" lvl="1" indent="-171450">
+              <a:buFontTx/>
+              <a:buChar char="-"/>
+            </a:pPr>
+            <a:r>
+              <a:rPr lang="en-US" sz="1200" dirty="0" smtClean="0"/>
+              <a:t>What you can and  can’t ( Roles)</a:t>
+            </a:r>
+            <a:endParaRPr lang="en-US" sz="1200" dirty="0"/>
+          </a:p>
+        </p:txBody>
+      </p:sp>
+      <p:sp>
+        <p:nvSpPr>
+          <p:cNvPr id="3" name="Rectangle 2"/>
+          <p:cNvSpPr/>
+          <p:nvPr/>
+        </p:nvSpPr>
+        <p:spPr>
+          <a:xfrm>
+            <a:off x="2840074" y="2433800"/>
+            <a:ext cx="1981200" cy="381000"/>
+          </a:xfrm>
+          <a:prstGeom prst="rect">
+            <a:avLst/>
+          </a:prstGeom>
+        </p:spPr>
+        <p:style>
+          <a:lnRef idx="2">
+            <a:schemeClr val="accent1">
+              <a:shade val="50000"/>
+            </a:schemeClr>
+          </a:lnRef>
+          <a:fillRef idx="1">
+            <a:schemeClr val="accent1"/>
+          </a:fillRef>
+          <a:effectRef idx="0">
+            <a:schemeClr val="accent1"/>
+          </a:effectRef>
+          <a:fontRef idx="minor">
+            <a:schemeClr val="lt1"/>
+          </a:fontRef>
+        </p:style>
+        <p:txBody>
+          <a:bodyPr rtlCol="0" anchor="ctr"/>
+          <a:lstStyle/>
+          <a:p>
+            <a:pPr algn="ctr"/>
+            <a:r>
+              <a:rPr lang="en-US" sz="1200" dirty="0" smtClean="0"/>
+              <a:t>Authentication Manager</a:t>
+            </a:r>
+            <a:endParaRPr lang="en-US" sz="1200" dirty="0"/>
+          </a:p>
+        </p:txBody>
+      </p:sp>
+      <p:sp>
+        <p:nvSpPr>
+          <p:cNvPr id="4" name="TextBox 3"/>
+          <p:cNvSpPr txBox="1"/>
+          <p:nvPr/>
+        </p:nvSpPr>
+        <p:spPr>
+          <a:xfrm>
+            <a:off x="5781916" y="3392026"/>
+            <a:ext cx="511037" cy="276999"/>
+          </a:xfrm>
+          <a:prstGeom prst="rect">
+            <a:avLst/>
+          </a:prstGeom>
+        </p:spPr>
+        <p:style>
+          <a:lnRef idx="2">
+            <a:schemeClr val="accent4"/>
+          </a:lnRef>
+          <a:fillRef idx="1">
+            <a:schemeClr val="lt1"/>
+          </a:fillRef>
+          <a:effectRef idx="0">
+            <a:schemeClr val="accent4"/>
+          </a:effectRef>
+          <a:fontRef idx="minor">
+            <a:schemeClr val="dk1"/>
+          </a:fontRef>
+        </p:style>
+        <p:txBody>
+          <a:bodyPr wrap="none" rtlCol="0">
+            <a:spAutoFit/>
+          </a:bodyPr>
+          <a:lstStyle/>
+          <a:p>
+            <a:r>
+              <a:rPr lang="en-US" sz="1200" dirty="0" smtClean="0"/>
+              <a:t>LDAP</a:t>
+            </a:r>
+            <a:endParaRPr lang="en-US" dirty="0"/>
+          </a:p>
+        </p:txBody>
+      </p:sp>
+      <p:sp>
+        <p:nvSpPr>
+          <p:cNvPr id="5" name="TextBox 4"/>
+          <p:cNvSpPr txBox="1"/>
+          <p:nvPr/>
+        </p:nvSpPr>
+        <p:spPr>
+          <a:xfrm>
+            <a:off x="1514716" y="3251309"/>
+            <a:ext cx="2062809" cy="276999"/>
+          </a:xfrm>
+          <a:prstGeom prst="rect">
+            <a:avLst/>
+          </a:prstGeom>
+        </p:spPr>
+        <p:style>
+          <a:lnRef idx="2">
+            <a:schemeClr val="accent4"/>
+          </a:lnRef>
+          <a:fillRef idx="1">
+            <a:schemeClr val="lt1"/>
+          </a:fillRef>
+          <a:effectRef idx="0">
+            <a:schemeClr val="accent4"/>
+          </a:effectRef>
+          <a:fontRef idx="minor">
+            <a:schemeClr val="dk1"/>
+          </a:fontRef>
+        </p:style>
+        <p:txBody>
+          <a:bodyPr wrap="none" rtlCol="0">
+            <a:spAutoFit/>
+          </a:bodyPr>
+          <a:lstStyle/>
+          <a:p>
+            <a:r>
+              <a:rPr lang="en-US" sz="1200" dirty="0" smtClean="0"/>
+              <a:t>Basic Authentication Manager</a:t>
+            </a:r>
+            <a:endParaRPr lang="en-US" sz="1200" dirty="0"/>
+          </a:p>
+        </p:txBody>
+      </p:sp>
+      <p:sp>
+        <p:nvSpPr>
+          <p:cNvPr id="6" name="TextBox 5"/>
+          <p:cNvSpPr txBox="1"/>
+          <p:nvPr/>
+        </p:nvSpPr>
+        <p:spPr>
+          <a:xfrm>
+            <a:off x="3856074" y="4105627"/>
+            <a:ext cx="2053191" cy="276999"/>
+          </a:xfrm>
+          <a:prstGeom prst="rect">
+            <a:avLst/>
+          </a:prstGeom>
+        </p:spPr>
+        <p:style>
+          <a:lnRef idx="2">
+            <a:schemeClr val="accent4"/>
+          </a:lnRef>
+          <a:fillRef idx="1">
+            <a:schemeClr val="lt1"/>
+          </a:fillRef>
+          <a:effectRef idx="0">
+            <a:schemeClr val="accent4"/>
+          </a:effectRef>
+          <a:fontRef idx="minor">
+            <a:schemeClr val="dk1"/>
+          </a:fontRef>
+        </p:style>
+        <p:txBody>
+          <a:bodyPr wrap="none" rtlCol="0">
+            <a:spAutoFit/>
+          </a:bodyPr>
+          <a:lstStyle/>
+          <a:p>
+            <a:r>
+              <a:rPr lang="en-US" sz="1200" dirty="0" smtClean="0"/>
+              <a:t>JDBC Authentication Manager</a:t>
+            </a:r>
+            <a:endParaRPr lang="en-US" sz="1200" dirty="0"/>
+          </a:p>
+        </p:txBody>
+      </p:sp>
+      <p:cxnSp>
+        <p:nvCxnSpPr>
+          <p:cNvPr id="10" name="Straight Arrow Connector 9"/>
+          <p:cNvCxnSpPr/>
+          <p:nvPr/>
+        </p:nvCxnSpPr>
+        <p:spPr>
+          <a:xfrm>
+            <a:off x="3038716" y="2832695"/>
+            <a:ext cx="0" cy="439305"/>
+          </a:xfrm>
+          <a:prstGeom prst="straightConnector1">
+            <a:avLst/>
+          </a:prstGeom>
+          <a:ln>
+            <a:tailEnd type="arrow"/>
+          </a:ln>
+        </p:spPr>
+        <p:style>
+          <a:lnRef idx="1">
+            <a:schemeClr val="accent1"/>
+          </a:lnRef>
+          <a:fillRef idx="0">
+            <a:schemeClr val="accent1"/>
+          </a:fillRef>
+          <a:effectRef idx="0">
+            <a:schemeClr val="accent1"/>
+          </a:effectRef>
+          <a:fontRef idx="minor">
+            <a:schemeClr val="tx1"/>
+          </a:fontRef>
+        </p:style>
+      </p:cxnSp>
+      <p:cxnSp>
+        <p:nvCxnSpPr>
+          <p:cNvPr id="12" name="Straight Arrow Connector 11"/>
+          <p:cNvCxnSpPr/>
+          <p:nvPr/>
+        </p:nvCxnSpPr>
+        <p:spPr>
+          <a:xfrm>
+            <a:off x="4715116" y="2814800"/>
+            <a:ext cx="0" cy="1295400"/>
+          </a:xfrm>
+          <a:prstGeom prst="straightConnector1">
+            <a:avLst/>
+          </a:prstGeom>
+          <a:ln>
+            <a:tailEnd type="arrow"/>
+          </a:ln>
+        </p:spPr>
+        <p:style>
+          <a:lnRef idx="1">
+            <a:schemeClr val="accent1"/>
+          </a:lnRef>
+          <a:fillRef idx="0">
+            <a:schemeClr val="accent1"/>
+          </a:fillRef>
+          <a:effectRef idx="0">
+            <a:schemeClr val="accent1"/>
+          </a:effectRef>
+          <a:fontRef idx="minor">
+            <a:schemeClr val="tx1"/>
+          </a:fontRef>
+        </p:style>
+      </p:cxnSp>
+      <p:sp>
+        <p:nvSpPr>
+          <p:cNvPr id="14" name="TextBox 13"/>
+          <p:cNvSpPr txBox="1"/>
+          <p:nvPr/>
+        </p:nvSpPr>
+        <p:spPr>
+          <a:xfrm>
+            <a:off x="2025284" y="3680801"/>
+            <a:ext cx="2514022" cy="276999"/>
+          </a:xfrm>
+          <a:prstGeom prst="rect">
+            <a:avLst/>
+          </a:prstGeom>
+        </p:spPr>
+        <p:style>
+          <a:lnRef idx="2">
+            <a:schemeClr val="accent4"/>
+          </a:lnRef>
+          <a:fillRef idx="1">
+            <a:schemeClr val="lt1"/>
+          </a:fillRef>
+          <a:effectRef idx="0">
+            <a:schemeClr val="accent4"/>
+          </a:effectRef>
+          <a:fontRef idx="minor">
+            <a:schemeClr val="dk1"/>
+          </a:fontRef>
+        </p:style>
+        <p:txBody>
+          <a:bodyPr wrap="none" rtlCol="0">
+            <a:spAutoFit/>
+          </a:bodyPr>
+          <a:lstStyle/>
+          <a:p>
+            <a:r>
+              <a:rPr lang="en-US" sz="1200" dirty="0" smtClean="0"/>
+              <a:t>In Memory Authentication Manager</a:t>
+            </a:r>
+            <a:endParaRPr lang="en-US" sz="1200" dirty="0"/>
+          </a:p>
+        </p:txBody>
+      </p:sp>
+      <p:cxnSp>
+        <p:nvCxnSpPr>
+          <p:cNvPr id="16" name="Straight Arrow Connector 15"/>
+          <p:cNvCxnSpPr>
+            <a:stCxn id="3" idx="2"/>
+          </p:cNvCxnSpPr>
+          <p:nvPr/>
+        </p:nvCxnSpPr>
+        <p:spPr>
+          <a:xfrm>
+            <a:off x="3830674" y="2814800"/>
+            <a:ext cx="0" cy="866001"/>
+          </a:xfrm>
+          <a:prstGeom prst="straightConnector1">
+            <a:avLst/>
+          </a:prstGeom>
+          <a:ln>
+            <a:tailEnd type="arrow"/>
+          </a:ln>
+        </p:spPr>
+        <p:style>
+          <a:lnRef idx="1">
+            <a:schemeClr val="accent1"/>
+          </a:lnRef>
+          <a:fillRef idx="0">
+            <a:schemeClr val="accent1"/>
+          </a:fillRef>
+          <a:effectRef idx="0">
+            <a:schemeClr val="accent1"/>
+          </a:effectRef>
+          <a:fontRef idx="minor">
+            <a:schemeClr val="tx1"/>
+          </a:fontRef>
+        </p:style>
+      </p:cxnSp>
+      <p:cxnSp>
+        <p:nvCxnSpPr>
+          <p:cNvPr id="20" name="Elbow Connector 19"/>
+          <p:cNvCxnSpPr>
+            <a:stCxn id="3" idx="3"/>
+            <a:endCxn id="4" idx="0"/>
+          </p:cNvCxnSpPr>
+          <p:nvPr/>
+        </p:nvCxnSpPr>
+        <p:spPr>
+          <a:xfrm>
+            <a:off x="4821274" y="2624300"/>
+            <a:ext cx="1216161" cy="767726"/>
+          </a:xfrm>
+          <a:prstGeom prst="bentConnector2">
+            <a:avLst/>
+          </a:prstGeom>
+          <a:ln>
+            <a:tailEnd type="arrow"/>
+          </a:ln>
+        </p:spPr>
+        <p:style>
+          <a:lnRef idx="1">
+            <a:schemeClr val="accent1"/>
+          </a:lnRef>
+          <a:fillRef idx="0">
+            <a:schemeClr val="accent1"/>
+          </a:fillRef>
+          <a:effectRef idx="0">
+            <a:schemeClr val="accent1"/>
+          </a:effectRef>
+          <a:fontRef idx="minor">
+            <a:schemeClr val="tx1"/>
+          </a:fontRef>
+        </p:style>
+      </p:cxnSp>
+      <p:sp>
+        <p:nvSpPr>
+          <p:cNvPr id="21" name="TextBox 20"/>
+          <p:cNvSpPr txBox="1"/>
+          <p:nvPr/>
+        </p:nvSpPr>
+        <p:spPr>
+          <a:xfrm>
+            <a:off x="5463152" y="457200"/>
+            <a:ext cx="3319755" cy="461665"/>
+          </a:xfrm>
+          <a:prstGeom prst="rect">
+            <a:avLst/>
+          </a:prstGeom>
+          <a:noFill/>
+        </p:spPr>
+        <p:txBody>
+          <a:bodyPr wrap="none" rtlCol="0">
+            <a:spAutoFit/>
+          </a:bodyPr>
+          <a:lstStyle/>
+          <a:p>
+            <a:r>
+              <a:rPr lang="en-US" sz="1200" dirty="0" smtClean="0"/>
+              <a:t>Spring 3  - security configuration  in xml</a:t>
+            </a:r>
+          </a:p>
+          <a:p>
+            <a:r>
+              <a:rPr lang="en-US" sz="1200" dirty="0" smtClean="0"/>
+              <a:t>Spring 4  - </a:t>
+            </a:r>
+            <a:r>
+              <a:rPr lang="en-US" sz="1200" dirty="0"/>
+              <a:t>security configuration </a:t>
+            </a:r>
+            <a:r>
+              <a:rPr lang="en-US" sz="1200" dirty="0" smtClean="0"/>
+              <a:t> using annotation</a:t>
+            </a:r>
+            <a:endParaRPr lang="en-US" sz="1200" dirty="0"/>
+          </a:p>
+        </p:txBody>
+      </p:sp>
+    </p:spTree>
+    <p:extLst>
+      <p:ext uri="{BB962C8B-B14F-4D97-AF65-F5344CB8AC3E}">
+        <p14:creationId xmlns:p14="http://schemas.microsoft.com/office/powerpoint/2010/main" val="601066747"/>
       </p:ext>
     </p:extLst>
   </p:cSld>
